--- a/Documents/Mobile Motion Tracking Robot Arm poster.pptx
+++ b/Documents/Mobile Motion Tracking Robot Arm poster.pptx
@@ -2,15 +2,25 @@
 <file path=ppt/presentation.xml><?xml version="1.0" encoding="utf-8"?>
 <p:presentation xmlns:a="http://schemas.openxmlformats.org/drawingml/2006/main" xmlns:r="http://schemas.openxmlformats.org/officeDocument/2006/relationships" xmlns:p="http://schemas.openxmlformats.org/presentationml/2006/main" saveSubsetFonts="1">
   <p:sldMasterIdLst>
-    <p:sldMasterId id="2147483648" r:id="rId1"/>
+    <p:sldMasterId id="2147483684" r:id="rId1"/>
   </p:sldMasterIdLst>
   <p:sldIdLst>
     <p:sldId id="256" r:id="rId2"/>
-    <p:sldId id="257" r:id="rId3"/>
-    <p:sldId id="258" r:id="rId4"/>
-    <p:sldId id="259" r:id="rId5"/>
-    <p:sldId id="260" r:id="rId6"/>
-    <p:sldId id="261" r:id="rId7"/>
+    <p:sldId id="262" r:id="rId3"/>
+    <p:sldId id="263" r:id="rId4"/>
+    <p:sldId id="264" r:id="rId5"/>
+    <p:sldId id="266" r:id="rId6"/>
+    <p:sldId id="267" r:id="rId7"/>
+    <p:sldId id="268" r:id="rId8"/>
+    <p:sldId id="269" r:id="rId9"/>
+    <p:sldId id="270" r:id="rId10"/>
+    <p:sldId id="271" r:id="rId11"/>
+    <p:sldId id="272" r:id="rId12"/>
+    <p:sldId id="273" r:id="rId13"/>
+    <p:sldId id="274" r:id="rId14"/>
+    <p:sldId id="265" r:id="rId15"/>
+    <p:sldId id="260" r:id="rId16"/>
+    <p:sldId id="261" r:id="rId17"/>
   </p:sldIdLst>
   <p:sldSz cx="9144000" cy="6858000" type="screen4x3"/>
   <p:notesSz cx="6858000" cy="9144000"/>
@@ -109,12 +119,36 @@
       </a:defRPr>
     </a:lvl9pPr>
   </p:defaultTextStyle>
+  <p:extLst>
+    <p:ext uri="{EFAFB233-063F-42B5-8137-9DF3F51BA10A}">
+      <p15:sldGuideLst xmlns:p15="http://schemas.microsoft.com/office/powerpoint/2012/main">
+        <p15:guide id="1" orient="horz" pos="2160">
+          <p15:clr>
+            <a:srgbClr val="A4A3A4"/>
+          </p15:clr>
+        </p15:guide>
+        <p15:guide id="2" pos="2880">
+          <p15:clr>
+            <a:srgbClr val="A4A3A4"/>
+          </p15:clr>
+        </p15:guide>
+      </p15:sldGuideLst>
+    </p:ext>
+  </p:extLst>
 </p:presentation>
 </file>
 
 <file path=ppt/slideLayouts/slideLayout1.xml><?xml version="1.0" encoding="utf-8"?>
-<p:sldLayout xmlns:a="http://schemas.openxmlformats.org/drawingml/2006/main" xmlns:r="http://schemas.openxmlformats.org/officeDocument/2006/relationships" xmlns:p="http://schemas.openxmlformats.org/presentationml/2006/main" type="title" preserve="1">
+<p:sldLayout xmlns:a="http://schemas.openxmlformats.org/drawingml/2006/main" xmlns:r="http://schemas.openxmlformats.org/officeDocument/2006/relationships" xmlns:p="http://schemas.openxmlformats.org/presentationml/2006/main" showMasterSp="0" type="title" preserve="1">
   <p:cSld name="Title Slide">
+    <p:bg>
+      <p:bgPr>
+        <a:solidFill>
+          <a:schemeClr val="bg2"/>
+        </a:solidFill>
+        <a:effectLst/>
+      </p:bgPr>
+    </p:bg>
     <p:spTree>
       <p:nvGrpSpPr>
         <p:cNvPr id="1" name=""/>
@@ -141,197 +175,203 @@
         </p:nvSpPr>
         <p:spPr>
           <a:xfrm>
-            <a:off x="685800" y="2130425"/>
-            <a:ext cx="7772400" cy="1470025"/>
+            <a:off x="1436346" y="1788454"/>
+            <a:ext cx="6270922" cy="2098226"/>
           </a:xfrm>
         </p:spPr>
         <p:txBody>
-          <a:bodyPr/>
-          <a:lstStyle/>
-          <a:p>
-            <a:r>
-              <a:rPr lang="en-US" smtClean="0"/>
-              <a:t>Click to edit Master title style</a:t>
-            </a:r>
-            <a:endParaRPr lang="en-US"/>
-          </a:p>
-        </p:txBody>
-      </p:sp>
-      <p:sp>
-        <p:nvSpPr>
-          <p:cNvPr id="3" name="Subtitle 2"/>
-          <p:cNvSpPr>
-            <a:spLocks noGrp="1"/>
-          </p:cNvSpPr>
-          <p:nvPr>
-            <p:ph type="subTitle" idx="1"/>
-          </p:nvPr>
-        </p:nvSpPr>
-        <p:spPr>
-          <a:xfrm>
-            <a:off x="1371600" y="3886200"/>
-            <a:ext cx="6400800" cy="1752600"/>
-          </a:xfrm>
-        </p:spPr>
-        <p:txBody>
-          <a:bodyPr/>
+          <a:bodyPr anchor="b">
+            <a:noAutofit/>
+          </a:bodyPr>
           <a:lstStyle>
-            <a:lvl1pPr marL="0" indent="0" algn="ctr">
-              <a:buNone/>
-              <a:defRPr>
+            <a:lvl1pPr algn="ctr">
+              <a:defRPr sz="6000" cap="all" baseline="0">
                 <a:solidFill>
-                  <a:schemeClr val="tx1">
-                    <a:tint val="75000"/>
-                  </a:schemeClr>
+                  <a:schemeClr val="tx2"/>
                 </a:solidFill>
               </a:defRPr>
             </a:lvl1pPr>
-            <a:lvl2pPr marL="457200" indent="0" algn="ctr">
-              <a:buNone/>
-              <a:defRPr>
+          </a:lstStyle>
+          <a:p>
+            <a:r>
+              <a:rPr lang="en-US" smtClean="0"/>
+              <a:t>Click to edit Master title style</a:t>
+            </a:r>
+            <a:endParaRPr lang="en-US" dirty="0"/>
+          </a:p>
+        </p:txBody>
+      </p:sp>
+      <p:sp>
+        <p:nvSpPr>
+          <p:cNvPr id="3" name="Subtitle 2"/>
+          <p:cNvSpPr>
+            <a:spLocks noGrp="1"/>
+          </p:cNvSpPr>
+          <p:nvPr>
+            <p:ph type="subTitle" idx="1"/>
+          </p:nvPr>
+        </p:nvSpPr>
+        <p:spPr>
+          <a:xfrm>
+            <a:off x="2009930" y="3956280"/>
+            <a:ext cx="5123755" cy="1086237"/>
+          </a:xfrm>
+        </p:spPr>
+        <p:txBody>
+          <a:bodyPr>
+            <a:normAutofit/>
+          </a:bodyPr>
+          <a:lstStyle>
+            <a:lvl1pPr marL="0" indent="0" algn="ctr">
+              <a:lnSpc>
+                <a:spcPct val="112000"/>
+              </a:lnSpc>
+              <a:spcBef>
+                <a:spcPts val="0"/>
+              </a:spcBef>
+              <a:spcAft>
+                <a:spcPts val="0"/>
+              </a:spcAft>
+              <a:buNone/>
+              <a:defRPr sz="1800"/>
+            </a:lvl1pPr>
+            <a:lvl2pPr marL="342900" indent="0" algn="ctr">
+              <a:buNone/>
+              <a:defRPr sz="1500"/>
+            </a:lvl2pPr>
+            <a:lvl3pPr marL="685800" indent="0" algn="ctr">
+              <a:buNone/>
+              <a:defRPr sz="1350"/>
+            </a:lvl3pPr>
+            <a:lvl4pPr marL="1028700" indent="0" algn="ctr">
+              <a:buNone/>
+              <a:defRPr sz="1200"/>
+            </a:lvl4pPr>
+            <a:lvl5pPr marL="1371600" indent="0" algn="ctr">
+              <a:buNone/>
+              <a:defRPr sz="1200"/>
+            </a:lvl5pPr>
+            <a:lvl6pPr marL="1714500" indent="0" algn="ctr">
+              <a:buNone/>
+              <a:defRPr sz="1200"/>
+            </a:lvl6pPr>
+            <a:lvl7pPr marL="2057400" indent="0" algn="ctr">
+              <a:buNone/>
+              <a:defRPr sz="1200"/>
+            </a:lvl7pPr>
+            <a:lvl8pPr marL="2400300" indent="0" algn="ctr">
+              <a:buNone/>
+              <a:defRPr sz="1200"/>
+            </a:lvl8pPr>
+            <a:lvl9pPr marL="2743200" indent="0" algn="ctr">
+              <a:buNone/>
+              <a:defRPr sz="1200"/>
+            </a:lvl9pPr>
+          </a:lstStyle>
+          <a:p>
+            <a:r>
+              <a:rPr lang="en-US" smtClean="0"/>
+              <a:t>Click to edit Master subtitle style</a:t>
+            </a:r>
+            <a:endParaRPr lang="en-US" dirty="0"/>
+          </a:p>
+        </p:txBody>
+      </p:sp>
+      <p:sp>
+        <p:nvSpPr>
+          <p:cNvPr id="4" name="Date Placeholder 3"/>
+          <p:cNvSpPr>
+            <a:spLocks noGrp="1"/>
+          </p:cNvSpPr>
+          <p:nvPr>
+            <p:ph type="dt" sz="half" idx="10"/>
+          </p:nvPr>
+        </p:nvSpPr>
+        <p:spPr>
+          <a:xfrm>
+            <a:off x="564644" y="6453386"/>
+            <a:ext cx="1205958" cy="404614"/>
+          </a:xfrm>
+        </p:spPr>
+        <p:txBody>
+          <a:bodyPr/>
+          <a:lstStyle>
+            <a:lvl1pPr>
+              <a:defRPr baseline="0">
                 <a:solidFill>
-                  <a:schemeClr val="tx1">
-                    <a:tint val="75000"/>
-                  </a:schemeClr>
+                  <a:schemeClr val="tx2"/>
                 </a:solidFill>
               </a:defRPr>
-            </a:lvl2pPr>
-            <a:lvl3pPr marL="914400" indent="0" algn="ctr">
-              <a:buNone/>
-              <a:defRPr>
+            </a:lvl1pPr>
+          </a:lstStyle>
+          <a:p>
+            <a:fld id="{7903C747-3FF6-48D2-B6AA-BDBF9050E76E}" type="datetimeFigureOut">
+              <a:rPr lang="en-US" smtClean="0"/>
+              <a:t>4/14/2016</a:t>
+            </a:fld>
+            <a:endParaRPr lang="en-US"/>
+          </a:p>
+        </p:txBody>
+      </p:sp>
+      <p:sp>
+        <p:nvSpPr>
+          <p:cNvPr id="5" name="Footer Placeholder 4"/>
+          <p:cNvSpPr>
+            <a:spLocks noGrp="1"/>
+          </p:cNvSpPr>
+          <p:nvPr>
+            <p:ph type="ftr" sz="quarter" idx="11"/>
+          </p:nvPr>
+        </p:nvSpPr>
+        <p:spPr>
+          <a:xfrm>
+            <a:off x="1938041" y="6453386"/>
+            <a:ext cx="5267533" cy="404614"/>
+          </a:xfrm>
+        </p:spPr>
+        <p:txBody>
+          <a:bodyPr/>
+          <a:lstStyle>
+            <a:lvl1pPr algn="ctr">
+              <a:defRPr baseline="0">
                 <a:solidFill>
-                  <a:schemeClr val="tx1">
-                    <a:tint val="75000"/>
-                  </a:schemeClr>
+                  <a:schemeClr val="tx2"/>
                 </a:solidFill>
               </a:defRPr>
-            </a:lvl3pPr>
-            <a:lvl4pPr marL="1371600" indent="0" algn="ctr">
-              <a:buNone/>
-              <a:defRPr>
+            </a:lvl1pPr>
+          </a:lstStyle>
+          <a:p>
+            <a:endParaRPr lang="en-US"/>
+          </a:p>
+        </p:txBody>
+      </p:sp>
+      <p:sp>
+        <p:nvSpPr>
+          <p:cNvPr id="6" name="Slide Number Placeholder 5"/>
+          <p:cNvSpPr>
+            <a:spLocks noGrp="1"/>
+          </p:cNvSpPr>
+          <p:nvPr>
+            <p:ph type="sldNum" sz="quarter" idx="12"/>
+          </p:nvPr>
+        </p:nvSpPr>
+        <p:spPr>
+          <a:xfrm>
+            <a:off x="7373012" y="6453386"/>
+            <a:ext cx="1197219" cy="404614"/>
+          </a:xfrm>
+        </p:spPr>
+        <p:txBody>
+          <a:bodyPr/>
+          <a:lstStyle>
+            <a:lvl1pPr>
+              <a:defRPr baseline="0">
                 <a:solidFill>
-                  <a:schemeClr val="tx1">
-                    <a:tint val="75000"/>
-                  </a:schemeClr>
+                  <a:schemeClr val="tx2"/>
                 </a:solidFill>
               </a:defRPr>
-            </a:lvl4pPr>
-            <a:lvl5pPr marL="1828800" indent="0" algn="ctr">
-              <a:buNone/>
-              <a:defRPr>
-                <a:solidFill>
-                  <a:schemeClr val="tx1">
-                    <a:tint val="75000"/>
-                  </a:schemeClr>
-                </a:solidFill>
-              </a:defRPr>
-            </a:lvl5pPr>
-            <a:lvl6pPr marL="2286000" indent="0" algn="ctr">
-              <a:buNone/>
-              <a:defRPr>
-                <a:solidFill>
-                  <a:schemeClr val="tx1">
-                    <a:tint val="75000"/>
-                  </a:schemeClr>
-                </a:solidFill>
-              </a:defRPr>
-            </a:lvl6pPr>
-            <a:lvl7pPr marL="2743200" indent="0" algn="ctr">
-              <a:buNone/>
-              <a:defRPr>
-                <a:solidFill>
-                  <a:schemeClr val="tx1">
-                    <a:tint val="75000"/>
-                  </a:schemeClr>
-                </a:solidFill>
-              </a:defRPr>
-            </a:lvl7pPr>
-            <a:lvl8pPr marL="3200400" indent="0" algn="ctr">
-              <a:buNone/>
-              <a:defRPr>
-                <a:solidFill>
-                  <a:schemeClr val="tx1">
-                    <a:tint val="75000"/>
-                  </a:schemeClr>
-                </a:solidFill>
-              </a:defRPr>
-            </a:lvl8pPr>
-            <a:lvl9pPr marL="3657600" indent="0" algn="ctr">
-              <a:buNone/>
-              <a:defRPr>
-                <a:solidFill>
-                  <a:schemeClr val="tx1">
-                    <a:tint val="75000"/>
-                  </a:schemeClr>
-                </a:solidFill>
-              </a:defRPr>
-            </a:lvl9pPr>
+            </a:lvl1pPr>
           </a:lstStyle>
-          <a:p>
-            <a:r>
-              <a:rPr lang="en-US" smtClean="0"/>
-              <a:t>Click to edit Master subtitle style</a:t>
-            </a:r>
-            <a:endParaRPr lang="en-US"/>
-          </a:p>
-        </p:txBody>
-      </p:sp>
-      <p:sp>
-        <p:nvSpPr>
-          <p:cNvPr id="4" name="Date Placeholder 3"/>
-          <p:cNvSpPr>
-            <a:spLocks noGrp="1"/>
-          </p:cNvSpPr>
-          <p:nvPr>
-            <p:ph type="dt" sz="half" idx="10"/>
-          </p:nvPr>
-        </p:nvSpPr>
-        <p:spPr/>
-        <p:txBody>
-          <a:bodyPr/>
-          <a:lstStyle/>
-          <a:p>
-            <a:fld id="{7903C747-3FF6-48D2-B6AA-BDBF9050E76E}" type="datetimeFigureOut">
-              <a:rPr lang="en-US" smtClean="0"/>
-              <a:t>4/5/2016</a:t>
-            </a:fld>
-            <a:endParaRPr lang="en-US"/>
-          </a:p>
-        </p:txBody>
-      </p:sp>
-      <p:sp>
-        <p:nvSpPr>
-          <p:cNvPr id="5" name="Footer Placeholder 4"/>
-          <p:cNvSpPr>
-            <a:spLocks noGrp="1"/>
-          </p:cNvSpPr>
-          <p:nvPr>
-            <p:ph type="ftr" sz="quarter" idx="11"/>
-          </p:nvPr>
-        </p:nvSpPr>
-        <p:spPr/>
-        <p:txBody>
-          <a:bodyPr/>
-          <a:lstStyle/>
-          <a:p>
-            <a:endParaRPr lang="en-US"/>
-          </a:p>
-        </p:txBody>
-      </p:sp>
-      <p:sp>
-        <p:nvSpPr>
-          <p:cNvPr id="6" name="Slide Number Placeholder 5"/>
-          <p:cNvSpPr>
-            <a:spLocks noGrp="1"/>
-          </p:cNvSpPr>
-          <p:nvPr>
-            <p:ph type="sldNum" sz="quarter" idx="12"/>
-          </p:nvPr>
-        </p:nvSpPr>
-        <p:spPr/>
-        <p:txBody>
-          <a:bodyPr/>
-          <a:lstStyle/>
           <a:p>
             <a:fld id="{984D28F6-DD7E-4808-A4B0-F9DD0FC69112}" type="slidenum">
               <a:rPr lang="en-US" smtClean="0"/>
@@ -341,10 +381,139 @@
           </a:p>
         </p:txBody>
       </p:sp>
+      <p:grpSp>
+        <p:nvGrpSpPr>
+          <p:cNvPr id="8" name="Group 7"/>
+          <p:cNvGrpSpPr/>
+          <p:nvPr/>
+        </p:nvGrpSpPr>
+        <p:grpSpPr>
+          <a:xfrm>
+            <a:off x="564643" y="744469"/>
+            <a:ext cx="8005589" cy="5349671"/>
+            <a:chOff x="564643" y="744469"/>
+            <a:chExt cx="8005589" cy="5349671"/>
+          </a:xfrm>
+        </p:grpSpPr>
+        <p:sp>
+          <p:nvSpPr>
+            <p:cNvPr id="11" name="Freeform 6"/>
+            <p:cNvSpPr/>
+            <p:nvPr/>
+          </p:nvSpPr>
+          <p:spPr bwMode="auto">
+            <a:xfrm>
+              <a:off x="6113972" y="1685652"/>
+              <a:ext cx="2456260" cy="4408488"/>
+            </a:xfrm>
+            <a:custGeom>
+              <a:avLst/>
+              <a:gdLst/>
+              <a:ahLst/>
+              <a:cxnLst/>
+              <a:rect l="l" t="t" r="r" b="b"/>
+              <a:pathLst>
+                <a:path w="10000" h="10000">
+                  <a:moveTo>
+                    <a:pt x="8761" y="0"/>
+                  </a:moveTo>
+                  <a:lnTo>
+                    <a:pt x="10000" y="0"/>
+                  </a:lnTo>
+                  <a:lnTo>
+                    <a:pt x="10000" y="10000"/>
+                  </a:lnTo>
+                  <a:lnTo>
+                    <a:pt x="0" y="10000"/>
+                  </a:lnTo>
+                  <a:lnTo>
+                    <a:pt x="0" y="9357"/>
+                  </a:lnTo>
+                  <a:lnTo>
+                    <a:pt x="8761" y="9357"/>
+                  </a:lnTo>
+                  <a:lnTo>
+                    <a:pt x="8761" y="0"/>
+                  </a:lnTo>
+                  <a:close/>
+                </a:path>
+              </a:pathLst>
+            </a:custGeom>
+            <a:solidFill>
+              <a:schemeClr val="tx2"/>
+            </a:solidFill>
+            <a:ln w="0">
+              <a:noFill/>
+              <a:prstDash val="solid"/>
+              <a:round/>
+              <a:headEnd/>
+              <a:tailEnd/>
+            </a:ln>
+          </p:spPr>
+        </p:sp>
+        <p:sp>
+          <p:nvSpPr>
+            <p:cNvPr id="14" name="Freeform 6"/>
+            <p:cNvSpPr/>
+            <p:nvPr/>
+          </p:nvSpPr>
+          <p:spPr bwMode="auto">
+            <a:xfrm flipH="1" flipV="1">
+              <a:off x="564643" y="744469"/>
+              <a:ext cx="2456505" cy="4408488"/>
+            </a:xfrm>
+            <a:custGeom>
+              <a:avLst/>
+              <a:gdLst/>
+              <a:ahLst/>
+              <a:cxnLst/>
+              <a:rect l="l" t="t" r="r" b="b"/>
+              <a:pathLst>
+                <a:path w="10001" h="10000">
+                  <a:moveTo>
+                    <a:pt x="8762" y="0"/>
+                  </a:moveTo>
+                  <a:lnTo>
+                    <a:pt x="10001" y="0"/>
+                  </a:lnTo>
+                  <a:lnTo>
+                    <a:pt x="10001" y="10000"/>
+                  </a:lnTo>
+                  <a:lnTo>
+                    <a:pt x="1" y="10000"/>
+                  </a:lnTo>
+                  <a:cubicBezTo>
+                    <a:pt x="-2" y="9766"/>
+                    <a:pt x="4" y="9586"/>
+                    <a:pt x="1" y="9352"/>
+                  </a:cubicBezTo>
+                  <a:lnTo>
+                    <a:pt x="8762" y="9346"/>
+                  </a:lnTo>
+                  <a:lnTo>
+                    <a:pt x="8762" y="0"/>
+                  </a:lnTo>
+                  <a:close/>
+                </a:path>
+              </a:pathLst>
+            </a:custGeom>
+            <a:solidFill>
+              <a:schemeClr val="tx2"/>
+            </a:solidFill>
+            <a:ln w="0">
+              <a:noFill/>
+              <a:prstDash val="solid"/>
+              <a:round/>
+              <a:headEnd/>
+              <a:tailEnd/>
+            </a:ln>
+          </p:spPr>
+        </p:sp>
+      </p:grpSp>
     </p:spTree>
     <p:extLst>
       <p:ext uri="{BB962C8B-B14F-4D97-AF65-F5344CB8AC3E}">
-        <p14:creationId xmlns:p14="http://schemas.microsoft.com/office/powerpoint/2010/main" val="3850415509"/>
+        <p14:creationId xmlns:p14="http://schemas.microsoft.com/office/powerpoint/2010/main" val="2880386236"/>
       </p:ext>
     </p:extLst>
   </p:cSld>
@@ -390,7 +559,7 @@
               <a:rPr lang="en-US" smtClean="0"/>
               <a:t>Click to edit Master title style</a:t>
             </a:r>
-            <a:endParaRPr lang="en-US"/>
+            <a:endParaRPr lang="en-US" dirty="0"/>
           </a:p>
         </p:txBody>
       </p:sp>
@@ -404,66 +573,71 @@
             <p:ph type="body" orient="vert" idx="1"/>
           </p:nvPr>
         </p:nvSpPr>
+        <p:spPr>
+          <a:xfrm>
+            <a:off x="1028700" y="2295526"/>
+            <a:ext cx="7200900" cy="3571875"/>
+          </a:xfrm>
+        </p:spPr>
+        <p:txBody>
+          <a:bodyPr vert="eaVert"/>
+          <a:lstStyle/>
+          <a:p>
+            <a:pPr lvl="0"/>
+            <a:r>
+              <a:rPr lang="en-US" smtClean="0"/>
+              <a:t>Click to edit Master text styles</a:t>
+            </a:r>
+          </a:p>
+          <a:p>
+            <a:pPr lvl="1"/>
+            <a:r>
+              <a:rPr lang="en-US" smtClean="0"/>
+              <a:t>Second level</a:t>
+            </a:r>
+          </a:p>
+          <a:p>
+            <a:pPr lvl="2"/>
+            <a:r>
+              <a:rPr lang="en-US" smtClean="0"/>
+              <a:t>Third level</a:t>
+            </a:r>
+          </a:p>
+          <a:p>
+            <a:pPr lvl="3"/>
+            <a:r>
+              <a:rPr lang="en-US" smtClean="0"/>
+              <a:t>Fourth level</a:t>
+            </a:r>
+          </a:p>
+          <a:p>
+            <a:pPr lvl="4"/>
+            <a:r>
+              <a:rPr lang="en-US" smtClean="0"/>
+              <a:t>Fifth level</a:t>
+            </a:r>
+            <a:endParaRPr lang="en-US" dirty="0"/>
+          </a:p>
+        </p:txBody>
+      </p:sp>
+      <p:sp>
+        <p:nvSpPr>
+          <p:cNvPr id="4" name="Date Placeholder 3"/>
+          <p:cNvSpPr>
+            <a:spLocks noGrp="1"/>
+          </p:cNvSpPr>
+          <p:nvPr>
+            <p:ph type="dt" sz="half" idx="10"/>
+          </p:nvPr>
+        </p:nvSpPr>
         <p:spPr/>
         <p:txBody>
-          <a:bodyPr vert="eaVert"/>
-          <a:lstStyle/>
-          <a:p>
-            <a:pPr lvl="0"/>
-            <a:r>
-              <a:rPr lang="en-US" smtClean="0"/>
-              <a:t>Click to edit Master text styles</a:t>
-            </a:r>
-          </a:p>
-          <a:p>
-            <a:pPr lvl="1"/>
-            <a:r>
-              <a:rPr lang="en-US" smtClean="0"/>
-              <a:t>Second level</a:t>
-            </a:r>
-          </a:p>
-          <a:p>
-            <a:pPr lvl="2"/>
-            <a:r>
-              <a:rPr lang="en-US" smtClean="0"/>
-              <a:t>Third level</a:t>
-            </a:r>
-          </a:p>
-          <a:p>
-            <a:pPr lvl="3"/>
-            <a:r>
-              <a:rPr lang="en-US" smtClean="0"/>
-              <a:t>Fourth level</a:t>
-            </a:r>
-          </a:p>
-          <a:p>
-            <a:pPr lvl="4"/>
-            <a:r>
-              <a:rPr lang="en-US" smtClean="0"/>
-              <a:t>Fifth level</a:t>
-            </a:r>
-            <a:endParaRPr lang="en-US"/>
-          </a:p>
-        </p:txBody>
-      </p:sp>
-      <p:sp>
-        <p:nvSpPr>
-          <p:cNvPr id="4" name="Date Placeholder 3"/>
-          <p:cNvSpPr>
-            <a:spLocks noGrp="1"/>
-          </p:cNvSpPr>
-          <p:nvPr>
-            <p:ph type="dt" sz="half" idx="10"/>
-          </p:nvPr>
-        </p:nvSpPr>
-        <p:spPr/>
-        <p:txBody>
           <a:bodyPr/>
           <a:lstStyle/>
           <a:p>
             <a:fld id="{7903C747-3FF6-48D2-B6AA-BDBF9050E76E}" type="datetimeFigureOut">
               <a:rPr lang="en-US" smtClean="0"/>
-              <a:t>4/5/2016</a:t>
+              <a:t>4/14/2016</a:t>
             </a:fld>
             <a:endParaRPr lang="en-US"/>
           </a:p>
@@ -514,7 +688,7 @@
     </p:spTree>
     <p:extLst>
       <p:ext uri="{BB962C8B-B14F-4D97-AF65-F5344CB8AC3E}">
-        <p14:creationId xmlns:p14="http://schemas.microsoft.com/office/powerpoint/2010/main" val="3591007615"/>
+        <p14:creationId xmlns:p14="http://schemas.microsoft.com/office/powerpoint/2010/main" val="509747065"/>
       </p:ext>
     </p:extLst>
   </p:cSld>
@@ -553,8 +727,8 @@
         </p:nvSpPr>
         <p:spPr>
           <a:xfrm>
-            <a:off x="6629400" y="274638"/>
-            <a:ext cx="2057400" cy="5851525"/>
+            <a:off x="6880797" y="624156"/>
+            <a:ext cx="1490950" cy="5243244"/>
           </a:xfrm>
         </p:spPr>
         <p:txBody>
@@ -565,7 +739,7 @@
               <a:rPr lang="en-US" smtClean="0"/>
               <a:t>Click to edit Master title style</a:t>
             </a:r>
-            <a:endParaRPr lang="en-US"/>
+            <a:endParaRPr lang="en-US" dirty="0"/>
           </a:p>
         </p:txBody>
       </p:sp>
@@ -581,8 +755,8 @@
         </p:nvSpPr>
         <p:spPr>
           <a:xfrm>
-            <a:off x="457200" y="274638"/>
-            <a:ext cx="6019800" cy="5851525"/>
+            <a:off x="1028700" y="624156"/>
+            <a:ext cx="5724525" cy="5243244"/>
           </a:xfrm>
         </p:spPr>
         <p:txBody>
@@ -622,7 +796,7 @@
               <a:rPr lang="en-US" smtClean="0"/>
               <a:t>Fifth level</a:t>
             </a:r>
-            <a:endParaRPr lang="en-US"/>
+            <a:endParaRPr lang="en-US" dirty="0"/>
           </a:p>
         </p:txBody>
       </p:sp>
@@ -643,7 +817,7 @@
           <a:p>
             <a:fld id="{7903C747-3FF6-48D2-B6AA-BDBF9050E76E}" type="datetimeFigureOut">
               <a:rPr lang="en-US" smtClean="0"/>
-              <a:t>4/5/2016</a:t>
+              <a:t>4/14/2016</a:t>
             </a:fld>
             <a:endParaRPr lang="en-US"/>
           </a:p>
@@ -694,7 +868,7 @@
     </p:spTree>
     <p:extLst>
       <p:ext uri="{BB962C8B-B14F-4D97-AF65-F5344CB8AC3E}">
-        <p14:creationId xmlns:p14="http://schemas.microsoft.com/office/powerpoint/2010/main" val="3690914102"/>
+        <p14:creationId xmlns:p14="http://schemas.microsoft.com/office/powerpoint/2010/main" val="2894068000"/>
       </p:ext>
     </p:extLst>
   </p:cSld>
@@ -740,7 +914,7 @@
               <a:rPr lang="en-US" smtClean="0"/>
               <a:t>Click to edit Master title style</a:t>
             </a:r>
-            <a:endParaRPr lang="en-US"/>
+            <a:endParaRPr lang="en-US" dirty="0"/>
           </a:p>
         </p:txBody>
       </p:sp>
@@ -792,7 +966,7 @@
               <a:rPr lang="en-US" smtClean="0"/>
               <a:t>Fifth level</a:t>
             </a:r>
-            <a:endParaRPr lang="en-US"/>
+            <a:endParaRPr lang="en-US" dirty="0"/>
           </a:p>
         </p:txBody>
       </p:sp>
@@ -813,7 +987,7 @@
           <a:p>
             <a:fld id="{7903C747-3FF6-48D2-B6AA-BDBF9050E76E}" type="datetimeFigureOut">
               <a:rPr lang="en-US" smtClean="0"/>
-              <a:t>4/5/2016</a:t>
+              <a:t>4/14/2016</a:t>
             </a:fld>
             <a:endParaRPr lang="en-US"/>
           </a:p>
@@ -864,7 +1038,7 @@
     </p:spTree>
     <p:extLst>
       <p:ext uri="{BB962C8B-B14F-4D97-AF65-F5344CB8AC3E}">
-        <p14:creationId xmlns:p14="http://schemas.microsoft.com/office/powerpoint/2010/main" val="3486787419"/>
+        <p14:creationId xmlns:p14="http://schemas.microsoft.com/office/powerpoint/2010/main" val="1631842079"/>
       </p:ext>
     </p:extLst>
   </p:cSld>
@@ -875,8 +1049,13 @@
 </file>
 
 <file path=ppt/slideLayouts/slideLayout3.xml><?xml version="1.0" encoding="utf-8"?>
-<p:sldLayout xmlns:a="http://schemas.openxmlformats.org/drawingml/2006/main" xmlns:r="http://schemas.openxmlformats.org/officeDocument/2006/relationships" xmlns:p="http://schemas.openxmlformats.org/presentationml/2006/main" type="secHead" preserve="1">
+<p:sldLayout xmlns:a="http://schemas.openxmlformats.org/drawingml/2006/main" xmlns:r="http://schemas.openxmlformats.org/officeDocument/2006/relationships" xmlns:p="http://schemas.openxmlformats.org/presentationml/2006/main" showMasterSp="0" type="secHead" preserve="1">
   <p:cSld name="Section Header">
+    <p:bg>
+      <p:bgRef idx="1001">
+        <a:schemeClr val="bg2"/>
+      </p:bgRef>
+    </p:bg>
     <p:spTree>
       <p:nvGrpSpPr>
         <p:cNvPr id="1" name=""/>
@@ -903,58 +1082,71 @@
         </p:nvSpPr>
         <p:spPr>
           <a:xfrm>
-            <a:off x="722313" y="4406900"/>
-            <a:ext cx="7772400" cy="1362075"/>
+            <a:off x="573769" y="1301361"/>
+            <a:ext cx="7209728" cy="2852737"/>
           </a:xfrm>
         </p:spPr>
         <p:txBody>
-          <a:bodyPr anchor="t"/>
+          <a:bodyPr anchor="b">
+            <a:normAutofit/>
+          </a:bodyPr>
           <a:lstStyle>
-            <a:lvl1pPr algn="l">
-              <a:defRPr sz="4000" b="1" cap="all"/>
-            </a:lvl1pPr>
-          </a:lstStyle>
-          <a:p>
-            <a:r>
-              <a:rPr lang="en-US" smtClean="0"/>
-              <a:t>Click to edit Master title style</a:t>
-            </a:r>
-            <a:endParaRPr lang="en-US"/>
-          </a:p>
-        </p:txBody>
-      </p:sp>
-      <p:sp>
-        <p:nvSpPr>
-          <p:cNvPr id="3" name="Text Placeholder 2"/>
-          <p:cNvSpPr>
-            <a:spLocks noGrp="1"/>
-          </p:cNvSpPr>
-          <p:nvPr>
-            <p:ph type="body" idx="1"/>
-          </p:nvPr>
-        </p:nvSpPr>
-        <p:spPr>
-          <a:xfrm>
-            <a:off x="722313" y="2906713"/>
-            <a:ext cx="7772400" cy="1500187"/>
-          </a:xfrm>
-        </p:spPr>
-        <p:txBody>
-          <a:bodyPr anchor="b"/>
-          <a:lstStyle>
-            <a:lvl1pPr marL="0" indent="0">
-              <a:buNone/>
-              <a:defRPr sz="2000">
+            <a:lvl1pPr algn="r">
+              <a:defRPr sz="6000" cap="all" baseline="0">
                 <a:solidFill>
-                  <a:schemeClr val="tx1">
-                    <a:tint val="75000"/>
-                  </a:schemeClr>
+                  <a:schemeClr val="tx2"/>
                 </a:solidFill>
               </a:defRPr>
             </a:lvl1pPr>
-            <a:lvl2pPr marL="457200" indent="0">
+          </a:lstStyle>
+          <a:p>
+            <a:r>
+              <a:rPr lang="en-US" smtClean="0"/>
+              <a:t>Click to edit Master title style</a:t>
+            </a:r>
+            <a:endParaRPr lang="en-US" dirty="0"/>
+          </a:p>
+        </p:txBody>
+      </p:sp>
+      <p:sp>
+        <p:nvSpPr>
+          <p:cNvPr id="3" name="Text Placeholder 2"/>
+          <p:cNvSpPr>
+            <a:spLocks noGrp="1"/>
+          </p:cNvSpPr>
+          <p:nvPr>
+            <p:ph type="body" idx="1"/>
+          </p:nvPr>
+        </p:nvSpPr>
+        <p:spPr>
+          <a:xfrm>
+            <a:off x="573769" y="4216328"/>
+            <a:ext cx="7209728" cy="1143324"/>
+          </a:xfrm>
+        </p:spPr>
+        <p:txBody>
+          <a:bodyPr/>
+          <a:lstStyle>
+            <a:lvl1pPr marL="0" indent="0" algn="r">
+              <a:lnSpc>
+                <a:spcPct val="112000"/>
+              </a:lnSpc>
+              <a:spcBef>
+                <a:spcPts val="0"/>
+              </a:spcBef>
+              <a:spcAft>
+                <a:spcPts val="0"/>
+              </a:spcAft>
               <a:buNone/>
               <a:defRPr sz="1800">
+                <a:solidFill>
+                  <a:schemeClr val="tx2"/>
+                </a:solidFill>
+              </a:defRPr>
+            </a:lvl1pPr>
+            <a:lvl2pPr marL="342900" indent="0">
+              <a:buNone/>
+              <a:defRPr sz="1500">
                 <a:solidFill>
                   <a:schemeClr val="tx1">
                     <a:tint val="75000"/>
@@ -962,9 +1154,9 @@
                 </a:solidFill>
               </a:defRPr>
             </a:lvl2pPr>
-            <a:lvl3pPr marL="914400" indent="0">
-              <a:buNone/>
-              <a:defRPr sz="1600">
+            <a:lvl3pPr marL="685800" indent="0">
+              <a:buNone/>
+              <a:defRPr sz="1350">
                 <a:solidFill>
                   <a:schemeClr val="tx1">
                     <a:tint val="75000"/>
@@ -972,9 +1164,9 @@
                 </a:solidFill>
               </a:defRPr>
             </a:lvl3pPr>
-            <a:lvl4pPr marL="1371600" indent="0">
-              <a:buNone/>
-              <a:defRPr sz="1400">
+            <a:lvl4pPr marL="1028700" indent="0">
+              <a:buNone/>
+              <a:defRPr sz="1200">
                 <a:solidFill>
                   <a:schemeClr val="tx1">
                     <a:tint val="75000"/>
@@ -982,9 +1174,9 @@
                 </a:solidFill>
               </a:defRPr>
             </a:lvl4pPr>
-            <a:lvl5pPr marL="1828800" indent="0">
-              <a:buNone/>
-              <a:defRPr sz="1400">
+            <a:lvl5pPr marL="1371600" indent="0">
+              <a:buNone/>
+              <a:defRPr sz="1200">
                 <a:solidFill>
                   <a:schemeClr val="tx1">
                     <a:tint val="75000"/>
@@ -992,9 +1184,9 @@
                 </a:solidFill>
               </a:defRPr>
             </a:lvl5pPr>
-            <a:lvl6pPr marL="2286000" indent="0">
-              <a:buNone/>
-              <a:defRPr sz="1400">
+            <a:lvl6pPr marL="1714500" indent="0">
+              <a:buNone/>
+              <a:defRPr sz="1200">
                 <a:solidFill>
                   <a:schemeClr val="tx1">
                     <a:tint val="75000"/>
@@ -1002,9 +1194,9 @@
                 </a:solidFill>
               </a:defRPr>
             </a:lvl6pPr>
-            <a:lvl7pPr marL="2743200" indent="0">
-              <a:buNone/>
-              <a:defRPr sz="1400">
+            <a:lvl7pPr marL="2057400" indent="0">
+              <a:buNone/>
+              <a:defRPr sz="1200">
                 <a:solidFill>
                   <a:schemeClr val="tx1">
                     <a:tint val="75000"/>
@@ -1012,9 +1204,9 @@
                 </a:solidFill>
               </a:defRPr>
             </a:lvl7pPr>
-            <a:lvl8pPr marL="3200400" indent="0">
-              <a:buNone/>
-              <a:defRPr sz="1400">
+            <a:lvl8pPr marL="2400300" indent="0">
+              <a:buNone/>
+              <a:defRPr sz="1200">
                 <a:solidFill>
                   <a:schemeClr val="tx1">
                     <a:tint val="75000"/>
@@ -1022,9 +1214,9 @@
                 </a:solidFill>
               </a:defRPr>
             </a:lvl8pPr>
-            <a:lvl9pPr marL="3657600" indent="0">
-              <a:buNone/>
-              <a:defRPr sz="1400">
+            <a:lvl9pPr marL="2743200" indent="0">
+              <a:buNone/>
+              <a:defRPr sz="1200">
                 <a:solidFill>
                   <a:schemeClr val="tx1">
                     <a:tint val="75000"/>
@@ -1052,14 +1244,27 @@
             <p:ph type="dt" sz="half" idx="10"/>
           </p:nvPr>
         </p:nvSpPr>
-        <p:spPr/>
-        <p:txBody>
-          <a:bodyPr/>
-          <a:lstStyle/>
+        <p:spPr>
+          <a:xfrm>
+            <a:off x="554181" y="6453386"/>
+            <a:ext cx="1216807" cy="404614"/>
+          </a:xfrm>
+        </p:spPr>
+        <p:txBody>
+          <a:bodyPr/>
+          <a:lstStyle>
+            <a:lvl1pPr>
+              <a:defRPr>
+                <a:solidFill>
+                  <a:schemeClr val="tx2"/>
+                </a:solidFill>
+              </a:defRPr>
+            </a:lvl1pPr>
+          </a:lstStyle>
           <a:p>
             <a:fld id="{7903C747-3FF6-48D2-B6AA-BDBF9050E76E}" type="datetimeFigureOut">
               <a:rPr lang="en-US" smtClean="0"/>
-              <a:t>4/5/2016</a:t>
+              <a:t>4/14/2016</a:t>
             </a:fld>
             <a:endParaRPr lang="en-US"/>
           </a:p>
@@ -1075,10 +1280,23 @@
             <p:ph type="ftr" sz="quarter" idx="11"/>
           </p:nvPr>
         </p:nvSpPr>
-        <p:spPr/>
-        <p:txBody>
-          <a:bodyPr/>
-          <a:lstStyle/>
+        <p:spPr>
+          <a:xfrm>
+            <a:off x="1938234" y="6453386"/>
+            <a:ext cx="5267533" cy="404614"/>
+          </a:xfrm>
+        </p:spPr>
+        <p:txBody>
+          <a:bodyPr/>
+          <a:lstStyle>
+            <a:lvl1pPr algn="ctr">
+              <a:defRPr>
+                <a:solidFill>
+                  <a:schemeClr val="tx2"/>
+                </a:solidFill>
+              </a:defRPr>
+            </a:lvl1pPr>
+          </a:lstStyle>
           <a:p>
             <a:endParaRPr lang="en-US"/>
           </a:p>
@@ -1094,10 +1312,23 @@
             <p:ph type="sldNum" sz="quarter" idx="12"/>
           </p:nvPr>
         </p:nvSpPr>
-        <p:spPr/>
-        <p:txBody>
-          <a:bodyPr/>
-          <a:lstStyle/>
+        <p:spPr>
+          <a:xfrm>
+            <a:off x="7373012" y="6453386"/>
+            <a:ext cx="1197219" cy="404614"/>
+          </a:xfrm>
+        </p:spPr>
+        <p:txBody>
+          <a:bodyPr/>
+          <a:lstStyle>
+            <a:lvl1pPr>
+              <a:defRPr>
+                <a:solidFill>
+                  <a:schemeClr val="tx2"/>
+                </a:solidFill>
+              </a:defRPr>
+            </a:lvl1pPr>
+          </a:lstStyle>
           <a:p>
             <a:fld id="{984D28F6-DD7E-4808-A4B0-F9DD0FC69112}" type="slidenum">
               <a:rPr lang="en-US" smtClean="0"/>
@@ -1107,15 +1338,127 @@
           </a:p>
         </p:txBody>
       </p:sp>
+      <p:sp>
+        <p:nvSpPr>
+          <p:cNvPr id="7" name="Freeform 6"/>
+          <p:cNvSpPr/>
+          <p:nvPr/>
+        </p:nvSpPr>
+        <p:spPr bwMode="auto">
+          <a:xfrm>
+            <a:off x="6113972" y="1685652"/>
+            <a:ext cx="2456260" cy="4408488"/>
+          </a:xfrm>
+          <a:custGeom>
+            <a:avLst/>
+            <a:gdLst/>
+            <a:ahLst/>
+            <a:cxnLst/>
+            <a:rect l="0" t="0" r="r" b="b"/>
+            <a:pathLst>
+              <a:path w="4125" h="5554">
+                <a:moveTo>
+                  <a:pt x="3614" y="0"/>
+                </a:moveTo>
+                <a:lnTo>
+                  <a:pt x="4125" y="0"/>
+                </a:lnTo>
+                <a:lnTo>
+                  <a:pt x="4125" y="5554"/>
+                </a:lnTo>
+                <a:lnTo>
+                  <a:pt x="0" y="5554"/>
+                </a:lnTo>
+                <a:lnTo>
+                  <a:pt x="0" y="5074"/>
+                </a:lnTo>
+                <a:lnTo>
+                  <a:pt x="3614" y="5074"/>
+                </a:lnTo>
+                <a:lnTo>
+                  <a:pt x="3614" y="0"/>
+                </a:lnTo>
+                <a:close/>
+              </a:path>
+            </a:pathLst>
+          </a:custGeom>
+          <a:solidFill>
+            <a:schemeClr val="bg2"/>
+          </a:solidFill>
+          <a:ln w="0">
+            <a:noFill/>
+            <a:prstDash val="solid"/>
+            <a:round/>
+            <a:headEnd/>
+            <a:tailEnd/>
+          </a:ln>
+        </p:spPr>
+      </p:sp>
+      <p:sp>
+        <p:nvSpPr>
+          <p:cNvPr id="8" name="Freeform 7" title="Crop Mark"/>
+          <p:cNvSpPr/>
+          <p:nvPr/>
+        </p:nvSpPr>
+        <p:spPr bwMode="auto">
+          <a:xfrm>
+            <a:off x="6113972" y="1685652"/>
+            <a:ext cx="2456260" cy="4408488"/>
+          </a:xfrm>
+          <a:custGeom>
+            <a:avLst/>
+            <a:gdLst/>
+            <a:ahLst/>
+            <a:cxnLst/>
+            <a:rect l="0" t="0" r="r" b="b"/>
+            <a:pathLst>
+              <a:path w="4125" h="5554">
+                <a:moveTo>
+                  <a:pt x="3614" y="0"/>
+                </a:moveTo>
+                <a:lnTo>
+                  <a:pt x="4125" y="0"/>
+                </a:lnTo>
+                <a:lnTo>
+                  <a:pt x="4125" y="5554"/>
+                </a:lnTo>
+                <a:lnTo>
+                  <a:pt x="0" y="5554"/>
+                </a:lnTo>
+                <a:lnTo>
+                  <a:pt x="0" y="5074"/>
+                </a:lnTo>
+                <a:lnTo>
+                  <a:pt x="3614" y="5074"/>
+                </a:lnTo>
+                <a:lnTo>
+                  <a:pt x="3614" y="0"/>
+                </a:lnTo>
+                <a:close/>
+              </a:path>
+            </a:pathLst>
+          </a:custGeom>
+          <a:solidFill>
+            <a:schemeClr val="tx2"/>
+          </a:solidFill>
+          <a:ln w="0">
+            <a:noFill/>
+            <a:prstDash val="solid"/>
+            <a:round/>
+            <a:headEnd/>
+            <a:tailEnd/>
+          </a:ln>
+        </p:spPr>
+      </p:sp>
     </p:spTree>
     <p:extLst>
       <p:ext uri="{BB962C8B-B14F-4D97-AF65-F5344CB8AC3E}">
-        <p14:creationId xmlns:p14="http://schemas.microsoft.com/office/powerpoint/2010/main" val="2672416939"/>
+        <p14:creationId xmlns:p14="http://schemas.microsoft.com/office/powerpoint/2010/main" val="2922422656"/>
       </p:ext>
     </p:extLst>
   </p:cSld>
   <p:clrMapOvr>
-    <a:masterClrMapping/>
+    <a:overrideClrMapping bg1="dk1" tx1="lt1" bg2="dk2" tx2="lt2" accent1="accent1" accent2="accent2" accent3="accent3" accent4="accent4" accent5="accent5" accent6="accent6" hlink="hlink" folHlink="folHlink"/>
   </p:clrMapOvr>
 </p:sldLayout>
 </file>
@@ -1150,13 +1493,21 @@
         <p:spPr/>
         <p:txBody>
           <a:bodyPr/>
-          <a:lstStyle/>
+          <a:lstStyle>
+            <a:lvl1pPr>
+              <a:defRPr>
+                <a:solidFill>
+                  <a:schemeClr val="tx2"/>
+                </a:solidFill>
+              </a:defRPr>
+            </a:lvl1pPr>
+          </a:lstStyle>
           <a:p>
             <a:r>
               <a:rPr lang="en-US" smtClean="0"/>
               <a:t>Click to edit Master title style</a:t>
             </a:r>
-            <a:endParaRPr lang="en-US"/>
+            <a:endParaRPr lang="en-US" dirty="0"/>
           </a:p>
         </p:txBody>
       </p:sp>
@@ -1172,40 +1523,48 @@
         </p:nvSpPr>
         <p:spPr>
           <a:xfrm>
-            <a:off x="457200" y="1600200"/>
-            <a:ext cx="4038600" cy="4525963"/>
+            <a:off x="1028700" y="2286000"/>
+            <a:ext cx="3335840" cy="3581401"/>
           </a:xfrm>
         </p:spPr>
         <p:txBody>
           <a:bodyPr/>
           <a:lstStyle>
             <a:lvl1pPr>
-              <a:defRPr sz="2800"/>
+              <a:defRPr baseline="0">
+                <a:solidFill>
+                  <a:schemeClr val="tx2"/>
+                </a:solidFill>
+              </a:defRPr>
             </a:lvl1pPr>
             <a:lvl2pPr>
-              <a:defRPr sz="2400"/>
+              <a:defRPr baseline="0">
+                <a:solidFill>
+                  <a:schemeClr val="tx2"/>
+                </a:solidFill>
+              </a:defRPr>
             </a:lvl2pPr>
             <a:lvl3pPr>
-              <a:defRPr sz="2000"/>
+              <a:defRPr baseline="0">
+                <a:solidFill>
+                  <a:schemeClr val="tx2"/>
+                </a:solidFill>
+              </a:defRPr>
             </a:lvl3pPr>
             <a:lvl4pPr>
-              <a:defRPr sz="1800"/>
+              <a:defRPr baseline="0">
+                <a:solidFill>
+                  <a:schemeClr val="tx2"/>
+                </a:solidFill>
+              </a:defRPr>
             </a:lvl4pPr>
             <a:lvl5pPr>
-              <a:defRPr sz="1800"/>
+              <a:defRPr baseline="0">
+                <a:solidFill>
+                  <a:schemeClr val="tx2"/>
+                </a:solidFill>
+              </a:defRPr>
             </a:lvl5pPr>
-            <a:lvl6pPr>
-              <a:defRPr sz="1800"/>
-            </a:lvl6pPr>
-            <a:lvl7pPr>
-              <a:defRPr sz="1800"/>
-            </a:lvl7pPr>
-            <a:lvl8pPr>
-              <a:defRPr sz="1800"/>
-            </a:lvl8pPr>
-            <a:lvl9pPr>
-              <a:defRPr sz="1800"/>
-            </a:lvl9pPr>
           </a:lstStyle>
           <a:p>
             <a:pPr lvl="0"/>
@@ -1241,7 +1600,7 @@
               <a:rPr lang="en-US" smtClean="0"/>
               <a:t>Fifth level</a:t>
             </a:r>
-            <a:endParaRPr lang="en-US"/>
+            <a:endParaRPr lang="en-US" dirty="0"/>
           </a:p>
         </p:txBody>
       </p:sp>
@@ -1257,40 +1616,48 @@
         </p:nvSpPr>
         <p:spPr>
           <a:xfrm>
-            <a:off x="4648200" y="1600200"/>
-            <a:ext cx="4038600" cy="4525963"/>
+            <a:off x="4894052" y="2286000"/>
+            <a:ext cx="3335840" cy="3581401"/>
           </a:xfrm>
         </p:spPr>
         <p:txBody>
           <a:bodyPr/>
           <a:lstStyle>
             <a:lvl1pPr>
-              <a:defRPr sz="2800"/>
+              <a:defRPr>
+                <a:solidFill>
+                  <a:schemeClr val="tx2"/>
+                </a:solidFill>
+              </a:defRPr>
             </a:lvl1pPr>
             <a:lvl2pPr>
-              <a:defRPr sz="2400"/>
+              <a:defRPr>
+                <a:solidFill>
+                  <a:schemeClr val="tx2"/>
+                </a:solidFill>
+              </a:defRPr>
             </a:lvl2pPr>
             <a:lvl3pPr>
-              <a:defRPr sz="2000"/>
+              <a:defRPr>
+                <a:solidFill>
+                  <a:schemeClr val="tx2"/>
+                </a:solidFill>
+              </a:defRPr>
             </a:lvl3pPr>
             <a:lvl4pPr>
-              <a:defRPr sz="1800"/>
+              <a:defRPr>
+                <a:solidFill>
+                  <a:schemeClr val="tx2"/>
+                </a:solidFill>
+              </a:defRPr>
             </a:lvl4pPr>
             <a:lvl5pPr>
-              <a:defRPr sz="1800"/>
+              <a:defRPr>
+                <a:solidFill>
+                  <a:schemeClr val="tx2"/>
+                </a:solidFill>
+              </a:defRPr>
             </a:lvl5pPr>
-            <a:lvl6pPr>
-              <a:defRPr sz="1800"/>
-            </a:lvl6pPr>
-            <a:lvl7pPr>
-              <a:defRPr sz="1800"/>
-            </a:lvl7pPr>
-            <a:lvl8pPr>
-              <a:defRPr sz="1800"/>
-            </a:lvl8pPr>
-            <a:lvl9pPr>
-              <a:defRPr sz="1800"/>
-            </a:lvl9pPr>
           </a:lstStyle>
           <a:p>
             <a:pPr lvl="0"/>
@@ -1326,7 +1693,7 @@
               <a:rPr lang="en-US" smtClean="0"/>
               <a:t>Fifth level</a:t>
             </a:r>
-            <a:endParaRPr lang="en-US"/>
+            <a:endParaRPr lang="en-US" dirty="0"/>
           </a:p>
         </p:txBody>
       </p:sp>
@@ -1347,7 +1714,7 @@
           <a:p>
             <a:fld id="{7903C747-3FF6-48D2-B6AA-BDBF9050E76E}" type="datetimeFigureOut">
               <a:rPr lang="en-US" smtClean="0"/>
-              <a:t>4/5/2016</a:t>
+              <a:t>4/14/2016</a:t>
             </a:fld>
             <a:endParaRPr lang="en-US"/>
           </a:p>
@@ -1398,7 +1765,7 @@
     </p:spTree>
     <p:extLst>
       <p:ext uri="{BB962C8B-B14F-4D97-AF65-F5344CB8AC3E}">
-        <p14:creationId xmlns:p14="http://schemas.microsoft.com/office/powerpoint/2010/main" val="1061461790"/>
+        <p14:creationId xmlns:p14="http://schemas.microsoft.com/office/powerpoint/2010/main" val="2904838230"/>
       </p:ext>
     </p:extLst>
   </p:cSld>
@@ -1435,12 +1802,21 @@
             <p:ph type="title"/>
           </p:nvPr>
         </p:nvSpPr>
-        <p:spPr/>
+        <p:spPr>
+          <a:xfrm>
+            <a:off x="1028700" y="685800"/>
+            <a:ext cx="7200900" cy="1485900"/>
+          </a:xfrm>
+        </p:spPr>
         <p:txBody>
           <a:bodyPr/>
           <a:lstStyle>
             <a:lvl1pPr>
-              <a:defRPr/>
+              <a:defRPr>
+                <a:solidFill>
+                  <a:schemeClr val="tx2"/>
+                </a:solidFill>
+              </a:defRPr>
             </a:lvl1pPr>
           </a:lstStyle>
           <a:p>
@@ -1448,7 +1824,7 @@
               <a:rPr lang="en-US" smtClean="0"/>
               <a:t>Click to edit Master title style</a:t>
             </a:r>
-            <a:endParaRPr lang="en-US"/>
+            <a:endParaRPr lang="en-US" dirty="0"/>
           </a:p>
         </p:txBody>
       </p:sp>
@@ -1464,48 +1840,63 @@
         </p:nvSpPr>
         <p:spPr>
           <a:xfrm>
-            <a:off x="457200" y="1535113"/>
-            <a:ext cx="4040188" cy="639762"/>
+            <a:off x="1028700" y="2340230"/>
+            <a:ext cx="3335840" cy="823912"/>
           </a:xfrm>
         </p:spPr>
         <p:txBody>
-          <a:bodyPr anchor="b"/>
+          <a:bodyPr anchor="b">
+            <a:noAutofit/>
+          </a:bodyPr>
           <a:lstStyle>
             <a:lvl1pPr marL="0" indent="0">
-              <a:buNone/>
-              <a:defRPr sz="2400" b="1"/>
+              <a:lnSpc>
+                <a:spcPct val="84000"/>
+              </a:lnSpc>
+              <a:spcBef>
+                <a:spcPts val="0"/>
+              </a:spcBef>
+              <a:spcAft>
+                <a:spcPts val="0"/>
+              </a:spcAft>
+              <a:buNone/>
+              <a:defRPr sz="2400" b="0" baseline="0">
+                <a:solidFill>
+                  <a:schemeClr val="tx2"/>
+                </a:solidFill>
+              </a:defRPr>
             </a:lvl1pPr>
-            <a:lvl2pPr marL="457200" indent="0">
-              <a:buNone/>
-              <a:defRPr sz="2000" b="1"/>
+            <a:lvl2pPr marL="342900" indent="0">
+              <a:buNone/>
+              <a:defRPr sz="1500" b="1"/>
             </a:lvl2pPr>
-            <a:lvl3pPr marL="914400" indent="0">
-              <a:buNone/>
-              <a:defRPr sz="1800" b="1"/>
+            <a:lvl3pPr marL="685800" indent="0">
+              <a:buNone/>
+              <a:defRPr sz="1350" b="1"/>
             </a:lvl3pPr>
-            <a:lvl4pPr marL="1371600" indent="0">
-              <a:buNone/>
-              <a:defRPr sz="1600" b="1"/>
+            <a:lvl4pPr marL="1028700" indent="0">
+              <a:buNone/>
+              <a:defRPr sz="1200" b="1"/>
             </a:lvl4pPr>
-            <a:lvl5pPr marL="1828800" indent="0">
-              <a:buNone/>
-              <a:defRPr sz="1600" b="1"/>
+            <a:lvl5pPr marL="1371600" indent="0">
+              <a:buNone/>
+              <a:defRPr sz="1200" b="1"/>
             </a:lvl5pPr>
-            <a:lvl6pPr marL="2286000" indent="0">
-              <a:buNone/>
-              <a:defRPr sz="1600" b="1"/>
+            <a:lvl6pPr marL="1714500" indent="0">
+              <a:buNone/>
+              <a:defRPr sz="1200" b="1"/>
             </a:lvl6pPr>
-            <a:lvl7pPr marL="2743200" indent="0">
-              <a:buNone/>
-              <a:defRPr sz="1600" b="1"/>
+            <a:lvl7pPr marL="2057400" indent="0">
+              <a:buNone/>
+              <a:defRPr sz="1200" b="1"/>
             </a:lvl7pPr>
-            <a:lvl8pPr marL="3200400" indent="0">
-              <a:buNone/>
-              <a:defRPr sz="1600" b="1"/>
+            <a:lvl8pPr marL="2400300" indent="0">
+              <a:buNone/>
+              <a:defRPr sz="1200" b="1"/>
             </a:lvl8pPr>
-            <a:lvl9pPr marL="3657600" indent="0">
-              <a:buNone/>
-              <a:defRPr sz="1600" b="1"/>
+            <a:lvl9pPr marL="2743200" indent="0">
+              <a:buNone/>
+              <a:defRPr sz="1200" b="1"/>
             </a:lvl9pPr>
           </a:lstStyle>
           <a:p>
@@ -1529,39 +1920,156 @@
         </p:nvSpPr>
         <p:spPr>
           <a:xfrm>
-            <a:off x="457200" y="2174875"/>
-            <a:ext cx="4040188" cy="3951288"/>
+            <a:off x="1028700" y="3305208"/>
+            <a:ext cx="3335839" cy="2562193"/>
           </a:xfrm>
         </p:spPr>
         <p:txBody>
           <a:bodyPr/>
           <a:lstStyle>
             <a:lvl1pPr>
-              <a:defRPr sz="2400"/>
+              <a:defRPr baseline="0">
+                <a:solidFill>
+                  <a:schemeClr val="tx2"/>
+                </a:solidFill>
+              </a:defRPr>
             </a:lvl1pPr>
             <a:lvl2pPr>
-              <a:defRPr sz="2000"/>
+              <a:defRPr baseline="0">
+                <a:solidFill>
+                  <a:schemeClr val="tx2"/>
+                </a:solidFill>
+              </a:defRPr>
             </a:lvl2pPr>
             <a:lvl3pPr>
-              <a:defRPr sz="1800"/>
+              <a:defRPr baseline="0">
+                <a:solidFill>
+                  <a:schemeClr val="tx2"/>
+                </a:solidFill>
+              </a:defRPr>
             </a:lvl3pPr>
             <a:lvl4pPr>
-              <a:defRPr sz="1600"/>
+              <a:defRPr baseline="0">
+                <a:solidFill>
+                  <a:schemeClr val="tx2"/>
+                </a:solidFill>
+              </a:defRPr>
             </a:lvl4pPr>
             <a:lvl5pPr>
-              <a:defRPr sz="1600"/>
+              <a:defRPr baseline="0">
+                <a:solidFill>
+                  <a:schemeClr val="tx2"/>
+                </a:solidFill>
+              </a:defRPr>
             </a:lvl5pPr>
-            <a:lvl6pPr>
-              <a:defRPr sz="1600"/>
+          </a:lstStyle>
+          <a:p>
+            <a:pPr lvl="0"/>
+            <a:r>
+              <a:rPr lang="en-US" smtClean="0"/>
+              <a:t>Click to edit Master text styles</a:t>
+            </a:r>
+          </a:p>
+          <a:p>
+            <a:pPr lvl="1"/>
+            <a:r>
+              <a:rPr lang="en-US" smtClean="0"/>
+              <a:t>Second level</a:t>
+            </a:r>
+          </a:p>
+          <a:p>
+            <a:pPr lvl="2"/>
+            <a:r>
+              <a:rPr lang="en-US" smtClean="0"/>
+              <a:t>Third level</a:t>
+            </a:r>
+          </a:p>
+          <a:p>
+            <a:pPr lvl="3"/>
+            <a:r>
+              <a:rPr lang="en-US" smtClean="0"/>
+              <a:t>Fourth level</a:t>
+            </a:r>
+          </a:p>
+          <a:p>
+            <a:pPr lvl="4"/>
+            <a:r>
+              <a:rPr lang="en-US" smtClean="0"/>
+              <a:t>Fifth level</a:t>
+            </a:r>
+            <a:endParaRPr lang="en-US" dirty="0"/>
+          </a:p>
+        </p:txBody>
+      </p:sp>
+      <p:sp>
+        <p:nvSpPr>
+          <p:cNvPr id="5" name="Text Placeholder 4"/>
+          <p:cNvSpPr>
+            <a:spLocks noGrp="1"/>
+          </p:cNvSpPr>
+          <p:nvPr>
+            <p:ph type="body" sz="quarter" idx="3"/>
+          </p:nvPr>
+        </p:nvSpPr>
+        <p:spPr>
+          <a:xfrm>
+            <a:off x="4893760" y="2349754"/>
+            <a:ext cx="3335840" cy="823912"/>
+          </a:xfrm>
+        </p:spPr>
+        <p:txBody>
+          <a:bodyPr anchor="b">
+            <a:noAutofit/>
+          </a:bodyPr>
+          <a:lstStyle>
+            <a:lvl1pPr marL="0" indent="0">
+              <a:lnSpc>
+                <a:spcPct val="84000"/>
+              </a:lnSpc>
+              <a:spcBef>
+                <a:spcPts val="0"/>
+              </a:spcBef>
+              <a:spcAft>
+                <a:spcPts val="0"/>
+              </a:spcAft>
+              <a:buNone/>
+              <a:defRPr sz="2400" b="0" baseline="0">
+                <a:solidFill>
+                  <a:schemeClr val="tx2"/>
+                </a:solidFill>
+              </a:defRPr>
+            </a:lvl1pPr>
+            <a:lvl2pPr marL="342900" indent="0">
+              <a:buNone/>
+              <a:defRPr sz="1500" b="1"/>
+            </a:lvl2pPr>
+            <a:lvl3pPr marL="685800" indent="0">
+              <a:buNone/>
+              <a:defRPr sz="1350" b="1"/>
+            </a:lvl3pPr>
+            <a:lvl4pPr marL="1028700" indent="0">
+              <a:buNone/>
+              <a:defRPr sz="1200" b="1"/>
+            </a:lvl4pPr>
+            <a:lvl5pPr marL="1371600" indent="0">
+              <a:buNone/>
+              <a:defRPr sz="1200" b="1"/>
+            </a:lvl5pPr>
+            <a:lvl6pPr marL="1714500" indent="0">
+              <a:buNone/>
+              <a:defRPr sz="1200" b="1"/>
             </a:lvl6pPr>
-            <a:lvl7pPr>
-              <a:defRPr sz="1600"/>
+            <a:lvl7pPr marL="2057400" indent="0">
+              <a:buNone/>
+              <a:defRPr sz="1200" b="1"/>
             </a:lvl7pPr>
-            <a:lvl8pPr>
-              <a:defRPr sz="1600"/>
+            <a:lvl8pPr marL="2400300" indent="0">
+              <a:buNone/>
+              <a:defRPr sz="1200" b="1"/>
             </a:lvl8pPr>
-            <a:lvl9pPr>
-              <a:defRPr sz="1600"/>
+            <a:lvl9pPr marL="2743200" indent="0">
+              <a:buNone/>
+              <a:defRPr sz="1200" b="1"/>
             </a:lvl9pPr>
           </a:lstStyle>
           <a:p>
@@ -1571,148 +2079,62 @@
               <a:t>Click to edit Master text styles</a:t>
             </a:r>
           </a:p>
-          <a:p>
-            <a:pPr lvl="1"/>
-            <a:r>
-              <a:rPr lang="en-US" smtClean="0"/>
-              <a:t>Second level</a:t>
-            </a:r>
-          </a:p>
-          <a:p>
-            <a:pPr lvl="2"/>
-            <a:r>
-              <a:rPr lang="en-US" smtClean="0"/>
-              <a:t>Third level</a:t>
-            </a:r>
-          </a:p>
-          <a:p>
-            <a:pPr lvl="3"/>
-            <a:r>
-              <a:rPr lang="en-US" smtClean="0"/>
-              <a:t>Fourth level</a:t>
-            </a:r>
-          </a:p>
-          <a:p>
-            <a:pPr lvl="4"/>
-            <a:r>
-              <a:rPr lang="en-US" smtClean="0"/>
-              <a:t>Fifth level</a:t>
-            </a:r>
-            <a:endParaRPr lang="en-US"/>
-          </a:p>
-        </p:txBody>
-      </p:sp>
-      <p:sp>
-        <p:nvSpPr>
-          <p:cNvPr id="5" name="Text Placeholder 4"/>
-          <p:cNvSpPr>
-            <a:spLocks noGrp="1"/>
-          </p:cNvSpPr>
-          <p:nvPr>
-            <p:ph type="body" sz="quarter" idx="3"/>
+        </p:txBody>
+      </p:sp>
+      <p:sp>
+        <p:nvSpPr>
+          <p:cNvPr id="6" name="Content Placeholder 5"/>
+          <p:cNvSpPr>
+            <a:spLocks noGrp="1"/>
+          </p:cNvSpPr>
+          <p:nvPr>
+            <p:ph sz="quarter" idx="4"/>
           </p:nvPr>
         </p:nvSpPr>
         <p:spPr>
           <a:xfrm>
-            <a:off x="4645025" y="1535113"/>
-            <a:ext cx="4041775" cy="639762"/>
+            <a:off x="4893760" y="3305208"/>
+            <a:ext cx="3335840" cy="2562193"/>
           </a:xfrm>
         </p:spPr>
         <p:txBody>
-          <a:bodyPr anchor="b"/>
-          <a:lstStyle>
-            <a:lvl1pPr marL="0" indent="0">
-              <a:buNone/>
-              <a:defRPr sz="2400" b="1"/>
-            </a:lvl1pPr>
-            <a:lvl2pPr marL="457200" indent="0">
-              <a:buNone/>
-              <a:defRPr sz="2000" b="1"/>
-            </a:lvl2pPr>
-            <a:lvl3pPr marL="914400" indent="0">
-              <a:buNone/>
-              <a:defRPr sz="1800" b="1"/>
-            </a:lvl3pPr>
-            <a:lvl4pPr marL="1371600" indent="0">
-              <a:buNone/>
-              <a:defRPr sz="1600" b="1"/>
-            </a:lvl4pPr>
-            <a:lvl5pPr marL="1828800" indent="0">
-              <a:buNone/>
-              <a:defRPr sz="1600" b="1"/>
-            </a:lvl5pPr>
-            <a:lvl6pPr marL="2286000" indent="0">
-              <a:buNone/>
-              <a:defRPr sz="1600" b="1"/>
-            </a:lvl6pPr>
-            <a:lvl7pPr marL="2743200" indent="0">
-              <a:buNone/>
-              <a:defRPr sz="1600" b="1"/>
-            </a:lvl7pPr>
-            <a:lvl8pPr marL="3200400" indent="0">
-              <a:buNone/>
-              <a:defRPr sz="1600" b="1"/>
-            </a:lvl8pPr>
-            <a:lvl9pPr marL="3657600" indent="0">
-              <a:buNone/>
-              <a:defRPr sz="1600" b="1"/>
-            </a:lvl9pPr>
-          </a:lstStyle>
-          <a:p>
-            <a:pPr lvl="0"/>
-            <a:r>
-              <a:rPr lang="en-US" smtClean="0"/>
-              <a:t>Click to edit Master text styles</a:t>
-            </a:r>
-          </a:p>
-        </p:txBody>
-      </p:sp>
-      <p:sp>
-        <p:nvSpPr>
-          <p:cNvPr id="6" name="Content Placeholder 5"/>
-          <p:cNvSpPr>
-            <a:spLocks noGrp="1"/>
-          </p:cNvSpPr>
-          <p:nvPr>
-            <p:ph sz="quarter" idx="4"/>
-          </p:nvPr>
-        </p:nvSpPr>
-        <p:spPr>
-          <a:xfrm>
-            <a:off x="4645025" y="2174875"/>
-            <a:ext cx="4041775" cy="3951288"/>
-          </a:xfrm>
-        </p:spPr>
-        <p:txBody>
           <a:bodyPr/>
           <a:lstStyle>
             <a:lvl1pPr>
-              <a:defRPr sz="2400"/>
+              <a:defRPr baseline="0">
+                <a:solidFill>
+                  <a:schemeClr val="tx2"/>
+                </a:solidFill>
+              </a:defRPr>
             </a:lvl1pPr>
             <a:lvl2pPr>
-              <a:defRPr sz="2000"/>
+              <a:defRPr baseline="0">
+                <a:solidFill>
+                  <a:schemeClr val="tx2"/>
+                </a:solidFill>
+              </a:defRPr>
             </a:lvl2pPr>
             <a:lvl3pPr>
-              <a:defRPr sz="1800"/>
+              <a:defRPr baseline="0">
+                <a:solidFill>
+                  <a:schemeClr val="tx2"/>
+                </a:solidFill>
+              </a:defRPr>
             </a:lvl3pPr>
             <a:lvl4pPr>
-              <a:defRPr sz="1600"/>
+              <a:defRPr baseline="0">
+                <a:solidFill>
+                  <a:schemeClr val="tx2"/>
+                </a:solidFill>
+              </a:defRPr>
             </a:lvl4pPr>
             <a:lvl5pPr>
-              <a:defRPr sz="1600"/>
+              <a:defRPr baseline="0">
+                <a:solidFill>
+                  <a:schemeClr val="tx2"/>
+                </a:solidFill>
+              </a:defRPr>
             </a:lvl5pPr>
-            <a:lvl6pPr>
-              <a:defRPr sz="1600"/>
-            </a:lvl6pPr>
-            <a:lvl7pPr>
-              <a:defRPr sz="1600"/>
-            </a:lvl7pPr>
-            <a:lvl8pPr>
-              <a:defRPr sz="1600"/>
-            </a:lvl8pPr>
-            <a:lvl9pPr>
-              <a:defRPr sz="1600"/>
-            </a:lvl9pPr>
           </a:lstStyle>
           <a:p>
             <a:pPr lvl="0"/>
@@ -1748,7 +2170,7 @@
               <a:rPr lang="en-US" smtClean="0"/>
               <a:t>Fifth level</a:t>
             </a:r>
-            <a:endParaRPr lang="en-US"/>
+            <a:endParaRPr lang="en-US" dirty="0"/>
           </a:p>
         </p:txBody>
       </p:sp>
@@ -1769,7 +2191,7 @@
           <a:p>
             <a:fld id="{7903C747-3FF6-48D2-B6AA-BDBF9050E76E}" type="datetimeFigureOut">
               <a:rPr lang="en-US" smtClean="0"/>
-              <a:t>4/5/2016</a:t>
+              <a:t>4/14/2016</a:t>
             </a:fld>
             <a:endParaRPr lang="en-US"/>
           </a:p>
@@ -1820,7 +2242,7 @@
     </p:spTree>
     <p:extLst>
       <p:ext uri="{BB962C8B-B14F-4D97-AF65-F5344CB8AC3E}">
-        <p14:creationId xmlns:p14="http://schemas.microsoft.com/office/powerpoint/2010/main" val="1447514026"/>
+        <p14:creationId xmlns:p14="http://schemas.microsoft.com/office/powerpoint/2010/main" val="1384687118"/>
       </p:ext>
     </p:extLst>
   </p:cSld>
@@ -1866,7 +2288,7 @@
               <a:rPr lang="en-US" smtClean="0"/>
               <a:t>Click to edit Master title style</a:t>
             </a:r>
-            <a:endParaRPr lang="en-US"/>
+            <a:endParaRPr lang="en-US" dirty="0"/>
           </a:p>
         </p:txBody>
       </p:sp>
@@ -1887,7 +2309,7 @@
           <a:p>
             <a:fld id="{7903C747-3FF6-48D2-B6AA-BDBF9050E76E}" type="datetimeFigureOut">
               <a:rPr lang="en-US" smtClean="0"/>
-              <a:t>4/5/2016</a:t>
+              <a:t>4/14/2016</a:t>
             </a:fld>
             <a:endParaRPr lang="en-US"/>
           </a:p>
@@ -1938,7 +2360,7 @@
     </p:spTree>
     <p:extLst>
       <p:ext uri="{BB962C8B-B14F-4D97-AF65-F5344CB8AC3E}">
-        <p14:creationId xmlns:p14="http://schemas.microsoft.com/office/powerpoint/2010/main" val="3347242195"/>
+        <p14:creationId xmlns:p14="http://schemas.microsoft.com/office/powerpoint/2010/main" val="2552084616"/>
       </p:ext>
     </p:extLst>
   </p:cSld>
@@ -1982,7 +2404,7 @@
           <a:p>
             <a:fld id="{7903C747-3FF6-48D2-B6AA-BDBF9050E76E}" type="datetimeFigureOut">
               <a:rPr lang="en-US" smtClean="0"/>
-              <a:t>4/5/2016</a:t>
+              <a:t>4/14/2016</a:t>
             </a:fld>
             <a:endParaRPr lang="en-US"/>
           </a:p>
@@ -2033,7 +2455,7 @@
     </p:spTree>
     <p:extLst>
       <p:ext uri="{BB962C8B-B14F-4D97-AF65-F5344CB8AC3E}">
-        <p14:creationId xmlns:p14="http://schemas.microsoft.com/office/powerpoint/2010/main" val="1257801499"/>
+        <p14:creationId xmlns:p14="http://schemas.microsoft.com/office/powerpoint/2010/main" val="1848748217"/>
       </p:ext>
     </p:extLst>
   </p:cSld>
@@ -2044,7 +2466,7 @@
 </file>
 
 <file path=ppt/slideLayouts/slideLayout8.xml><?xml version="1.0" encoding="utf-8"?>
-<p:sldLayout xmlns:a="http://schemas.openxmlformats.org/drawingml/2006/main" xmlns:r="http://schemas.openxmlformats.org/officeDocument/2006/relationships" xmlns:p="http://schemas.openxmlformats.org/presentationml/2006/main" type="objTx" preserve="1">
+<p:sldLayout xmlns:a="http://schemas.openxmlformats.org/drawingml/2006/main" xmlns:r="http://schemas.openxmlformats.org/officeDocument/2006/relationships" xmlns:p="http://schemas.openxmlformats.org/presentationml/2006/main" showMasterSp="0" type="objTx" preserve="1">
   <p:cSld name="Content with Caption">
     <p:spTree>
       <p:nvGrpSpPr>
@@ -2062,25 +2484,72 @@
       </p:grpSpPr>
       <p:sp>
         <p:nvSpPr>
-          <p:cNvPr id="2" name="Title 1"/>
-          <p:cNvSpPr>
-            <a:spLocks noGrp="1"/>
-          </p:cNvSpPr>
-          <p:nvPr>
-            <p:ph type="title"/>
-          </p:nvPr>
+          <p:cNvPr id="8" name="Rectangle 7" title="Background Shape"/>
+          <p:cNvSpPr/>
+          <p:nvPr/>
         </p:nvSpPr>
         <p:spPr>
           <a:xfrm>
-            <a:off x="457200" y="273050"/>
-            <a:ext cx="3008313" cy="1162050"/>
+            <a:off x="0" y="376"/>
+            <a:ext cx="3977640" cy="6857624"/>
+          </a:xfrm>
+          <a:prstGeom prst="rect">
+            <a:avLst/>
+          </a:prstGeom>
+          <a:solidFill>
+            <a:schemeClr val="accent1"/>
+          </a:solidFill>
+          <a:ln>
+            <a:noFill/>
+          </a:ln>
+        </p:spPr>
+        <p:style>
+          <a:lnRef idx="2">
+            <a:schemeClr val="accent1">
+              <a:shade val="50000"/>
+            </a:schemeClr>
+          </a:lnRef>
+          <a:fillRef idx="1">
+            <a:schemeClr val="accent1"/>
+          </a:fillRef>
+          <a:effectRef idx="0">
+            <a:schemeClr val="accent1"/>
+          </a:effectRef>
+          <a:fontRef idx="minor">
+            <a:schemeClr val="lt1"/>
+          </a:fontRef>
+        </p:style>
+      </p:sp>
+      <p:sp>
+        <p:nvSpPr>
+          <p:cNvPr id="2" name="Title 1"/>
+          <p:cNvSpPr>
+            <a:spLocks noGrp="1"/>
+          </p:cNvSpPr>
+          <p:nvPr>
+            <p:ph type="title"/>
+          </p:nvPr>
+        </p:nvSpPr>
+        <p:spPr>
+          <a:xfrm>
+            <a:off x="542925" y="685800"/>
+            <a:ext cx="2891790" cy="2157884"/>
           </a:xfrm>
         </p:spPr>
         <p:txBody>
-          <a:bodyPr anchor="b"/>
+          <a:bodyPr anchor="t">
+            <a:noAutofit/>
+          </a:bodyPr>
           <a:lstStyle>
-            <a:lvl1pPr algn="l">
-              <a:defRPr sz="2000" b="1"/>
+            <a:lvl1pPr>
+              <a:lnSpc>
+                <a:spcPct val="84000"/>
+              </a:lnSpc>
+              <a:defRPr sz="4400" baseline="0">
+                <a:solidFill>
+                  <a:schemeClr val="tx2"/>
+                </a:solidFill>
+              </a:defRPr>
             </a:lvl1pPr>
           </a:lstStyle>
           <a:p>
@@ -2088,7 +2557,7 @@
               <a:rPr lang="en-US" smtClean="0"/>
               <a:t>Click to edit Master title style</a:t>
             </a:r>
-            <a:endParaRPr lang="en-US"/>
+            <a:endParaRPr lang="en-US" dirty="0"/>
           </a:p>
         </p:txBody>
       </p:sp>
@@ -2104,39 +2573,39 @@
         </p:nvSpPr>
         <p:spPr>
           <a:xfrm>
-            <a:off x="3575050" y="273050"/>
-            <a:ext cx="5111750" cy="5853113"/>
+            <a:off x="4692015" y="685801"/>
+            <a:ext cx="3909060" cy="5175250"/>
           </a:xfrm>
         </p:spPr>
         <p:txBody>
           <a:bodyPr/>
           <a:lstStyle>
             <a:lvl1pPr>
-              <a:defRPr sz="3200"/>
+              <a:defRPr sz="1500"/>
             </a:lvl1pPr>
             <a:lvl2pPr>
-              <a:defRPr sz="2800"/>
+              <a:defRPr sz="1500"/>
             </a:lvl2pPr>
             <a:lvl3pPr>
-              <a:defRPr sz="2400"/>
+              <a:defRPr sz="1350"/>
             </a:lvl3pPr>
             <a:lvl4pPr>
-              <a:defRPr sz="2000"/>
+              <a:defRPr sz="1350"/>
             </a:lvl4pPr>
             <a:lvl5pPr>
-              <a:defRPr sz="2000"/>
+              <a:defRPr sz="1200"/>
             </a:lvl5pPr>
             <a:lvl6pPr>
-              <a:defRPr sz="2000"/>
+              <a:defRPr sz="1200"/>
             </a:lvl6pPr>
             <a:lvl7pPr>
-              <a:defRPr sz="2000"/>
+              <a:defRPr sz="1200"/>
             </a:lvl7pPr>
             <a:lvl8pPr>
-              <a:defRPr sz="2000"/>
+              <a:defRPr sz="1200"/>
             </a:lvl8pPr>
             <a:lvl9pPr>
-              <a:defRPr sz="2000"/>
+              <a:defRPr sz="1200"/>
             </a:lvl9pPr>
           </a:lstStyle>
           <a:p>
@@ -2173,7 +2642,7 @@
               <a:rPr lang="en-US" smtClean="0"/>
               <a:t>Fifth level</a:t>
             </a:r>
-            <a:endParaRPr lang="en-US"/>
+            <a:endParaRPr lang="en-US" dirty="0"/>
           </a:p>
         </p:txBody>
       </p:sp>
@@ -2189,48 +2658,59 @@
         </p:nvSpPr>
         <p:spPr>
           <a:xfrm>
-            <a:off x="457200" y="1435100"/>
-            <a:ext cx="3008313" cy="4691063"/>
+            <a:off x="542925" y="2856344"/>
+            <a:ext cx="2891790" cy="3011056"/>
           </a:xfrm>
         </p:spPr>
         <p:txBody>
-          <a:bodyPr/>
+          <a:bodyPr>
+            <a:normAutofit/>
+          </a:bodyPr>
           <a:lstStyle>
             <a:lvl1pPr marL="0" indent="0">
-              <a:buNone/>
-              <a:defRPr sz="1400"/>
+              <a:lnSpc>
+                <a:spcPct val="113000"/>
+              </a:lnSpc>
+              <a:spcBef>
+                <a:spcPts val="0"/>
+              </a:spcBef>
+              <a:spcAft>
+                <a:spcPts val="1500"/>
+              </a:spcAft>
+              <a:buNone/>
+              <a:defRPr sz="1600"/>
             </a:lvl1pPr>
-            <a:lvl2pPr marL="457200" indent="0">
-              <a:buNone/>
-              <a:defRPr sz="1200"/>
+            <a:lvl2pPr marL="342900" indent="0">
+              <a:buNone/>
+              <a:defRPr sz="1050"/>
             </a:lvl2pPr>
-            <a:lvl3pPr marL="914400" indent="0">
-              <a:buNone/>
-              <a:defRPr sz="1000"/>
+            <a:lvl3pPr marL="685800" indent="0">
+              <a:buNone/>
+              <a:defRPr sz="900"/>
             </a:lvl3pPr>
-            <a:lvl4pPr marL="1371600" indent="0">
-              <a:buNone/>
-              <a:defRPr sz="900"/>
+            <a:lvl4pPr marL="1028700" indent="0">
+              <a:buNone/>
+              <a:defRPr sz="750"/>
             </a:lvl4pPr>
-            <a:lvl5pPr marL="1828800" indent="0">
-              <a:buNone/>
-              <a:defRPr sz="900"/>
+            <a:lvl5pPr marL="1371600" indent="0">
+              <a:buNone/>
+              <a:defRPr sz="750"/>
             </a:lvl5pPr>
-            <a:lvl6pPr marL="2286000" indent="0">
-              <a:buNone/>
-              <a:defRPr sz="900"/>
+            <a:lvl6pPr marL="1714500" indent="0">
+              <a:buNone/>
+              <a:defRPr sz="750"/>
             </a:lvl6pPr>
-            <a:lvl7pPr marL="2743200" indent="0">
-              <a:buNone/>
-              <a:defRPr sz="900"/>
+            <a:lvl7pPr marL="2057400" indent="0">
+              <a:buNone/>
+              <a:defRPr sz="750"/>
             </a:lvl7pPr>
-            <a:lvl8pPr marL="3200400" indent="0">
-              <a:buNone/>
-              <a:defRPr sz="900"/>
+            <a:lvl8pPr marL="2400300" indent="0">
+              <a:buNone/>
+              <a:defRPr sz="750"/>
             </a:lvl8pPr>
-            <a:lvl9pPr marL="3657600" indent="0">
-              <a:buNone/>
-              <a:defRPr sz="900"/>
+            <a:lvl9pPr marL="2743200" indent="0">
+              <a:buNone/>
+              <a:defRPr sz="750"/>
             </a:lvl9pPr>
           </a:lstStyle>
           <a:p>
@@ -2252,14 +2732,27 @@
             <p:ph type="dt" sz="half" idx="10"/>
           </p:nvPr>
         </p:nvSpPr>
-        <p:spPr/>
-        <p:txBody>
-          <a:bodyPr/>
-          <a:lstStyle/>
+        <p:spPr>
+          <a:xfrm>
+            <a:off x="542925" y="6453386"/>
+            <a:ext cx="903429" cy="404614"/>
+          </a:xfrm>
+        </p:spPr>
+        <p:txBody>
+          <a:bodyPr/>
+          <a:lstStyle>
+            <a:lvl1pPr>
+              <a:defRPr>
+                <a:solidFill>
+                  <a:schemeClr val="tx2"/>
+                </a:solidFill>
+              </a:defRPr>
+            </a:lvl1pPr>
+          </a:lstStyle>
           <a:p>
             <a:fld id="{7903C747-3FF6-48D2-B6AA-BDBF9050E76E}" type="datetimeFigureOut">
               <a:rPr lang="en-US" smtClean="0"/>
-              <a:t>4/5/2016</a:t>
+              <a:t>4/14/2016</a:t>
             </a:fld>
             <a:endParaRPr lang="en-US"/>
           </a:p>
@@ -2275,10 +2768,23 @@
             <p:ph type="ftr" sz="quarter" idx="11"/>
           </p:nvPr>
         </p:nvSpPr>
-        <p:spPr/>
-        <p:txBody>
-          <a:bodyPr/>
-          <a:lstStyle/>
+        <p:spPr>
+          <a:xfrm>
+            <a:off x="1654459" y="6453386"/>
+            <a:ext cx="1780256" cy="404614"/>
+          </a:xfrm>
+        </p:spPr>
+        <p:txBody>
+          <a:bodyPr/>
+          <a:lstStyle>
+            <a:lvl1pPr>
+              <a:defRPr>
+                <a:solidFill>
+                  <a:schemeClr val="tx2"/>
+                </a:solidFill>
+              </a:defRPr>
+            </a:lvl1pPr>
+          </a:lstStyle>
           <a:p>
             <a:endParaRPr lang="en-US"/>
           </a:p>
@@ -2294,10 +2800,23 @@
             <p:ph type="sldNum" sz="quarter" idx="12"/>
           </p:nvPr>
         </p:nvSpPr>
-        <p:spPr/>
-        <p:txBody>
-          <a:bodyPr/>
-          <a:lstStyle/>
+        <p:spPr>
+          <a:xfrm>
+            <a:off x="7412355" y="6453386"/>
+            <a:ext cx="1197219" cy="404614"/>
+          </a:xfrm>
+        </p:spPr>
+        <p:txBody>
+          <a:bodyPr/>
+          <a:lstStyle>
+            <a:lvl1pPr>
+              <a:defRPr>
+                <a:solidFill>
+                  <a:schemeClr val="tx2"/>
+                </a:solidFill>
+              </a:defRPr>
+            </a:lvl1pPr>
+          </a:lstStyle>
           <a:p>
             <a:fld id="{984D28F6-DD7E-4808-A4B0-F9DD0FC69112}" type="slidenum">
               <a:rPr lang="en-US" smtClean="0"/>
@@ -2307,10 +2826,86 @@
           </a:p>
         </p:txBody>
       </p:sp>
+      <p:sp>
+        <p:nvSpPr>
+          <p:cNvPr id="9" name="Rectangle 8"/>
+          <p:cNvSpPr/>
+          <p:nvPr/>
+        </p:nvSpPr>
+        <p:spPr>
+          <a:xfrm>
+            <a:off x="3977640" y="376"/>
+            <a:ext cx="171450" cy="6858000"/>
+          </a:xfrm>
+          <a:prstGeom prst="rect">
+            <a:avLst/>
+          </a:prstGeom>
+          <a:solidFill>
+            <a:schemeClr val="tx2"/>
+          </a:solidFill>
+          <a:ln>
+            <a:noFill/>
+          </a:ln>
+        </p:spPr>
+        <p:style>
+          <a:lnRef idx="2">
+            <a:schemeClr val="accent1">
+              <a:shade val="50000"/>
+            </a:schemeClr>
+          </a:lnRef>
+          <a:fillRef idx="1">
+            <a:schemeClr val="accent1"/>
+          </a:fillRef>
+          <a:effectRef idx="0">
+            <a:schemeClr val="accent1"/>
+          </a:effectRef>
+          <a:fontRef idx="minor">
+            <a:schemeClr val="lt1"/>
+          </a:fontRef>
+        </p:style>
+      </p:sp>
+      <p:sp>
+        <p:nvSpPr>
+          <p:cNvPr id="11" name="Rectangle 10" title="Divider Bar"/>
+          <p:cNvSpPr/>
+          <p:nvPr/>
+        </p:nvSpPr>
+        <p:spPr>
+          <a:xfrm>
+            <a:off x="3977640" y="376"/>
+            <a:ext cx="171450" cy="6858000"/>
+          </a:xfrm>
+          <a:prstGeom prst="rect">
+            <a:avLst/>
+          </a:prstGeom>
+          <a:solidFill>
+            <a:schemeClr val="tx2"/>
+          </a:solidFill>
+          <a:ln>
+            <a:noFill/>
+          </a:ln>
+        </p:spPr>
+        <p:style>
+          <a:lnRef idx="2">
+            <a:schemeClr val="accent1">
+              <a:shade val="50000"/>
+            </a:schemeClr>
+          </a:lnRef>
+          <a:fillRef idx="1">
+            <a:schemeClr val="accent1"/>
+          </a:fillRef>
+          <a:effectRef idx="0">
+            <a:schemeClr val="accent1"/>
+          </a:effectRef>
+          <a:fontRef idx="minor">
+            <a:schemeClr val="lt1"/>
+          </a:fontRef>
+        </p:style>
+      </p:sp>
     </p:spTree>
     <p:extLst>
       <p:ext uri="{BB962C8B-B14F-4D97-AF65-F5344CB8AC3E}">
-        <p14:creationId xmlns:p14="http://schemas.microsoft.com/office/powerpoint/2010/main" val="3721342430"/>
+        <p14:creationId xmlns:p14="http://schemas.microsoft.com/office/powerpoint/2010/main" val="3638279576"/>
       </p:ext>
     </p:extLst>
   </p:cSld>
@@ -2321,7 +2916,7 @@
 </file>
 
 <file path=ppt/slideLayouts/slideLayout9.xml><?xml version="1.0" encoding="utf-8"?>
-<p:sldLayout xmlns:a="http://schemas.openxmlformats.org/drawingml/2006/main" xmlns:r="http://schemas.openxmlformats.org/officeDocument/2006/relationships" xmlns:p="http://schemas.openxmlformats.org/presentationml/2006/main" type="picTx" preserve="1">
+<p:sldLayout xmlns:a="http://schemas.openxmlformats.org/drawingml/2006/main" xmlns:r="http://schemas.openxmlformats.org/officeDocument/2006/relationships" xmlns:p="http://schemas.openxmlformats.org/presentationml/2006/main" showMasterSp="0" type="picTx" preserve="1">
   <p:cSld name="Picture with Caption">
     <p:spTree>
       <p:nvGrpSpPr>
@@ -2339,25 +2934,68 @@
       </p:grpSpPr>
       <p:sp>
         <p:nvSpPr>
-          <p:cNvPr id="2" name="Title 1"/>
-          <p:cNvSpPr>
-            <a:spLocks noGrp="1"/>
-          </p:cNvSpPr>
-          <p:nvPr>
-            <p:ph type="title"/>
-          </p:nvPr>
+          <p:cNvPr id="8" name="Rectangle 7" title="Background Shape"/>
+          <p:cNvSpPr/>
+          <p:nvPr/>
         </p:nvSpPr>
         <p:spPr>
           <a:xfrm>
-            <a:off x="1792288" y="4800600"/>
-            <a:ext cx="5486400" cy="566738"/>
+            <a:off x="0" y="376"/>
+            <a:ext cx="3977640" cy="6857624"/>
+          </a:xfrm>
+          <a:prstGeom prst="rect">
+            <a:avLst/>
+          </a:prstGeom>
+          <a:solidFill>
+            <a:schemeClr val="accent1"/>
+          </a:solidFill>
+          <a:ln>
+            <a:noFill/>
+          </a:ln>
+        </p:spPr>
+        <p:style>
+          <a:lnRef idx="2">
+            <a:schemeClr val="accent1">
+              <a:shade val="50000"/>
+            </a:schemeClr>
+          </a:lnRef>
+          <a:fillRef idx="1">
+            <a:schemeClr val="accent1"/>
+          </a:fillRef>
+          <a:effectRef idx="0">
+            <a:schemeClr val="accent1"/>
+          </a:effectRef>
+          <a:fontRef idx="minor">
+            <a:schemeClr val="lt1"/>
+          </a:fontRef>
+        </p:style>
+      </p:sp>
+      <p:sp>
+        <p:nvSpPr>
+          <p:cNvPr id="2" name="Title 1"/>
+          <p:cNvSpPr>
+            <a:spLocks noGrp="1"/>
+          </p:cNvSpPr>
+          <p:nvPr>
+            <p:ph type="title"/>
+          </p:nvPr>
+        </p:nvSpPr>
+        <p:spPr>
+          <a:xfrm>
+            <a:off x="542925" y="685800"/>
+            <a:ext cx="2891790" cy="2157884"/>
           </a:xfrm>
         </p:spPr>
         <p:txBody>
-          <a:bodyPr anchor="b"/>
+          <a:bodyPr anchor="t">
+            <a:normAutofit/>
+          </a:bodyPr>
           <a:lstStyle>
-            <a:lvl1pPr algn="l">
-              <a:defRPr sz="2000" b="1"/>
+            <a:lvl1pPr>
+              <a:lnSpc>
+                <a:spcPct val="84000"/>
+              </a:lnSpc>
+              <a:defRPr sz="4400" baseline="0"/>
             </a:lvl1pPr>
           </a:lstStyle>
           <a:p>
@@ -2365,7 +3003,7 @@
               <a:rPr lang="en-US" smtClean="0"/>
               <a:t>Click to edit Master title style</a:t>
             </a:r>
-            <a:endParaRPr lang="en-US"/>
+            <a:endParaRPr lang="en-US" dirty="0"/>
           </a:p>
         </p:txBody>
       </p:sp>
@@ -2373,7 +3011,7 @@
         <p:nvSpPr>
           <p:cNvPr id="3" name="Picture Placeholder 2"/>
           <p:cNvSpPr>
-            <a:spLocks noGrp="1"/>
+            <a:spLocks noGrp="1" noChangeAspect="1"/>
           </p:cNvSpPr>
           <p:nvPr>
             <p:ph type="pic" idx="1"/>
@@ -2381,52 +3019,58 @@
         </p:nvSpPr>
         <p:spPr>
           <a:xfrm>
-            <a:off x="1792288" y="612775"/>
-            <a:ext cx="5486400" cy="4114800"/>
+            <a:off x="4149090" y="1"/>
+            <a:ext cx="4994910" cy="6857999"/>
           </a:xfrm>
         </p:spPr>
         <p:txBody>
-          <a:bodyPr/>
+          <a:bodyPr anchor="t">
+            <a:normAutofit/>
+          </a:bodyPr>
           <a:lstStyle>
             <a:lvl1pPr marL="0" indent="0">
               <a:buNone/>
-              <a:defRPr sz="3200"/>
+              <a:defRPr sz="1500"/>
             </a:lvl1pPr>
-            <a:lvl2pPr marL="457200" indent="0">
-              <a:buNone/>
-              <a:defRPr sz="2800"/>
+            <a:lvl2pPr marL="342900" indent="0">
+              <a:buNone/>
+              <a:defRPr sz="1500"/>
             </a:lvl2pPr>
-            <a:lvl3pPr marL="914400" indent="0">
-              <a:buNone/>
-              <a:defRPr sz="2400"/>
+            <a:lvl3pPr marL="685800" indent="0">
+              <a:buNone/>
+              <a:defRPr sz="1500"/>
             </a:lvl3pPr>
-            <a:lvl4pPr marL="1371600" indent="0">
-              <a:buNone/>
-              <a:defRPr sz="2000"/>
+            <a:lvl4pPr marL="1028700" indent="0">
+              <a:buNone/>
+              <a:defRPr sz="1500"/>
             </a:lvl4pPr>
-            <a:lvl5pPr marL="1828800" indent="0">
-              <a:buNone/>
-              <a:defRPr sz="2000"/>
+            <a:lvl5pPr marL="1371600" indent="0">
+              <a:buNone/>
+              <a:defRPr sz="1500"/>
             </a:lvl5pPr>
-            <a:lvl6pPr marL="2286000" indent="0">
-              <a:buNone/>
-              <a:defRPr sz="2000"/>
+            <a:lvl6pPr marL="1714500" indent="0">
+              <a:buNone/>
+              <a:defRPr sz="1500"/>
             </a:lvl6pPr>
-            <a:lvl7pPr marL="2743200" indent="0">
-              <a:buNone/>
-              <a:defRPr sz="2000"/>
+            <a:lvl7pPr marL="2057400" indent="0">
+              <a:buNone/>
+              <a:defRPr sz="1500"/>
             </a:lvl7pPr>
-            <a:lvl8pPr marL="3200400" indent="0">
-              <a:buNone/>
-              <a:defRPr sz="2000"/>
+            <a:lvl8pPr marL="2400300" indent="0">
+              <a:buNone/>
+              <a:defRPr sz="1500"/>
             </a:lvl8pPr>
-            <a:lvl9pPr marL="3657600" indent="0">
-              <a:buNone/>
-              <a:defRPr sz="2000"/>
+            <a:lvl9pPr marL="2743200" indent="0">
+              <a:buNone/>
+              <a:defRPr sz="1500"/>
             </a:lvl9pPr>
           </a:lstStyle>
           <a:p>
-            <a:endParaRPr lang="en-US"/>
+            <a:r>
+              <a:rPr lang="en-US" smtClean="0"/>
+              <a:t>Click icon to add picture</a:t>
+            </a:r>
+            <a:endParaRPr lang="en-US" dirty="0"/>
           </a:p>
         </p:txBody>
       </p:sp>
@@ -2442,48 +3086,59 @@
         </p:nvSpPr>
         <p:spPr>
           <a:xfrm>
-            <a:off x="1792288" y="5367338"/>
-            <a:ext cx="5486400" cy="804862"/>
+            <a:off x="542925" y="2855968"/>
+            <a:ext cx="2891790" cy="3011432"/>
           </a:xfrm>
         </p:spPr>
         <p:txBody>
-          <a:bodyPr/>
+          <a:bodyPr>
+            <a:normAutofit/>
+          </a:bodyPr>
           <a:lstStyle>
             <a:lvl1pPr marL="0" indent="0">
-              <a:buNone/>
-              <a:defRPr sz="1400"/>
+              <a:lnSpc>
+                <a:spcPct val="113000"/>
+              </a:lnSpc>
+              <a:spcBef>
+                <a:spcPts val="0"/>
+              </a:spcBef>
+              <a:spcAft>
+                <a:spcPts val="1500"/>
+              </a:spcAft>
+              <a:buNone/>
+              <a:defRPr sz="1600"/>
             </a:lvl1pPr>
-            <a:lvl2pPr marL="457200" indent="0">
-              <a:buNone/>
-              <a:defRPr sz="1200"/>
+            <a:lvl2pPr marL="342900" indent="0">
+              <a:buNone/>
+              <a:defRPr sz="1050"/>
             </a:lvl2pPr>
-            <a:lvl3pPr marL="914400" indent="0">
-              <a:buNone/>
-              <a:defRPr sz="1000"/>
+            <a:lvl3pPr marL="685800" indent="0">
+              <a:buNone/>
+              <a:defRPr sz="900"/>
             </a:lvl3pPr>
-            <a:lvl4pPr marL="1371600" indent="0">
-              <a:buNone/>
-              <a:defRPr sz="900"/>
+            <a:lvl4pPr marL="1028700" indent="0">
+              <a:buNone/>
+              <a:defRPr sz="750"/>
             </a:lvl4pPr>
-            <a:lvl5pPr marL="1828800" indent="0">
-              <a:buNone/>
-              <a:defRPr sz="900"/>
+            <a:lvl5pPr marL="1371600" indent="0">
+              <a:buNone/>
+              <a:defRPr sz="750"/>
             </a:lvl5pPr>
-            <a:lvl6pPr marL="2286000" indent="0">
-              <a:buNone/>
-              <a:defRPr sz="900"/>
+            <a:lvl6pPr marL="1714500" indent="0">
+              <a:buNone/>
+              <a:defRPr sz="750"/>
             </a:lvl6pPr>
-            <a:lvl7pPr marL="2743200" indent="0">
-              <a:buNone/>
-              <a:defRPr sz="900"/>
+            <a:lvl7pPr marL="2057400" indent="0">
+              <a:buNone/>
+              <a:defRPr sz="750"/>
             </a:lvl7pPr>
-            <a:lvl8pPr marL="3200400" indent="0">
-              <a:buNone/>
-              <a:defRPr sz="900"/>
+            <a:lvl8pPr marL="2400300" indent="0">
+              <a:buNone/>
+              <a:defRPr sz="750"/>
             </a:lvl8pPr>
-            <a:lvl9pPr marL="3657600" indent="0">
-              <a:buNone/>
-              <a:defRPr sz="900"/>
+            <a:lvl9pPr marL="2743200" indent="0">
+              <a:buNone/>
+              <a:defRPr sz="750"/>
             </a:lvl9pPr>
           </a:lstStyle>
           <a:p>
@@ -2505,14 +3160,27 @@
             <p:ph type="dt" sz="half" idx="10"/>
           </p:nvPr>
         </p:nvSpPr>
-        <p:spPr/>
-        <p:txBody>
-          <a:bodyPr/>
-          <a:lstStyle/>
+        <p:spPr>
+          <a:xfrm>
+            <a:off x="542925" y="6453386"/>
+            <a:ext cx="903429" cy="404614"/>
+          </a:xfrm>
+        </p:spPr>
+        <p:txBody>
+          <a:bodyPr/>
+          <a:lstStyle>
+            <a:lvl1pPr>
+              <a:defRPr>
+                <a:solidFill>
+                  <a:schemeClr val="tx2"/>
+                </a:solidFill>
+              </a:defRPr>
+            </a:lvl1pPr>
+          </a:lstStyle>
           <a:p>
             <a:fld id="{7903C747-3FF6-48D2-B6AA-BDBF9050E76E}" type="datetimeFigureOut">
               <a:rPr lang="en-US" smtClean="0"/>
-              <a:t>4/5/2016</a:t>
+              <a:t>4/14/2016</a:t>
             </a:fld>
             <a:endParaRPr lang="en-US"/>
           </a:p>
@@ -2528,10 +3196,23 @@
             <p:ph type="ftr" sz="quarter" idx="11"/>
           </p:nvPr>
         </p:nvSpPr>
-        <p:spPr/>
-        <p:txBody>
-          <a:bodyPr/>
-          <a:lstStyle/>
+        <p:spPr>
+          <a:xfrm>
+            <a:off x="1654459" y="6453386"/>
+            <a:ext cx="1780256" cy="404614"/>
+          </a:xfrm>
+        </p:spPr>
+        <p:txBody>
+          <a:bodyPr/>
+          <a:lstStyle>
+            <a:lvl1pPr>
+              <a:defRPr>
+                <a:solidFill>
+                  <a:schemeClr val="tx2"/>
+                </a:solidFill>
+              </a:defRPr>
+            </a:lvl1pPr>
+          </a:lstStyle>
           <a:p>
             <a:endParaRPr lang="en-US"/>
           </a:p>
@@ -2547,10 +3228,23 @@
             <p:ph type="sldNum" sz="quarter" idx="12"/>
           </p:nvPr>
         </p:nvSpPr>
-        <p:spPr/>
-        <p:txBody>
-          <a:bodyPr/>
-          <a:lstStyle/>
+        <p:spPr>
+          <a:xfrm>
+            <a:off x="7412355" y="6453386"/>
+            <a:ext cx="1197219" cy="404614"/>
+          </a:xfrm>
+        </p:spPr>
+        <p:txBody>
+          <a:bodyPr/>
+          <a:lstStyle>
+            <a:lvl1pPr>
+              <a:defRPr>
+                <a:solidFill>
+                  <a:schemeClr val="tx2"/>
+                </a:solidFill>
+              </a:defRPr>
+            </a:lvl1pPr>
+          </a:lstStyle>
           <a:p>
             <a:fld id="{984D28F6-DD7E-4808-A4B0-F9DD0FC69112}" type="slidenum">
               <a:rPr lang="en-US" smtClean="0"/>
@@ -2560,10 +3254,86 @@
           </a:p>
         </p:txBody>
       </p:sp>
+      <p:sp>
+        <p:nvSpPr>
+          <p:cNvPr id="9" name="Rectangle 8"/>
+          <p:cNvSpPr/>
+          <p:nvPr/>
+        </p:nvSpPr>
+        <p:spPr>
+          <a:xfrm>
+            <a:off x="3977640" y="376"/>
+            <a:ext cx="171450" cy="6858000"/>
+          </a:xfrm>
+          <a:prstGeom prst="rect">
+            <a:avLst/>
+          </a:prstGeom>
+          <a:solidFill>
+            <a:schemeClr val="tx2"/>
+          </a:solidFill>
+          <a:ln>
+            <a:noFill/>
+          </a:ln>
+        </p:spPr>
+        <p:style>
+          <a:lnRef idx="2">
+            <a:schemeClr val="accent1">
+              <a:shade val="50000"/>
+            </a:schemeClr>
+          </a:lnRef>
+          <a:fillRef idx="1">
+            <a:schemeClr val="accent1"/>
+          </a:fillRef>
+          <a:effectRef idx="0">
+            <a:schemeClr val="accent1"/>
+          </a:effectRef>
+          <a:fontRef idx="minor">
+            <a:schemeClr val="lt1"/>
+          </a:fontRef>
+        </p:style>
+      </p:sp>
+      <p:sp>
+        <p:nvSpPr>
+          <p:cNvPr id="11" name="Rectangle 10" title="Divider Bar"/>
+          <p:cNvSpPr/>
+          <p:nvPr/>
+        </p:nvSpPr>
+        <p:spPr>
+          <a:xfrm>
+            <a:off x="3977640" y="376"/>
+            <a:ext cx="171450" cy="6858000"/>
+          </a:xfrm>
+          <a:prstGeom prst="rect">
+            <a:avLst/>
+          </a:prstGeom>
+          <a:solidFill>
+            <a:schemeClr val="tx2"/>
+          </a:solidFill>
+          <a:ln>
+            <a:noFill/>
+          </a:ln>
+        </p:spPr>
+        <p:style>
+          <a:lnRef idx="2">
+            <a:schemeClr val="accent1">
+              <a:shade val="50000"/>
+            </a:schemeClr>
+          </a:lnRef>
+          <a:fillRef idx="1">
+            <a:schemeClr val="accent1"/>
+          </a:fillRef>
+          <a:effectRef idx="0">
+            <a:schemeClr val="accent1"/>
+          </a:effectRef>
+          <a:fontRef idx="minor">
+            <a:schemeClr val="lt1"/>
+          </a:fontRef>
+        </p:style>
+      </p:sp>
     </p:spTree>
     <p:extLst>
       <p:ext uri="{BB962C8B-B14F-4D97-AF65-F5344CB8AC3E}">
-        <p14:creationId xmlns:p14="http://schemas.microsoft.com/office/powerpoint/2010/main" val="2326643776"/>
+        <p14:creationId xmlns:p14="http://schemas.microsoft.com/office/powerpoint/2010/main" val="1758259287"/>
       </p:ext>
     </p:extLst>
   </p:cSld>
@@ -2577,9 +3347,12 @@
 <p:sldMaster xmlns:a="http://schemas.openxmlformats.org/drawingml/2006/main" xmlns:r="http://schemas.openxmlformats.org/officeDocument/2006/relationships" xmlns:p="http://schemas.openxmlformats.org/presentationml/2006/main">
   <p:cSld>
     <p:bg>
-      <p:bgRef idx="1001">
-        <a:schemeClr val="bg1"/>
-      </p:bgRef>
+      <p:bgPr>
+        <a:solidFill>
+          <a:schemeClr val="bg2"/>
+        </a:solidFill>
+        <a:effectLst/>
+      </p:bgPr>
     </p:bg>
     <p:spTree>
       <p:nvGrpSpPr>
@@ -2607,15 +3380,15 @@
         </p:nvSpPr>
         <p:spPr>
           <a:xfrm>
-            <a:off x="457200" y="274638"/>
-            <a:ext cx="8229600" cy="1143000"/>
+            <a:off x="1028700" y="685800"/>
+            <a:ext cx="7200900" cy="1485900"/>
           </a:xfrm>
           <a:prstGeom prst="rect">
             <a:avLst/>
           </a:prstGeom>
         </p:spPr>
         <p:txBody>
-          <a:bodyPr vert="horz" lIns="91440" tIns="45720" rIns="91440" bIns="45720" rtlCol="0" anchor="ctr">
+          <a:bodyPr vert="horz" lIns="91440" tIns="45720" rIns="91440" bIns="45720" rtlCol="0" anchor="t">
             <a:normAutofit/>
           </a:bodyPr>
           <a:lstStyle/>
@@ -2624,7 +3397,7 @@
               <a:rPr lang="en-US" smtClean="0"/>
               <a:t>Click to edit Master title style</a:t>
             </a:r>
-            <a:endParaRPr lang="en-US"/>
+            <a:endParaRPr lang="en-US" dirty="0"/>
           </a:p>
         </p:txBody>
       </p:sp>
@@ -2640,8 +3413,8 @@
         </p:nvSpPr>
         <p:spPr>
           <a:xfrm>
-            <a:off x="457200" y="1600200"/>
-            <a:ext cx="8229600" cy="4525963"/>
+            <a:off x="1028700" y="2286000"/>
+            <a:ext cx="7200900" cy="3581400"/>
           </a:xfrm>
           <a:prstGeom prst="rect">
             <a:avLst/>
@@ -2686,7 +3459,7 @@
               <a:rPr lang="en-US" smtClean="0"/>
               <a:t>Fifth level</a:t>
             </a:r>
-            <a:endParaRPr lang="en-US"/>
+            <a:endParaRPr lang="en-US" dirty="0"/>
           </a:p>
         </p:txBody>
       </p:sp>
@@ -2702,8 +3475,8 @@
         </p:nvSpPr>
         <p:spPr>
           <a:xfrm>
-            <a:off x="457200" y="6356350"/>
-            <a:ext cx="2133600" cy="365125"/>
+            <a:off x="1042987" y="6453386"/>
+            <a:ext cx="903429" cy="404614"/>
           </a:xfrm>
           <a:prstGeom prst="rect">
             <a:avLst/>
@@ -2713,11 +3486,9 @@
           <a:bodyPr vert="horz" lIns="91440" tIns="45720" rIns="91440" bIns="45720" rtlCol="0" anchor="ctr"/>
           <a:lstStyle>
             <a:lvl1pPr algn="l">
-              <a:defRPr sz="1200">
+              <a:defRPr sz="1000" baseline="0">
                 <a:solidFill>
-                  <a:schemeClr val="tx1">
-                    <a:tint val="75000"/>
-                  </a:schemeClr>
+                  <a:schemeClr val="tx2"/>
                 </a:solidFill>
               </a:defRPr>
             </a:lvl1pPr>
@@ -2725,7 +3496,7 @@
           <a:p>
             <a:fld id="{7903C747-3FF6-48D2-B6AA-BDBF9050E76E}" type="datetimeFigureOut">
               <a:rPr lang="en-US" smtClean="0"/>
-              <a:t>4/5/2016</a:t>
+              <a:t>4/14/2016</a:t>
             </a:fld>
             <a:endParaRPr lang="en-US"/>
           </a:p>
@@ -2743,8 +3514,8 @@
         </p:nvSpPr>
         <p:spPr>
           <a:xfrm>
-            <a:off x="3124200" y="6356350"/>
-            <a:ext cx="2895600" cy="365125"/>
+            <a:off x="2170173" y="6453386"/>
+            <a:ext cx="4710623" cy="404614"/>
           </a:xfrm>
           <a:prstGeom prst="rect">
             <a:avLst/>
@@ -2753,12 +3524,10 @@
         <p:txBody>
           <a:bodyPr vert="horz" lIns="91440" tIns="45720" rIns="91440" bIns="45720" rtlCol="0" anchor="ctr"/>
           <a:lstStyle>
-            <a:lvl1pPr algn="ctr">
-              <a:defRPr sz="1200">
+            <a:lvl1pPr algn="l">
+              <a:defRPr sz="1000" baseline="0">
                 <a:solidFill>
-                  <a:schemeClr val="tx1">
-                    <a:tint val="75000"/>
-                  </a:schemeClr>
+                  <a:schemeClr val="tx2"/>
                 </a:solidFill>
               </a:defRPr>
             </a:lvl1pPr>
@@ -2780,8 +3549,8 @@
         </p:nvSpPr>
         <p:spPr>
           <a:xfrm>
-            <a:off x="6553200" y="6356350"/>
-            <a:ext cx="2133600" cy="365125"/>
+            <a:off x="7104552" y="6453386"/>
+            <a:ext cx="1197219" cy="404614"/>
           </a:xfrm>
           <a:prstGeom prst="rect">
             <a:avLst/>
@@ -2791,11 +3560,9 @@
           <a:bodyPr vert="horz" lIns="91440" tIns="45720" rIns="91440" bIns="45720" rtlCol="0" anchor="ctr"/>
           <a:lstStyle>
             <a:lvl1pPr algn="r">
-              <a:defRPr sz="1200">
+              <a:defRPr sz="1000" baseline="0">
                 <a:solidFill>
-                  <a:schemeClr val="tx1">
-                    <a:tint val="75000"/>
-                  </a:schemeClr>
+                  <a:schemeClr val="tx2"/>
                 </a:solidFill>
               </a:defRPr>
             </a:lvl1pPr>
@@ -2809,37 +3576,116 @@
           </a:p>
         </p:txBody>
       </p:sp>
+      <p:sp>
+        <p:nvSpPr>
+          <p:cNvPr id="9" name="Rectangle 8"/>
+          <p:cNvSpPr/>
+          <p:nvPr/>
+        </p:nvSpPr>
+        <p:spPr>
+          <a:xfrm>
+            <a:off x="358571" y="376"/>
+            <a:ext cx="171450" cy="6858000"/>
+          </a:xfrm>
+          <a:prstGeom prst="rect">
+            <a:avLst/>
+          </a:prstGeom>
+          <a:solidFill>
+            <a:schemeClr val="tx2"/>
+          </a:solidFill>
+          <a:ln>
+            <a:noFill/>
+          </a:ln>
+        </p:spPr>
+        <p:style>
+          <a:lnRef idx="2">
+            <a:schemeClr val="accent1">
+              <a:shade val="50000"/>
+            </a:schemeClr>
+          </a:lnRef>
+          <a:fillRef idx="1">
+            <a:schemeClr val="accent1"/>
+          </a:fillRef>
+          <a:effectRef idx="0">
+            <a:schemeClr val="accent1"/>
+          </a:effectRef>
+          <a:fontRef idx="minor">
+            <a:schemeClr val="lt1"/>
+          </a:fontRef>
+        </p:style>
+      </p:sp>
+      <p:sp>
+        <p:nvSpPr>
+          <p:cNvPr id="8" name="Rectangle 7" title="Side bar"/>
+          <p:cNvSpPr/>
+          <p:nvPr/>
+        </p:nvSpPr>
+        <p:spPr>
+          <a:xfrm>
+            <a:off x="358571" y="376"/>
+            <a:ext cx="171450" cy="6858000"/>
+          </a:xfrm>
+          <a:prstGeom prst="rect">
+            <a:avLst/>
+          </a:prstGeom>
+          <a:solidFill>
+            <a:schemeClr val="tx2"/>
+          </a:solidFill>
+          <a:ln>
+            <a:noFill/>
+          </a:ln>
+        </p:spPr>
+        <p:style>
+          <a:lnRef idx="2">
+            <a:schemeClr val="accent1">
+              <a:shade val="50000"/>
+            </a:schemeClr>
+          </a:lnRef>
+          <a:fillRef idx="1">
+            <a:schemeClr val="accent1"/>
+          </a:fillRef>
+          <a:effectRef idx="0">
+            <a:schemeClr val="accent1"/>
+          </a:effectRef>
+          <a:fontRef idx="minor">
+            <a:schemeClr val="lt1"/>
+          </a:fontRef>
+        </p:style>
+      </p:sp>
     </p:spTree>
     <p:extLst>
       <p:ext uri="{BB962C8B-B14F-4D97-AF65-F5344CB8AC3E}">
-        <p14:creationId xmlns:p14="http://schemas.microsoft.com/office/powerpoint/2010/main" val="1857724859"/>
+        <p14:creationId xmlns:p14="http://schemas.microsoft.com/office/powerpoint/2010/main" val="1641143407"/>
       </p:ext>
     </p:extLst>
   </p:cSld>
   <p:clrMap bg1="lt1" tx1="dk1" bg2="lt2" tx2="dk2" accent1="accent1" accent2="accent2" accent3="accent3" accent4="accent4" accent5="accent5" accent6="accent6" hlink="hlink" folHlink="folHlink"/>
   <p:sldLayoutIdLst>
-    <p:sldLayoutId id="2147483649" r:id="rId1"/>
-    <p:sldLayoutId id="2147483650" r:id="rId2"/>
-    <p:sldLayoutId id="2147483651" r:id="rId3"/>
-    <p:sldLayoutId id="2147483652" r:id="rId4"/>
-    <p:sldLayoutId id="2147483653" r:id="rId5"/>
-    <p:sldLayoutId id="2147483654" r:id="rId6"/>
-    <p:sldLayoutId id="2147483655" r:id="rId7"/>
-    <p:sldLayoutId id="2147483656" r:id="rId8"/>
-    <p:sldLayoutId id="2147483657" r:id="rId9"/>
-    <p:sldLayoutId id="2147483658" r:id="rId10"/>
-    <p:sldLayoutId id="2147483659" r:id="rId11"/>
+    <p:sldLayoutId id="2147483685" r:id="rId1"/>
+    <p:sldLayoutId id="2147483686" r:id="rId2"/>
+    <p:sldLayoutId id="2147483687" r:id="rId3"/>
+    <p:sldLayoutId id="2147483688" r:id="rId4"/>
+    <p:sldLayoutId id="2147483689" r:id="rId5"/>
+    <p:sldLayoutId id="2147483690" r:id="rId6"/>
+    <p:sldLayoutId id="2147483691" r:id="rId7"/>
+    <p:sldLayoutId id="2147483692" r:id="rId8"/>
+    <p:sldLayoutId id="2147483693" r:id="rId9"/>
+    <p:sldLayoutId id="2147483694" r:id="rId10"/>
+    <p:sldLayoutId id="2147483695" r:id="rId11"/>
   </p:sldLayoutIdLst>
   <p:txStyles>
     <p:titleStyle>
-      <a:lvl1pPr algn="ctr" defTabSz="914400" rtl="0" eaLnBrk="1" latinLnBrk="0" hangingPunct="1">
+      <a:lvl1pPr algn="l" defTabSz="685800" rtl="0" eaLnBrk="1" latinLnBrk="0" hangingPunct="1">
+        <a:lnSpc>
+          <a:spcPct val="89000"/>
+        </a:lnSpc>
         <a:spcBef>
           <a:spcPct val="0"/>
         </a:spcBef>
         <a:buNone/>
-        <a:defRPr sz="4400" kern="1200">
+        <a:defRPr sz="4400" kern="1200" baseline="0">
           <a:solidFill>
-            <a:schemeClr val="tx1"/>
+            <a:schemeClr val="tx2"/>
           </a:solidFill>
           <a:latin typeface="+mj-lt"/>
           <a:ea typeface="+mj-ea"/>
@@ -2848,135 +3694,189 @@
       </a:lvl1pPr>
     </p:titleStyle>
     <p:bodyStyle>
-      <a:lvl1pPr marL="342900" indent="-342900" algn="l" defTabSz="914400" rtl="0" eaLnBrk="1" latinLnBrk="0" hangingPunct="1">
+      <a:lvl1pPr marL="384048" indent="-384048" algn="l" defTabSz="685800" rtl="0" eaLnBrk="1" latinLnBrk="0" hangingPunct="1">
+        <a:lnSpc>
+          <a:spcPct val="94000"/>
+        </a:lnSpc>
         <a:spcBef>
-          <a:spcPct val="20000"/>
+          <a:spcPts val="1000"/>
         </a:spcBef>
-        <a:buFont typeface="Arial" panose="020B0604020202020204" pitchFamily="34" charset="0"/>
-        <a:buChar char="•"/>
-        <a:defRPr sz="3200" kern="1200">
+        <a:spcAft>
+          <a:spcPts val="200"/>
+        </a:spcAft>
+        <a:buFont typeface="Franklin Gothic Book" panose="020B0503020102020204" pitchFamily="34" charset="0"/>
+        <a:buChar char="■"/>
+        <a:defRPr sz="2000" kern="1200" baseline="0">
           <a:solidFill>
-            <a:schemeClr val="tx1"/>
+            <a:schemeClr val="tx2"/>
           </a:solidFill>
           <a:latin typeface="+mn-lt"/>
           <a:ea typeface="+mn-ea"/>
           <a:cs typeface="+mn-cs"/>
         </a:defRPr>
       </a:lvl1pPr>
-      <a:lvl2pPr marL="742950" indent="-285750" algn="l" defTabSz="914400" rtl="0" eaLnBrk="1" latinLnBrk="0" hangingPunct="1">
+      <a:lvl2pPr marL="914400" indent="-384048" algn="l" defTabSz="685800" rtl="0" eaLnBrk="1" latinLnBrk="0" hangingPunct="1">
+        <a:lnSpc>
+          <a:spcPct val="94000"/>
+        </a:lnSpc>
         <a:spcBef>
-          <a:spcPct val="20000"/>
+          <a:spcPts val="500"/>
         </a:spcBef>
-        <a:buFont typeface="Arial" panose="020B0604020202020204" pitchFamily="34" charset="0"/>
+        <a:spcAft>
+          <a:spcPts val="200"/>
+        </a:spcAft>
+        <a:buFont typeface="Franklin Gothic Book" panose="020B0503020102020204" pitchFamily="34" charset="0"/>
         <a:buChar char="–"/>
-        <a:defRPr sz="2800" kern="1200">
+        <a:defRPr sz="2000" i="1" kern="1200" baseline="0">
           <a:solidFill>
-            <a:schemeClr val="tx1"/>
+            <a:schemeClr val="tx2"/>
           </a:solidFill>
           <a:latin typeface="+mn-lt"/>
           <a:ea typeface="+mn-ea"/>
           <a:cs typeface="+mn-cs"/>
         </a:defRPr>
       </a:lvl2pPr>
-      <a:lvl3pPr marL="1143000" indent="-228600" algn="l" defTabSz="914400" rtl="0" eaLnBrk="1" latinLnBrk="0" hangingPunct="1">
+      <a:lvl3pPr marL="1371600" indent="-384048" algn="l" defTabSz="685800" rtl="0" eaLnBrk="1" latinLnBrk="0" hangingPunct="1">
+        <a:lnSpc>
+          <a:spcPct val="94000"/>
+        </a:lnSpc>
         <a:spcBef>
-          <a:spcPct val="20000"/>
+          <a:spcPts val="500"/>
         </a:spcBef>
-        <a:buFont typeface="Arial" panose="020B0604020202020204" pitchFamily="34" charset="0"/>
-        <a:buChar char="•"/>
-        <a:defRPr sz="2400" kern="1200">
+        <a:spcAft>
+          <a:spcPts val="200"/>
+        </a:spcAft>
+        <a:buFont typeface="Franklin Gothic Book" panose="020B0503020102020204" pitchFamily="34" charset="0"/>
+        <a:buChar char="■"/>
+        <a:defRPr sz="1800" kern="1200" baseline="0">
           <a:solidFill>
-            <a:schemeClr val="tx1"/>
+            <a:schemeClr val="tx2"/>
           </a:solidFill>
           <a:latin typeface="+mn-lt"/>
           <a:ea typeface="+mn-ea"/>
           <a:cs typeface="+mn-cs"/>
         </a:defRPr>
       </a:lvl3pPr>
-      <a:lvl4pPr marL="1600200" indent="-228600" algn="l" defTabSz="914400" rtl="0" eaLnBrk="1" latinLnBrk="0" hangingPunct="1">
+      <a:lvl4pPr marL="1828800" indent="-384048" algn="l" defTabSz="685800" rtl="0" eaLnBrk="1" latinLnBrk="0" hangingPunct="1">
+        <a:lnSpc>
+          <a:spcPct val="94000"/>
+        </a:lnSpc>
         <a:spcBef>
-          <a:spcPct val="20000"/>
+          <a:spcPts val="500"/>
         </a:spcBef>
-        <a:buFont typeface="Arial" panose="020B0604020202020204" pitchFamily="34" charset="0"/>
+        <a:spcAft>
+          <a:spcPts val="200"/>
+        </a:spcAft>
+        <a:buFont typeface="Franklin Gothic Book" panose="020B0503020102020204" pitchFamily="34" charset="0"/>
         <a:buChar char="–"/>
-        <a:defRPr sz="2000" kern="1200">
+        <a:defRPr sz="1800" i="1" kern="1200" baseline="0">
           <a:solidFill>
-            <a:schemeClr val="tx1"/>
+            <a:schemeClr val="tx2"/>
           </a:solidFill>
           <a:latin typeface="+mn-lt"/>
           <a:ea typeface="+mn-ea"/>
           <a:cs typeface="+mn-cs"/>
         </a:defRPr>
       </a:lvl4pPr>
-      <a:lvl5pPr marL="2057400" indent="-228600" algn="l" defTabSz="914400" rtl="0" eaLnBrk="1" latinLnBrk="0" hangingPunct="1">
+      <a:lvl5pPr marL="2286000" indent="-384048" algn="l" defTabSz="685800" rtl="0" eaLnBrk="1" latinLnBrk="0" hangingPunct="1">
+        <a:lnSpc>
+          <a:spcPct val="94000"/>
+        </a:lnSpc>
         <a:spcBef>
-          <a:spcPct val="20000"/>
+          <a:spcPts val="500"/>
         </a:spcBef>
-        <a:buFont typeface="Arial" panose="020B0604020202020204" pitchFamily="34" charset="0"/>
-        <a:buChar char="»"/>
-        <a:defRPr sz="2000" kern="1200">
+        <a:spcAft>
+          <a:spcPts val="200"/>
+        </a:spcAft>
+        <a:buFont typeface="Franklin Gothic Book" panose="020B0503020102020204" pitchFamily="34" charset="0"/>
+        <a:buChar char="■"/>
+        <a:defRPr sz="1600" kern="1200" baseline="0">
           <a:solidFill>
-            <a:schemeClr val="tx1"/>
+            <a:schemeClr val="tx2"/>
           </a:solidFill>
           <a:latin typeface="+mn-lt"/>
           <a:ea typeface="+mn-ea"/>
           <a:cs typeface="+mn-cs"/>
         </a:defRPr>
       </a:lvl5pPr>
-      <a:lvl6pPr marL="2514600" indent="-228600" algn="l" defTabSz="914400" rtl="0" eaLnBrk="1" latinLnBrk="0" hangingPunct="1">
+      <a:lvl6pPr marL="2743200" indent="-384048" algn="l" defTabSz="685800" rtl="0" eaLnBrk="1" latinLnBrk="0" hangingPunct="1">
+        <a:lnSpc>
+          <a:spcPct val="94000"/>
+        </a:lnSpc>
         <a:spcBef>
-          <a:spcPct val="20000"/>
+          <a:spcPts val="500"/>
         </a:spcBef>
-        <a:buFont typeface="Arial" panose="020B0604020202020204" pitchFamily="34" charset="0"/>
-        <a:buChar char="•"/>
-        <a:defRPr sz="2000" kern="1200">
+        <a:spcAft>
+          <a:spcPts val="200"/>
+        </a:spcAft>
+        <a:buFont typeface="Franklin Gothic Book" panose="020B0503020102020204" pitchFamily="34" charset="0"/>
+        <a:buChar char="–"/>
+        <a:defRPr sz="1600" i="1" kern="1200" baseline="0">
           <a:solidFill>
-            <a:schemeClr val="tx1"/>
+            <a:schemeClr val="tx2"/>
           </a:solidFill>
           <a:latin typeface="+mn-lt"/>
           <a:ea typeface="+mn-ea"/>
           <a:cs typeface="+mn-cs"/>
         </a:defRPr>
       </a:lvl6pPr>
-      <a:lvl7pPr marL="2971800" indent="-228600" algn="l" defTabSz="914400" rtl="0" eaLnBrk="1" latinLnBrk="0" hangingPunct="1">
+      <a:lvl7pPr marL="3200400" indent="-384048" algn="l" defTabSz="685800" rtl="0" eaLnBrk="1" latinLnBrk="0" hangingPunct="1">
+        <a:lnSpc>
+          <a:spcPct val="94000"/>
+        </a:lnSpc>
         <a:spcBef>
-          <a:spcPct val="20000"/>
+          <a:spcPts val="500"/>
         </a:spcBef>
-        <a:buFont typeface="Arial" panose="020B0604020202020204" pitchFamily="34" charset="0"/>
-        <a:buChar char="•"/>
-        <a:defRPr sz="2000" kern="1200">
+        <a:spcAft>
+          <a:spcPts val="200"/>
+        </a:spcAft>
+        <a:buFont typeface="Franklin Gothic Book" panose="020B0503020102020204" pitchFamily="34" charset="0"/>
+        <a:buChar char="■"/>
+        <a:defRPr sz="1400" kern="1200" baseline="0">
           <a:solidFill>
-            <a:schemeClr val="tx1"/>
+            <a:schemeClr val="tx2"/>
           </a:solidFill>
           <a:latin typeface="+mn-lt"/>
           <a:ea typeface="+mn-ea"/>
           <a:cs typeface="+mn-cs"/>
         </a:defRPr>
       </a:lvl7pPr>
-      <a:lvl8pPr marL="3429000" indent="-228600" algn="l" defTabSz="914400" rtl="0" eaLnBrk="1" latinLnBrk="0" hangingPunct="1">
+      <a:lvl8pPr marL="3657600" indent="-384048" algn="l" defTabSz="685800" rtl="0" eaLnBrk="1" latinLnBrk="0" hangingPunct="1">
+        <a:lnSpc>
+          <a:spcPct val="94000"/>
+        </a:lnSpc>
         <a:spcBef>
-          <a:spcPct val="20000"/>
+          <a:spcPts val="500"/>
         </a:spcBef>
-        <a:buFont typeface="Arial" panose="020B0604020202020204" pitchFamily="34" charset="0"/>
-        <a:buChar char="•"/>
-        <a:defRPr sz="2000" kern="1200">
+        <a:spcAft>
+          <a:spcPts val="200"/>
+        </a:spcAft>
+        <a:buFont typeface="Franklin Gothic Book" panose="020B0503020102020204" pitchFamily="34" charset="0"/>
+        <a:buChar char="–"/>
+        <a:defRPr sz="1400" i="1" kern="1200" baseline="0">
           <a:solidFill>
-            <a:schemeClr val="tx1"/>
+            <a:schemeClr val="tx2"/>
           </a:solidFill>
           <a:latin typeface="+mn-lt"/>
           <a:ea typeface="+mn-ea"/>
           <a:cs typeface="+mn-cs"/>
         </a:defRPr>
       </a:lvl8pPr>
-      <a:lvl9pPr marL="3886200" indent="-228600" algn="l" defTabSz="914400" rtl="0" eaLnBrk="1" latinLnBrk="0" hangingPunct="1">
+      <a:lvl9pPr marL="4114800" indent="-384048" algn="l" defTabSz="685800" rtl="0" eaLnBrk="1" latinLnBrk="0" hangingPunct="1">
+        <a:lnSpc>
+          <a:spcPct val="94000"/>
+        </a:lnSpc>
         <a:spcBef>
-          <a:spcPct val="20000"/>
+          <a:spcPts val="500"/>
         </a:spcBef>
-        <a:buFont typeface="Arial" panose="020B0604020202020204" pitchFamily="34" charset="0"/>
-        <a:buChar char="•"/>
-        <a:defRPr sz="2000" kern="1200">
+        <a:spcAft>
+          <a:spcPts val="200"/>
+        </a:spcAft>
+        <a:buFont typeface="Franklin Gothic Book" panose="020B0503020102020204" pitchFamily="34" charset="0"/>
+        <a:buChar char="■"/>
+        <a:defRPr sz="1400" kern="1200" baseline="0">
           <a:solidFill>
-            <a:schemeClr val="tx1"/>
+            <a:schemeClr val="tx2"/>
           </a:solidFill>
           <a:latin typeface="+mn-lt"/>
           <a:ea typeface="+mn-ea"/>
@@ -2988,8 +3888,8 @@
       <a:defPPr>
         <a:defRPr lang="en-US"/>
       </a:defPPr>
-      <a:lvl1pPr marL="0" algn="l" defTabSz="914400" rtl="0" eaLnBrk="1" latinLnBrk="0" hangingPunct="1">
-        <a:defRPr sz="1800" kern="1200">
+      <a:lvl1pPr marL="0" algn="l" defTabSz="685800" rtl="0" eaLnBrk="1" latinLnBrk="0" hangingPunct="1">
+        <a:defRPr sz="1350" kern="1200">
           <a:solidFill>
             <a:schemeClr val="tx1"/>
           </a:solidFill>
@@ -2998,8 +3898,8 @@
           <a:cs typeface="+mn-cs"/>
         </a:defRPr>
       </a:lvl1pPr>
-      <a:lvl2pPr marL="457200" algn="l" defTabSz="914400" rtl="0" eaLnBrk="1" latinLnBrk="0" hangingPunct="1">
-        <a:defRPr sz="1800" kern="1200">
+      <a:lvl2pPr marL="342900" algn="l" defTabSz="685800" rtl="0" eaLnBrk="1" latinLnBrk="0" hangingPunct="1">
+        <a:defRPr sz="1350" kern="1200">
           <a:solidFill>
             <a:schemeClr val="tx1"/>
           </a:solidFill>
@@ -3008,8 +3908,8 @@
           <a:cs typeface="+mn-cs"/>
         </a:defRPr>
       </a:lvl2pPr>
-      <a:lvl3pPr marL="914400" algn="l" defTabSz="914400" rtl="0" eaLnBrk="1" latinLnBrk="0" hangingPunct="1">
-        <a:defRPr sz="1800" kern="1200">
+      <a:lvl3pPr marL="685800" algn="l" defTabSz="685800" rtl="0" eaLnBrk="1" latinLnBrk="0" hangingPunct="1">
+        <a:defRPr sz="1350" kern="1200">
           <a:solidFill>
             <a:schemeClr val="tx1"/>
           </a:solidFill>
@@ -3018,8 +3918,8 @@
           <a:cs typeface="+mn-cs"/>
         </a:defRPr>
       </a:lvl3pPr>
-      <a:lvl4pPr marL="1371600" algn="l" defTabSz="914400" rtl="0" eaLnBrk="1" latinLnBrk="0" hangingPunct="1">
-        <a:defRPr sz="1800" kern="1200">
+      <a:lvl4pPr marL="1028700" algn="l" defTabSz="685800" rtl="0" eaLnBrk="1" latinLnBrk="0" hangingPunct="1">
+        <a:defRPr sz="1350" kern="1200">
           <a:solidFill>
             <a:schemeClr val="tx1"/>
           </a:solidFill>
@@ -3028,8 +3928,8 @@
           <a:cs typeface="+mn-cs"/>
         </a:defRPr>
       </a:lvl4pPr>
-      <a:lvl5pPr marL="1828800" algn="l" defTabSz="914400" rtl="0" eaLnBrk="1" latinLnBrk="0" hangingPunct="1">
-        <a:defRPr sz="1800" kern="1200">
+      <a:lvl5pPr marL="1371600" algn="l" defTabSz="685800" rtl="0" eaLnBrk="1" latinLnBrk="0" hangingPunct="1">
+        <a:defRPr sz="1350" kern="1200">
           <a:solidFill>
             <a:schemeClr val="tx1"/>
           </a:solidFill>
@@ -3038,8 +3938,8 @@
           <a:cs typeface="+mn-cs"/>
         </a:defRPr>
       </a:lvl5pPr>
-      <a:lvl6pPr marL="2286000" algn="l" defTabSz="914400" rtl="0" eaLnBrk="1" latinLnBrk="0" hangingPunct="1">
-        <a:defRPr sz="1800" kern="1200">
+      <a:lvl6pPr marL="1714500" algn="l" defTabSz="685800" rtl="0" eaLnBrk="1" latinLnBrk="0" hangingPunct="1">
+        <a:defRPr sz="1350" kern="1200">
           <a:solidFill>
             <a:schemeClr val="tx1"/>
           </a:solidFill>
@@ -3048,8 +3948,8 @@
           <a:cs typeface="+mn-cs"/>
         </a:defRPr>
       </a:lvl6pPr>
-      <a:lvl7pPr marL="2743200" algn="l" defTabSz="914400" rtl="0" eaLnBrk="1" latinLnBrk="0" hangingPunct="1">
-        <a:defRPr sz="1800" kern="1200">
+      <a:lvl7pPr marL="2057400" algn="l" defTabSz="685800" rtl="0" eaLnBrk="1" latinLnBrk="0" hangingPunct="1">
+        <a:defRPr sz="1350" kern="1200">
           <a:solidFill>
             <a:schemeClr val="tx1"/>
           </a:solidFill>
@@ -3058,8 +3958,8 @@
           <a:cs typeface="+mn-cs"/>
         </a:defRPr>
       </a:lvl7pPr>
-      <a:lvl8pPr marL="3200400" algn="l" defTabSz="914400" rtl="0" eaLnBrk="1" latinLnBrk="0" hangingPunct="1">
-        <a:defRPr sz="1800" kern="1200">
+      <a:lvl8pPr marL="2400300" algn="l" defTabSz="685800" rtl="0" eaLnBrk="1" latinLnBrk="0" hangingPunct="1">
+        <a:defRPr sz="1350" kern="1200">
           <a:solidFill>
             <a:schemeClr val="tx1"/>
           </a:solidFill>
@@ -3068,8 +3968,8 @@
           <a:cs typeface="+mn-cs"/>
         </a:defRPr>
       </a:lvl8pPr>
-      <a:lvl9pPr marL="3657600" algn="l" defTabSz="914400" rtl="0" eaLnBrk="1" latinLnBrk="0" hangingPunct="1">
-        <a:defRPr sz="1800" kern="1200">
+      <a:lvl9pPr marL="2743200" algn="l" defTabSz="685800" rtl="0" eaLnBrk="1" latinLnBrk="0" hangingPunct="1">
+        <a:defRPr sz="1350" kern="1200">
           <a:solidFill>
             <a:schemeClr val="tx1"/>
           </a:solidFill>
@@ -3080,6 +3980,67 @@
       </a:lvl9pPr>
     </p:otherStyle>
   </p:txStyles>
+  <p:extLst mod="1">
+    <p:ext uri="{27BBF7A9-308A-43DC-89C8-2F10F3537804}">
+      <p15:sldGuideLst xmlns:p15="http://schemas.microsoft.com/office/powerpoint/2012/main">
+        <p15:guide id="4294967295" pos="6912">
+          <p15:clr>
+            <a:srgbClr val="F26B43"/>
+          </p15:clr>
+        </p15:guide>
+        <p15:guide id="4294967295" pos="936">
+          <p15:clr>
+            <a:srgbClr val="F26B43"/>
+          </p15:clr>
+        </p15:guide>
+        <p15:guide id="4294967295" pos="864">
+          <p15:clr>
+            <a:srgbClr val="F26B43"/>
+          </p15:clr>
+        </p15:guide>
+        <p15:guide id="4294967295" orient="horz" pos="1368">
+          <p15:clr>
+            <a:srgbClr val="F26B43"/>
+          </p15:clr>
+        </p15:guide>
+        <p15:guide id="4294967295" orient="horz" pos="1440">
+          <p15:clr>
+            <a:srgbClr val="F26B43"/>
+          </p15:clr>
+        </p15:guide>
+        <p15:guide id="4294967295" orient="horz" pos="3696">
+          <p15:clr>
+            <a:srgbClr val="F26B43"/>
+          </p15:clr>
+        </p15:guide>
+        <p15:guide id="4294967295" orient="horz" pos="432">
+          <p15:clr>
+            <a:srgbClr val="F26B43"/>
+          </p15:clr>
+        </p15:guide>
+        <p15:guide id="4294967295" orient="horz" pos="1512">
+          <p15:clr>
+            <a:srgbClr val="F26B43"/>
+          </p15:clr>
+        </p15:guide>
+        <p15:guide id="4294967295" pos="5184">
+          <p15:clr>
+            <a:srgbClr val="F26B43"/>
+          </p15:clr>
+        </p15:guide>
+        <p15:guide id="4294967295" pos="702">
+          <p15:clr>
+            <a:srgbClr val="F26B43"/>
+          </p15:clr>
+        </p15:guide>
+        <p15:guide id="4294967295" pos="648">
+          <p15:clr>
+            <a:srgbClr val="F26B43"/>
+          </p15:clr>
+        </p15:guide>
+      </p15:sldGuideLst>
+    </p:ext>
+  </p:extLst>
 </p:sldMaster>
 </file>
 
@@ -3113,7 +4074,7 @@
         <p:spPr/>
         <p:txBody>
           <a:bodyPr>
-            <a:normAutofit/>
+            <a:normAutofit fontScale="90000"/>
           </a:bodyPr>
           <a:lstStyle/>
           <a:p>
@@ -3142,7 +4103,27 @@
           <a:p>
             <a:r>
               <a:rPr lang="en-US" dirty="0" smtClean="0"/>
-              <a:t>Jeffery Ruocco, Jeffrey Falberg, and </a:t>
+              <a:t>Jeffery </a:t>
+            </a:r>
+            <a:r>
+              <a:rPr lang="en-US" dirty="0" smtClean="0"/>
+              <a:t>Ruocco (Computer Engineer), </a:t>
+            </a:r>
+            <a:r>
+              <a:rPr lang="en-US" dirty="0" smtClean="0"/>
+              <a:t>Jeffrey </a:t>
+            </a:r>
+            <a:r>
+              <a:rPr lang="en-US" dirty="0" err="1" smtClean="0"/>
+              <a:t>Falberg</a:t>
+            </a:r>
+            <a:r>
+              <a:rPr lang="en-US" dirty="0" smtClean="0"/>
+              <a:t> (Computer Engineer), </a:t>
+            </a:r>
+            <a:r>
+              <a:rPr lang="en-US" dirty="0" smtClean="0"/>
+              <a:t>and </a:t>
             </a:r>
             <a:r>
               <a:rPr lang="en-US" dirty="0" err="1" smtClean="0"/>
@@ -3150,11 +4131,19 @@
             </a:r>
             <a:r>
               <a:rPr lang="en-US" dirty="0" smtClean="0"/>
-              <a:t> Jean-</a:t>
+              <a:t> </a:t>
+            </a:r>
+            <a:r>
+              <a:rPr lang="en-US" dirty="0" smtClean="0"/>
+              <a:t>Jean-</a:t>
             </a:r>
             <a:r>
               <a:rPr lang="en-US" dirty="0" err="1" smtClean="0"/>
               <a:t>Bapiste</a:t>
+            </a:r>
+            <a:r>
+              <a:rPr lang="en-US" dirty="0" smtClean="0"/>
+              <a:t> (Electrical Engineer)</a:t>
             </a:r>
             <a:endParaRPr lang="en-US" dirty="0"/>
           </a:p>
@@ -3170,6 +4159,685 @@
   <p:clrMapOvr>
     <a:masterClrMapping/>
   </p:clrMapOvr>
+  <p:timing>
+    <p:tnLst>
+      <p:par>
+        <p:cTn id="1" dur="indefinite" restart="never" nodeType="tmRoot"/>
+      </p:par>
+    </p:tnLst>
+  </p:timing>
+</p:sld>
+</file>
+
+<file path=ppt/slides/slide10.xml><?xml version="1.0" encoding="utf-8"?>
+<p:sld xmlns:a="http://schemas.openxmlformats.org/drawingml/2006/main" xmlns:r="http://schemas.openxmlformats.org/officeDocument/2006/relationships" xmlns:p="http://schemas.openxmlformats.org/presentationml/2006/main">
+  <p:cSld>
+    <p:spTree>
+      <p:nvGrpSpPr>
+        <p:cNvPr id="1" name=""/>
+        <p:cNvGrpSpPr/>
+        <p:nvPr/>
+      </p:nvGrpSpPr>
+      <p:grpSpPr>
+        <a:xfrm>
+          <a:off x="0" y="0"/>
+          <a:ext cx="0" cy="0"/>
+          <a:chOff x="0" y="0"/>
+          <a:chExt cx="0" cy="0"/>
+        </a:xfrm>
+      </p:grpSpPr>
+      <p:sp>
+        <p:nvSpPr>
+          <p:cNvPr id="2" name="Title 1"/>
+          <p:cNvSpPr>
+            <a:spLocks noGrp="1"/>
+          </p:cNvSpPr>
+          <p:nvPr>
+            <p:ph type="title"/>
+          </p:nvPr>
+        </p:nvSpPr>
+        <p:spPr/>
+        <p:txBody>
+          <a:bodyPr/>
+          <a:lstStyle/>
+          <a:p>
+            <a:r>
+              <a:rPr lang="en-US" dirty="0" err="1" smtClean="0"/>
+              <a:t>Boscam</a:t>
+            </a:r>
+            <a:r>
+              <a:rPr lang="en-US" dirty="0" smtClean="0"/>
+              <a:t> 5.8GHz Transmitter and Camera</a:t>
+            </a:r>
+            <a:endParaRPr lang="en-US" dirty="0"/>
+          </a:p>
+        </p:txBody>
+      </p:sp>
+      <p:sp>
+        <p:nvSpPr>
+          <p:cNvPr id="3" name="Content Placeholder 2"/>
+          <p:cNvSpPr>
+            <a:spLocks noGrp="1"/>
+          </p:cNvSpPr>
+          <p:nvPr>
+            <p:ph idx="1"/>
+          </p:nvPr>
+        </p:nvSpPr>
+        <p:spPr/>
+        <p:txBody>
+          <a:bodyPr/>
+          <a:lstStyle/>
+          <a:p>
+            <a:endParaRPr lang="en-US"/>
+          </a:p>
+        </p:txBody>
+      </p:sp>
+    </p:spTree>
+    <p:extLst>
+      <p:ext uri="{BB962C8B-B14F-4D97-AF65-F5344CB8AC3E}">
+        <p14:creationId xmlns:p14="http://schemas.microsoft.com/office/powerpoint/2010/main" val="2946492621"/>
+      </p:ext>
+    </p:extLst>
+  </p:cSld>
+  <p:clrMapOvr>
+    <a:masterClrMapping/>
+  </p:clrMapOvr>
+  <p:timing>
+    <p:tnLst>
+      <p:par>
+        <p:cTn id="1" dur="indefinite" restart="never" nodeType="tmRoot"/>
+      </p:par>
+    </p:tnLst>
+  </p:timing>
+</p:sld>
+</file>
+
+<file path=ppt/slides/slide11.xml><?xml version="1.0" encoding="utf-8"?>
+<p:sld xmlns:a="http://schemas.openxmlformats.org/drawingml/2006/main" xmlns:r="http://schemas.openxmlformats.org/officeDocument/2006/relationships" xmlns:p="http://schemas.openxmlformats.org/presentationml/2006/main">
+  <p:cSld>
+    <p:spTree>
+      <p:nvGrpSpPr>
+        <p:cNvPr id="1" name=""/>
+        <p:cNvGrpSpPr/>
+        <p:nvPr/>
+      </p:nvGrpSpPr>
+      <p:grpSpPr>
+        <a:xfrm>
+          <a:off x="0" y="0"/>
+          <a:ext cx="0" cy="0"/>
+          <a:chOff x="0" y="0"/>
+          <a:chExt cx="0" cy="0"/>
+        </a:xfrm>
+      </p:grpSpPr>
+      <p:sp>
+        <p:nvSpPr>
+          <p:cNvPr id="2" name="Title 1"/>
+          <p:cNvSpPr>
+            <a:spLocks noGrp="1"/>
+          </p:cNvSpPr>
+          <p:nvPr>
+            <p:ph type="title"/>
+          </p:nvPr>
+        </p:nvSpPr>
+        <p:spPr/>
+        <p:txBody>
+          <a:bodyPr/>
+          <a:lstStyle/>
+          <a:p>
+            <a:r>
+              <a:rPr lang="en-US" dirty="0" smtClean="0"/>
+              <a:t>Motion Tracking</a:t>
+            </a:r>
+            <a:endParaRPr lang="en-US" dirty="0"/>
+          </a:p>
+        </p:txBody>
+      </p:sp>
+      <p:sp>
+        <p:nvSpPr>
+          <p:cNvPr id="3" name="Content Placeholder 2"/>
+          <p:cNvSpPr>
+            <a:spLocks noGrp="1"/>
+          </p:cNvSpPr>
+          <p:nvPr>
+            <p:ph idx="1"/>
+          </p:nvPr>
+        </p:nvSpPr>
+        <p:spPr/>
+        <p:txBody>
+          <a:bodyPr/>
+          <a:lstStyle/>
+          <a:p>
+            <a:r>
+              <a:rPr lang="en-US" dirty="0" smtClean="0"/>
+              <a:t>Skeletal tracking</a:t>
+            </a:r>
+          </a:p>
+          <a:p>
+            <a:r>
+              <a:rPr lang="en-US" dirty="0" smtClean="0"/>
+              <a:t>Extracting hand joint and coordinates</a:t>
+            </a:r>
+          </a:p>
+          <a:p>
+            <a:r>
+              <a:rPr lang="en-US" dirty="0" smtClean="0"/>
+              <a:t>Sending coordinates to Arduino</a:t>
+            </a:r>
+          </a:p>
+          <a:p>
+            <a:r>
+              <a:rPr lang="en-US" dirty="0" smtClean="0"/>
+              <a:t>Sending platform signals to Arduino</a:t>
+            </a:r>
+          </a:p>
+        </p:txBody>
+      </p:sp>
+    </p:spTree>
+    <p:extLst>
+      <p:ext uri="{BB962C8B-B14F-4D97-AF65-F5344CB8AC3E}">
+        <p14:creationId xmlns:p14="http://schemas.microsoft.com/office/powerpoint/2010/main" val="3967154480"/>
+      </p:ext>
+    </p:extLst>
+  </p:cSld>
+  <p:clrMapOvr>
+    <a:masterClrMapping/>
+  </p:clrMapOvr>
+  <p:timing>
+    <p:tnLst>
+      <p:par>
+        <p:cTn id="1" dur="indefinite" restart="never" nodeType="tmRoot"/>
+      </p:par>
+    </p:tnLst>
+  </p:timing>
+</p:sld>
+</file>
+
+<file path=ppt/slides/slide12.xml><?xml version="1.0" encoding="utf-8"?>
+<p:sld xmlns:a="http://schemas.openxmlformats.org/drawingml/2006/main" xmlns:r="http://schemas.openxmlformats.org/officeDocument/2006/relationships" xmlns:p="http://schemas.openxmlformats.org/presentationml/2006/main">
+  <p:cSld>
+    <p:spTree>
+      <p:nvGrpSpPr>
+        <p:cNvPr id="1" name=""/>
+        <p:cNvGrpSpPr/>
+        <p:nvPr/>
+      </p:nvGrpSpPr>
+      <p:grpSpPr>
+        <a:xfrm>
+          <a:off x="0" y="0"/>
+          <a:ext cx="0" cy="0"/>
+          <a:chOff x="0" y="0"/>
+          <a:chExt cx="0" cy="0"/>
+        </a:xfrm>
+      </p:grpSpPr>
+      <p:sp>
+        <p:nvSpPr>
+          <p:cNvPr id="2" name="Title 1"/>
+          <p:cNvSpPr>
+            <a:spLocks noGrp="1"/>
+          </p:cNvSpPr>
+          <p:nvPr>
+            <p:ph type="title"/>
+          </p:nvPr>
+        </p:nvSpPr>
+        <p:spPr>
+          <a:xfrm>
+            <a:off x="1028700" y="647700"/>
+            <a:ext cx="7200900" cy="1485900"/>
+          </a:xfrm>
+        </p:spPr>
+        <p:txBody>
+          <a:bodyPr/>
+          <a:lstStyle/>
+          <a:p>
+            <a:r>
+              <a:rPr lang="en-US" dirty="0" smtClean="0"/>
+              <a:t>Arduino Programming</a:t>
+            </a:r>
+            <a:endParaRPr lang="en-US" dirty="0"/>
+          </a:p>
+        </p:txBody>
+      </p:sp>
+      <p:sp>
+        <p:nvSpPr>
+          <p:cNvPr id="3" name="Content Placeholder 2"/>
+          <p:cNvSpPr>
+            <a:spLocks noGrp="1"/>
+          </p:cNvSpPr>
+          <p:nvPr>
+            <p:ph idx="1"/>
+          </p:nvPr>
+        </p:nvSpPr>
+        <p:spPr/>
+        <p:txBody>
+          <a:bodyPr/>
+          <a:lstStyle/>
+          <a:p>
+            <a:r>
+              <a:rPr lang="en-US" dirty="0" smtClean="0"/>
+              <a:t>IK calculations</a:t>
+            </a:r>
+          </a:p>
+          <a:p>
+            <a:r>
+              <a:rPr lang="en-US" dirty="0" err="1" smtClean="0"/>
+              <a:t>Xbee</a:t>
+            </a:r>
+            <a:r>
+              <a:rPr lang="en-US" dirty="0" smtClean="0"/>
+              <a:t> communication</a:t>
+            </a:r>
+          </a:p>
+          <a:p>
+            <a:r>
+              <a:rPr lang="en-US" dirty="0" smtClean="0"/>
+              <a:t>Sending commands to SSC-32U</a:t>
+            </a:r>
+          </a:p>
+          <a:p>
+            <a:r>
+              <a:rPr lang="en-US" dirty="0" smtClean="0"/>
+              <a:t>Platform control</a:t>
+            </a:r>
+            <a:endParaRPr lang="en-US" dirty="0"/>
+          </a:p>
+        </p:txBody>
+      </p:sp>
+    </p:spTree>
+    <p:extLst>
+      <p:ext uri="{BB962C8B-B14F-4D97-AF65-F5344CB8AC3E}">
+        <p14:creationId xmlns:p14="http://schemas.microsoft.com/office/powerpoint/2010/main" val="971808030"/>
+      </p:ext>
+    </p:extLst>
+  </p:cSld>
+  <p:clrMapOvr>
+    <a:masterClrMapping/>
+  </p:clrMapOvr>
+  <p:timing>
+    <p:tnLst>
+      <p:par>
+        <p:cTn id="1" dur="indefinite" restart="never" nodeType="tmRoot"/>
+      </p:par>
+    </p:tnLst>
+  </p:timing>
+</p:sld>
+</file>
+
+<file path=ppt/slides/slide13.xml><?xml version="1.0" encoding="utf-8"?>
+<p:sld xmlns:a="http://schemas.openxmlformats.org/drawingml/2006/main" xmlns:r="http://schemas.openxmlformats.org/officeDocument/2006/relationships" xmlns:p="http://schemas.openxmlformats.org/presentationml/2006/main">
+  <p:cSld>
+    <p:spTree>
+      <p:nvGrpSpPr>
+        <p:cNvPr id="1" name=""/>
+        <p:cNvGrpSpPr/>
+        <p:nvPr/>
+      </p:nvGrpSpPr>
+      <p:grpSpPr>
+        <a:xfrm>
+          <a:off x="0" y="0"/>
+          <a:ext cx="0" cy="0"/>
+          <a:chOff x="0" y="0"/>
+          <a:chExt cx="0" cy="0"/>
+        </a:xfrm>
+      </p:grpSpPr>
+      <p:sp>
+        <p:nvSpPr>
+          <p:cNvPr id="2" name="Title 1"/>
+          <p:cNvSpPr>
+            <a:spLocks noGrp="1"/>
+          </p:cNvSpPr>
+          <p:nvPr>
+            <p:ph type="title"/>
+          </p:nvPr>
+        </p:nvSpPr>
+        <p:spPr/>
+        <p:txBody>
+          <a:bodyPr/>
+          <a:lstStyle/>
+          <a:p>
+            <a:r>
+              <a:rPr lang="en-US" dirty="0" smtClean="0"/>
+              <a:t>SSC-32U Commands</a:t>
+            </a:r>
+            <a:endParaRPr lang="en-US" dirty="0"/>
+          </a:p>
+        </p:txBody>
+      </p:sp>
+      <p:sp>
+        <p:nvSpPr>
+          <p:cNvPr id="3" name="Content Placeholder 2"/>
+          <p:cNvSpPr>
+            <a:spLocks noGrp="1"/>
+          </p:cNvSpPr>
+          <p:nvPr>
+            <p:ph idx="1"/>
+          </p:nvPr>
+        </p:nvSpPr>
+        <p:spPr/>
+        <p:txBody>
+          <a:bodyPr/>
+          <a:lstStyle/>
+          <a:p>
+            <a:r>
+              <a:rPr lang="en-US" dirty="0" smtClean="0"/>
+              <a:t>Receive commands from Arduino through </a:t>
+            </a:r>
+            <a:r>
+              <a:rPr lang="en-US" dirty="0" err="1" smtClean="0"/>
+              <a:t>Xbee</a:t>
+            </a:r>
+            <a:endParaRPr lang="en-US" dirty="0"/>
+          </a:p>
+        </p:txBody>
+      </p:sp>
+    </p:spTree>
+    <p:extLst>
+      <p:ext uri="{BB962C8B-B14F-4D97-AF65-F5344CB8AC3E}">
+        <p14:creationId xmlns:p14="http://schemas.microsoft.com/office/powerpoint/2010/main" val="2061726145"/>
+      </p:ext>
+    </p:extLst>
+  </p:cSld>
+  <p:clrMapOvr>
+    <a:masterClrMapping/>
+  </p:clrMapOvr>
+</p:sld>
+</file>
+
+<file path=ppt/slides/slide14.xml><?xml version="1.0" encoding="utf-8"?>
+<p:sld xmlns:a="http://schemas.openxmlformats.org/drawingml/2006/main" xmlns:r="http://schemas.openxmlformats.org/officeDocument/2006/relationships" xmlns:p="http://schemas.openxmlformats.org/presentationml/2006/main">
+  <p:cSld>
+    <p:spTree>
+      <p:nvGrpSpPr>
+        <p:cNvPr id="1" name=""/>
+        <p:cNvGrpSpPr/>
+        <p:nvPr/>
+      </p:nvGrpSpPr>
+      <p:grpSpPr>
+        <a:xfrm>
+          <a:off x="0" y="0"/>
+          <a:ext cx="0" cy="0"/>
+          <a:chOff x="0" y="0"/>
+          <a:chExt cx="0" cy="0"/>
+        </a:xfrm>
+      </p:grpSpPr>
+      <p:sp>
+        <p:nvSpPr>
+          <p:cNvPr id="2" name="Title 1"/>
+          <p:cNvSpPr>
+            <a:spLocks noGrp="1"/>
+          </p:cNvSpPr>
+          <p:nvPr>
+            <p:ph type="title"/>
+          </p:nvPr>
+        </p:nvSpPr>
+        <p:spPr/>
+        <p:txBody>
+          <a:bodyPr/>
+          <a:lstStyle/>
+          <a:p>
+            <a:r>
+              <a:rPr lang="en-US" dirty="0" smtClean="0"/>
+              <a:t>Cost</a:t>
+            </a:r>
+            <a:endParaRPr lang="en-US" dirty="0"/>
+          </a:p>
+        </p:txBody>
+      </p:sp>
+      <p:sp>
+        <p:nvSpPr>
+          <p:cNvPr id="3" name="Content Placeholder 2"/>
+          <p:cNvSpPr>
+            <a:spLocks noGrp="1"/>
+          </p:cNvSpPr>
+          <p:nvPr>
+            <p:ph idx="1"/>
+          </p:nvPr>
+        </p:nvSpPr>
+        <p:spPr/>
+        <p:txBody>
+          <a:bodyPr/>
+          <a:lstStyle/>
+          <a:p>
+            <a:r>
+              <a:rPr lang="en-US" dirty="0" smtClean="0"/>
+              <a:t>Kinect – free</a:t>
+            </a:r>
+          </a:p>
+          <a:p>
+            <a:r>
+              <a:rPr lang="en-US" dirty="0" smtClean="0"/>
+              <a:t>Arduino Uno + Shield</a:t>
+            </a:r>
+          </a:p>
+          <a:p>
+            <a:r>
+              <a:rPr lang="en-US" dirty="0" err="1" smtClean="0"/>
+              <a:t>Xbee</a:t>
+            </a:r>
+            <a:r>
+              <a:rPr lang="en-US" dirty="0" smtClean="0"/>
+              <a:t> modules</a:t>
+            </a:r>
+          </a:p>
+          <a:p>
+            <a:r>
+              <a:rPr lang="en-US" dirty="0" smtClean="0"/>
+              <a:t>Platform</a:t>
+            </a:r>
+          </a:p>
+          <a:p>
+            <a:r>
+              <a:rPr lang="en-US" dirty="0" err="1" smtClean="0"/>
+              <a:t>Lynxmotion</a:t>
+            </a:r>
+            <a:r>
+              <a:rPr lang="en-US" dirty="0" smtClean="0"/>
+              <a:t> AL5D</a:t>
+            </a:r>
+          </a:p>
+          <a:p>
+            <a:r>
+              <a:rPr lang="en-US" dirty="0" smtClean="0"/>
+              <a:t>Camera</a:t>
+            </a:r>
+          </a:p>
+          <a:p>
+            <a:r>
+              <a:rPr lang="en-US" dirty="0" smtClean="0"/>
+              <a:t>5.8 GHz receiver + adapter</a:t>
+            </a:r>
+          </a:p>
+          <a:p>
+            <a:r>
+              <a:rPr lang="en-US" dirty="0" smtClean="0"/>
+              <a:t>Batteries </a:t>
+            </a:r>
+            <a:r>
+              <a:rPr lang="en-US" smtClean="0"/>
+              <a:t>+ charger</a:t>
+            </a:r>
+            <a:endParaRPr lang="en-US" dirty="0" smtClean="0"/>
+          </a:p>
+        </p:txBody>
+      </p:sp>
+    </p:spTree>
+    <p:extLst>
+      <p:ext uri="{BB962C8B-B14F-4D97-AF65-F5344CB8AC3E}">
+        <p14:creationId xmlns:p14="http://schemas.microsoft.com/office/powerpoint/2010/main" val="1713134220"/>
+      </p:ext>
+    </p:extLst>
+  </p:cSld>
+  <p:clrMapOvr>
+    <a:masterClrMapping/>
+  </p:clrMapOvr>
+  <p:timing>
+    <p:tnLst>
+      <p:par>
+        <p:cTn id="1" dur="indefinite" restart="never" nodeType="tmRoot"/>
+      </p:par>
+    </p:tnLst>
+  </p:timing>
+</p:sld>
+</file>
+
+<file path=ppt/slides/slide15.xml><?xml version="1.0" encoding="utf-8"?>
+<p:sld xmlns:a="http://schemas.openxmlformats.org/drawingml/2006/main" xmlns:r="http://schemas.openxmlformats.org/officeDocument/2006/relationships" xmlns:p="http://schemas.openxmlformats.org/presentationml/2006/main">
+  <p:cSld>
+    <p:spTree>
+      <p:nvGrpSpPr>
+        <p:cNvPr id="1" name=""/>
+        <p:cNvGrpSpPr/>
+        <p:nvPr/>
+      </p:nvGrpSpPr>
+      <p:grpSpPr>
+        <a:xfrm>
+          <a:off x="0" y="0"/>
+          <a:ext cx="0" cy="0"/>
+          <a:chOff x="0" y="0"/>
+          <a:chExt cx="0" cy="0"/>
+        </a:xfrm>
+      </p:grpSpPr>
+      <p:sp>
+        <p:nvSpPr>
+          <p:cNvPr id="2" name="Title 1"/>
+          <p:cNvSpPr>
+            <a:spLocks noGrp="1"/>
+          </p:cNvSpPr>
+          <p:nvPr>
+            <p:ph type="title"/>
+          </p:nvPr>
+        </p:nvSpPr>
+        <p:spPr/>
+        <p:txBody>
+          <a:bodyPr/>
+          <a:lstStyle/>
+          <a:p>
+            <a:r>
+              <a:rPr lang="en-US" dirty="0" smtClean="0"/>
+              <a:t>Results</a:t>
+            </a:r>
+            <a:endParaRPr lang="en-US" dirty="0"/>
+          </a:p>
+        </p:txBody>
+      </p:sp>
+      <p:sp>
+        <p:nvSpPr>
+          <p:cNvPr id="3" name="Content Placeholder 2"/>
+          <p:cNvSpPr>
+            <a:spLocks noGrp="1"/>
+          </p:cNvSpPr>
+          <p:nvPr>
+            <p:ph idx="1"/>
+          </p:nvPr>
+        </p:nvSpPr>
+        <p:spPr/>
+        <p:txBody>
+          <a:bodyPr/>
+          <a:lstStyle/>
+          <a:p>
+            <a:r>
+              <a:rPr lang="en-US" i="1" dirty="0" smtClean="0"/>
+              <a:t>Picture/video of project</a:t>
+            </a:r>
+            <a:endParaRPr lang="en-US" i="1" dirty="0"/>
+          </a:p>
+        </p:txBody>
+      </p:sp>
+    </p:spTree>
+    <p:extLst>
+      <p:ext uri="{BB962C8B-B14F-4D97-AF65-F5344CB8AC3E}">
+        <p14:creationId xmlns:p14="http://schemas.microsoft.com/office/powerpoint/2010/main" val="1617998419"/>
+      </p:ext>
+    </p:extLst>
+  </p:cSld>
+  <p:clrMapOvr>
+    <a:masterClrMapping/>
+  </p:clrMapOvr>
+  <p:timing>
+    <p:tnLst>
+      <p:par>
+        <p:cTn id="1" dur="indefinite" restart="never" nodeType="tmRoot"/>
+      </p:par>
+    </p:tnLst>
+  </p:timing>
+</p:sld>
+</file>
+
+<file path=ppt/slides/slide16.xml><?xml version="1.0" encoding="utf-8"?>
+<p:sld xmlns:a="http://schemas.openxmlformats.org/drawingml/2006/main" xmlns:r="http://schemas.openxmlformats.org/officeDocument/2006/relationships" xmlns:p="http://schemas.openxmlformats.org/presentationml/2006/main">
+  <p:cSld>
+    <p:spTree>
+      <p:nvGrpSpPr>
+        <p:cNvPr id="1" name=""/>
+        <p:cNvGrpSpPr/>
+        <p:nvPr/>
+      </p:nvGrpSpPr>
+      <p:grpSpPr>
+        <a:xfrm>
+          <a:off x="0" y="0"/>
+          <a:ext cx="0" cy="0"/>
+          <a:chOff x="0" y="0"/>
+          <a:chExt cx="0" cy="0"/>
+        </a:xfrm>
+      </p:grpSpPr>
+      <p:sp>
+        <p:nvSpPr>
+          <p:cNvPr id="2" name="Title 1"/>
+          <p:cNvSpPr>
+            <a:spLocks noGrp="1"/>
+          </p:cNvSpPr>
+          <p:nvPr>
+            <p:ph type="title"/>
+          </p:nvPr>
+        </p:nvSpPr>
+        <p:spPr/>
+        <p:txBody>
+          <a:bodyPr/>
+          <a:lstStyle/>
+          <a:p>
+            <a:r>
+              <a:rPr lang="en-US" dirty="0" smtClean="0"/>
+              <a:t>References</a:t>
+            </a:r>
+            <a:endParaRPr lang="en-US" dirty="0"/>
+          </a:p>
+        </p:txBody>
+      </p:sp>
+      <p:sp>
+        <p:nvSpPr>
+          <p:cNvPr id="3" name="Content Placeholder 2"/>
+          <p:cNvSpPr>
+            <a:spLocks noGrp="1"/>
+          </p:cNvSpPr>
+          <p:nvPr>
+            <p:ph idx="1"/>
+          </p:nvPr>
+        </p:nvSpPr>
+        <p:spPr/>
+        <p:txBody>
+          <a:bodyPr/>
+          <a:lstStyle/>
+          <a:p>
+            <a:endParaRPr lang="en-US"/>
+          </a:p>
+        </p:txBody>
+      </p:sp>
+    </p:spTree>
+    <p:extLst>
+      <p:ext uri="{BB962C8B-B14F-4D97-AF65-F5344CB8AC3E}">
+        <p14:creationId xmlns:p14="http://schemas.microsoft.com/office/powerpoint/2010/main" val="1645875055"/>
+      </p:ext>
+    </p:extLst>
+  </p:cSld>
+  <p:clrMapOvr>
+    <a:masterClrMapping/>
+  </p:clrMapOvr>
+  <p:timing>
+    <p:tnLst>
+      <p:par>
+        <p:cTn id="1" dur="indefinite" restart="never" nodeType="tmRoot"/>
+      </p:par>
+    </p:tnLst>
+  </p:timing>
 </p:sld>
 </file>
 
@@ -3207,7 +4875,7 @@
           <a:p>
             <a:r>
               <a:rPr lang="en-US" dirty="0" smtClean="0"/>
-              <a:t>Introduction</a:t>
+              <a:t>Goals</a:t>
             </a:r>
             <a:endParaRPr lang="en-US" dirty="0"/>
           </a:p>
@@ -3225,23 +4893,47 @@
         </p:nvSpPr>
         <p:spPr/>
         <p:txBody>
-          <a:bodyPr/>
-          <a:lstStyle/>
-          <a:p>
-            <a:endParaRPr lang="en-US"/>
+          <a:bodyPr>
+            <a:normAutofit/>
+          </a:bodyPr>
+          <a:lstStyle/>
+          <a:p>
+            <a:r>
+              <a:rPr lang="en-US" sz="2800" dirty="0" smtClean="0"/>
+              <a:t>Create a mobile robot arm that is controllable through motion tracking</a:t>
+            </a:r>
+          </a:p>
+          <a:p>
+            <a:r>
+              <a:rPr lang="en-US" sz="2800" dirty="0" smtClean="0"/>
+              <a:t>Allow the user to control the arm and platform from a distance</a:t>
+            </a:r>
+          </a:p>
+          <a:p>
+            <a:r>
+              <a:rPr lang="en-US" sz="2800" dirty="0" smtClean="0"/>
+              <a:t>Prototype a device for possible use in situations unsafe for humans</a:t>
+            </a:r>
           </a:p>
         </p:txBody>
       </p:sp>
     </p:spTree>
     <p:extLst>
       <p:ext uri="{BB962C8B-B14F-4D97-AF65-F5344CB8AC3E}">
-        <p14:creationId xmlns:p14="http://schemas.microsoft.com/office/powerpoint/2010/main" val="1316680499"/>
+        <p14:creationId xmlns:p14="http://schemas.microsoft.com/office/powerpoint/2010/main" val="3155995163"/>
       </p:ext>
     </p:extLst>
   </p:cSld>
   <p:clrMapOvr>
     <a:masterClrMapping/>
   </p:clrMapOvr>
+  <p:timing>
+    <p:tnLst>
+      <p:par>
+        <p:cTn id="1" dur="indefinite" restart="never" nodeType="tmRoot"/>
+      </p:par>
+    </p:tnLst>
+  </p:timing>
 </p:sld>
 </file>
 
@@ -3279,7 +4971,7 @@
           <a:p>
             <a:r>
               <a:rPr lang="en-US" dirty="0" smtClean="0"/>
-              <a:t>Materials and Methods</a:t>
+              <a:t>System Hierarchy</a:t>
             </a:r>
             <a:endParaRPr lang="en-US" dirty="0"/>
           </a:p>
@@ -3300,20 +4992,31 @@
           <a:bodyPr/>
           <a:lstStyle/>
           <a:p>
-            <a:endParaRPr lang="en-US"/>
+            <a:r>
+              <a:rPr lang="en-US" i="1" dirty="0" smtClean="0"/>
+              <a:t>Hierarchy of system and subsystems</a:t>
+            </a:r>
+            <a:endParaRPr lang="en-US" i="1" dirty="0"/>
           </a:p>
         </p:txBody>
       </p:sp>
     </p:spTree>
     <p:extLst>
       <p:ext uri="{BB962C8B-B14F-4D97-AF65-F5344CB8AC3E}">
-        <p14:creationId xmlns:p14="http://schemas.microsoft.com/office/powerpoint/2010/main" val="2646399114"/>
+        <p14:creationId xmlns:p14="http://schemas.microsoft.com/office/powerpoint/2010/main" val="457645556"/>
       </p:ext>
     </p:extLst>
   </p:cSld>
   <p:clrMapOvr>
     <a:masterClrMapping/>
   </p:clrMapOvr>
+  <p:timing>
+    <p:tnLst>
+      <p:par>
+        <p:cTn id="1" dur="indefinite" restart="never" nodeType="tmRoot"/>
+      </p:par>
+    </p:tnLst>
+  </p:timing>
 </p:sld>
 </file>
 
@@ -3351,7 +5054,7 @@
           <a:p>
             <a:r>
               <a:rPr lang="en-US" dirty="0" smtClean="0"/>
-              <a:t>Objectives</a:t>
+              <a:t>Microsoft Kinect</a:t>
             </a:r>
             <a:endParaRPr lang="en-US" dirty="0"/>
           </a:p>
@@ -3372,20 +5075,84 @@
           <a:bodyPr/>
           <a:lstStyle/>
           <a:p>
-            <a:endParaRPr lang="en-US"/>
-          </a:p>
-        </p:txBody>
-      </p:sp>
+            <a:r>
+              <a:rPr lang="en-US" dirty="0" smtClean="0"/>
+              <a:t>Sensors</a:t>
+            </a:r>
+          </a:p>
+          <a:p>
+            <a:r>
+              <a:rPr lang="en-US" dirty="0" smtClean="0"/>
+              <a:t>SDK</a:t>
+            </a:r>
+          </a:p>
+          <a:p>
+            <a:r>
+              <a:rPr lang="en-US" dirty="0" smtClean="0"/>
+              <a:t>Skeletal tracking</a:t>
+            </a:r>
+            <a:endParaRPr lang="en-US" dirty="0"/>
+          </a:p>
+        </p:txBody>
+      </p:sp>
+      <p:pic>
+        <p:nvPicPr>
+          <p:cNvPr id="4" name="Picture 4" descr="http://www.intechopen.com/source/html/49181/media/image4.png"/>
+          <p:cNvPicPr>
+            <a:picLocks noChangeAspect="1" noChangeArrowheads="1"/>
+          </p:cNvPicPr>
+          <p:nvPr/>
+        </p:nvPicPr>
+        <p:blipFill>
+          <a:blip r:embed="rId2" cstate="print">
+            <a:extLst>
+              <a:ext uri="{28A0092B-C50C-407E-A947-70E740481C1C}">
+                <a14:useLocalDpi xmlns:a14="http://schemas.microsoft.com/office/drawing/2010/main" val="0"/>
+              </a:ext>
+            </a:extLst>
+          </a:blip>
+          <a:srcRect/>
+          <a:stretch>
+            <a:fillRect/>
+          </a:stretch>
+        </p:blipFill>
+        <p:spPr bwMode="auto">
+          <a:xfrm>
+            <a:off x="5410200" y="603775"/>
+            <a:ext cx="2438400" cy="1062466"/>
+          </a:xfrm>
+          <a:prstGeom prst="rect">
+            <a:avLst/>
+          </a:prstGeom>
+          <a:noFill/>
+          <a:extLst>
+            <a:ext uri="{909E8E84-426E-40DD-AFC4-6F175D3DCCD1}">
+              <a14:hiddenFill xmlns:a14="http://schemas.microsoft.com/office/drawing/2010/main">
+                <a:solidFill>
+                  <a:srgbClr val="FFFFFF"/>
+                </a:solidFill>
+              </a14:hiddenFill>
+            </a:ext>
+          </a:extLst>
+        </p:spPr>
+      </p:pic>
     </p:spTree>
     <p:extLst>
       <p:ext uri="{BB962C8B-B14F-4D97-AF65-F5344CB8AC3E}">
-        <p14:creationId xmlns:p14="http://schemas.microsoft.com/office/powerpoint/2010/main" val="996080129"/>
+        <p14:creationId xmlns:p14="http://schemas.microsoft.com/office/powerpoint/2010/main" val="3239698925"/>
       </p:ext>
     </p:extLst>
   </p:cSld>
   <p:clrMapOvr>
     <a:masterClrMapping/>
   </p:clrMapOvr>
+  <p:timing>
+    <p:tnLst>
+      <p:par>
+        <p:cTn id="1" dur="indefinite" restart="never" nodeType="tmRoot"/>
+      </p:par>
+    </p:tnLst>
+  </p:timing>
 </p:sld>
 </file>
 
@@ -3422,8 +5189,12 @@
           <a:lstStyle/>
           <a:p>
             <a:r>
+              <a:rPr lang="en-US" dirty="0" err="1" smtClean="0"/>
+              <a:t>Lynxmotion</a:t>
+            </a:r>
+            <a:r>
               <a:rPr lang="en-US" dirty="0" smtClean="0"/>
-              <a:t>Conclusions</a:t>
+              <a:t> AL5D</a:t>
             </a:r>
             <a:endParaRPr lang="en-US" dirty="0"/>
           </a:p>
@@ -3444,20 +5215,45 @@
           <a:bodyPr/>
           <a:lstStyle/>
           <a:p>
-            <a:endParaRPr lang="en-US"/>
+            <a:r>
+              <a:rPr lang="en-US" dirty="0" smtClean="0"/>
+              <a:t>Servos</a:t>
+            </a:r>
+          </a:p>
+          <a:p>
+            <a:r>
+              <a:rPr lang="en-US" dirty="0" smtClean="0"/>
+              <a:t>Dimensions</a:t>
+            </a:r>
+          </a:p>
+          <a:p>
+            <a:r>
+              <a:rPr lang="en-US" dirty="0" smtClean="0"/>
+              <a:t>Limitations</a:t>
+            </a:r>
+          </a:p>
+          <a:p>
+            <a:endParaRPr lang="en-US" dirty="0"/>
           </a:p>
         </p:txBody>
       </p:sp>
     </p:spTree>
     <p:extLst>
       <p:ext uri="{BB962C8B-B14F-4D97-AF65-F5344CB8AC3E}">
-        <p14:creationId xmlns:p14="http://schemas.microsoft.com/office/powerpoint/2010/main" val="1617998419"/>
+        <p14:creationId xmlns:p14="http://schemas.microsoft.com/office/powerpoint/2010/main" val="1463886402"/>
       </p:ext>
     </p:extLst>
   </p:cSld>
   <p:clrMapOvr>
     <a:masterClrMapping/>
   </p:clrMapOvr>
+  <p:timing>
+    <p:tnLst>
+      <p:par>
+        <p:cTn id="1" dur="indefinite" restart="never" nodeType="tmRoot"/>
+      </p:par>
+    </p:tnLst>
+  </p:timing>
 </p:sld>
 </file>
 
@@ -3495,7 +5291,7 @@
           <a:p>
             <a:r>
               <a:rPr lang="en-US" dirty="0" smtClean="0"/>
-              <a:t>References</a:t>
+              <a:t>Mobile Platform</a:t>
             </a:r>
             <a:endParaRPr lang="en-US" dirty="0"/>
           </a:p>
@@ -3516,27 +5312,323 @@
           <a:bodyPr/>
           <a:lstStyle/>
           <a:p>
-            <a:endParaRPr lang="en-US"/>
+            <a:r>
+              <a:rPr lang="en-US" dirty="0" smtClean="0"/>
+              <a:t>Servos</a:t>
+            </a:r>
+          </a:p>
+          <a:p>
+            <a:r>
+              <a:rPr lang="en-US" dirty="0" smtClean="0"/>
+              <a:t>Aluminum panel and channels </a:t>
+            </a:r>
+            <a:endParaRPr lang="en-US" dirty="0"/>
           </a:p>
         </p:txBody>
       </p:sp>
     </p:spTree>
     <p:extLst>
       <p:ext uri="{BB962C8B-B14F-4D97-AF65-F5344CB8AC3E}">
-        <p14:creationId xmlns:p14="http://schemas.microsoft.com/office/powerpoint/2010/main" val="1645875055"/>
+        <p14:creationId xmlns:p14="http://schemas.microsoft.com/office/powerpoint/2010/main" val="2249921091"/>
       </p:ext>
     </p:extLst>
   </p:cSld>
   <p:clrMapOvr>
     <a:masterClrMapping/>
   </p:clrMapOvr>
+  <p:timing>
+    <p:tnLst>
+      <p:par>
+        <p:cTn id="1" dur="indefinite" restart="never" nodeType="tmRoot"/>
+      </p:par>
+    </p:tnLst>
+  </p:timing>
+</p:sld>
+</file>
+
+<file path=ppt/slides/slide7.xml><?xml version="1.0" encoding="utf-8"?>
+<p:sld xmlns:a="http://schemas.openxmlformats.org/drawingml/2006/main" xmlns:r="http://schemas.openxmlformats.org/officeDocument/2006/relationships" xmlns:p="http://schemas.openxmlformats.org/presentationml/2006/main">
+  <p:cSld>
+    <p:spTree>
+      <p:nvGrpSpPr>
+        <p:cNvPr id="1" name=""/>
+        <p:cNvGrpSpPr/>
+        <p:nvPr/>
+      </p:nvGrpSpPr>
+      <p:grpSpPr>
+        <a:xfrm>
+          <a:off x="0" y="0"/>
+          <a:ext cx="0" cy="0"/>
+          <a:chOff x="0" y="0"/>
+          <a:chExt cx="0" cy="0"/>
+        </a:xfrm>
+      </p:grpSpPr>
+      <p:sp>
+        <p:nvSpPr>
+          <p:cNvPr id="2" name="Title 1"/>
+          <p:cNvSpPr>
+            <a:spLocks noGrp="1"/>
+          </p:cNvSpPr>
+          <p:nvPr>
+            <p:ph type="title"/>
+          </p:nvPr>
+        </p:nvSpPr>
+        <p:spPr/>
+        <p:txBody>
+          <a:bodyPr/>
+          <a:lstStyle/>
+          <a:p>
+            <a:r>
+              <a:rPr lang="en-US" dirty="0" smtClean="0"/>
+              <a:t>SSC-32U Servo Controller</a:t>
+            </a:r>
+            <a:endParaRPr lang="en-US" dirty="0"/>
+          </a:p>
+        </p:txBody>
+      </p:sp>
+      <p:sp>
+        <p:nvSpPr>
+          <p:cNvPr id="3" name="Content Placeholder 2"/>
+          <p:cNvSpPr>
+            <a:spLocks noGrp="1"/>
+          </p:cNvSpPr>
+          <p:nvPr>
+            <p:ph idx="1"/>
+          </p:nvPr>
+        </p:nvSpPr>
+        <p:spPr/>
+        <p:txBody>
+          <a:bodyPr/>
+          <a:lstStyle/>
+          <a:p>
+            <a:r>
+              <a:rPr lang="en-US" dirty="0" smtClean="0"/>
+              <a:t>Accepts string commands</a:t>
+            </a:r>
+          </a:p>
+          <a:p>
+            <a:r>
+              <a:rPr lang="en-US" dirty="0" smtClean="0"/>
+              <a:t>3-pin servo connector</a:t>
+            </a:r>
+          </a:p>
+          <a:p>
+            <a:r>
+              <a:rPr lang="en-US" dirty="0" smtClean="0"/>
+              <a:t>Power requirements</a:t>
+            </a:r>
+            <a:endParaRPr lang="en-US" dirty="0"/>
+          </a:p>
+        </p:txBody>
+      </p:sp>
+    </p:spTree>
+    <p:extLst>
+      <p:ext uri="{BB962C8B-B14F-4D97-AF65-F5344CB8AC3E}">
+        <p14:creationId xmlns:p14="http://schemas.microsoft.com/office/powerpoint/2010/main" val="2632250090"/>
+      </p:ext>
+    </p:extLst>
+  </p:cSld>
+  <p:clrMapOvr>
+    <a:masterClrMapping/>
+  </p:clrMapOvr>
+  <p:timing>
+    <p:tnLst>
+      <p:par>
+        <p:cTn id="1" dur="indefinite" restart="never" nodeType="tmRoot"/>
+      </p:par>
+    </p:tnLst>
+  </p:timing>
+</p:sld>
+</file>
+
+<file path=ppt/slides/slide8.xml><?xml version="1.0" encoding="utf-8"?>
+<p:sld xmlns:a="http://schemas.openxmlformats.org/drawingml/2006/main" xmlns:r="http://schemas.openxmlformats.org/officeDocument/2006/relationships" xmlns:p="http://schemas.openxmlformats.org/presentationml/2006/main">
+  <p:cSld>
+    <p:spTree>
+      <p:nvGrpSpPr>
+        <p:cNvPr id="1" name=""/>
+        <p:cNvGrpSpPr/>
+        <p:nvPr/>
+      </p:nvGrpSpPr>
+      <p:grpSpPr>
+        <a:xfrm>
+          <a:off x="0" y="0"/>
+          <a:ext cx="0" cy="0"/>
+          <a:chOff x="0" y="0"/>
+          <a:chExt cx="0" cy="0"/>
+        </a:xfrm>
+      </p:grpSpPr>
+      <p:sp>
+        <p:nvSpPr>
+          <p:cNvPr id="2" name="Title 1"/>
+          <p:cNvSpPr>
+            <a:spLocks noGrp="1"/>
+          </p:cNvSpPr>
+          <p:nvPr>
+            <p:ph type="title"/>
+          </p:nvPr>
+        </p:nvSpPr>
+        <p:spPr/>
+        <p:txBody>
+          <a:bodyPr/>
+          <a:lstStyle/>
+          <a:p>
+            <a:r>
+              <a:rPr lang="en-US" dirty="0" smtClean="0"/>
+              <a:t>Arduino Uno</a:t>
+            </a:r>
+            <a:endParaRPr lang="en-US" dirty="0"/>
+          </a:p>
+        </p:txBody>
+      </p:sp>
+      <p:sp>
+        <p:nvSpPr>
+          <p:cNvPr id="3" name="Content Placeholder 2"/>
+          <p:cNvSpPr>
+            <a:spLocks noGrp="1"/>
+          </p:cNvSpPr>
+          <p:nvPr>
+            <p:ph idx="1"/>
+          </p:nvPr>
+        </p:nvSpPr>
+        <p:spPr/>
+        <p:txBody>
+          <a:bodyPr/>
+          <a:lstStyle/>
+          <a:p>
+            <a:r>
+              <a:rPr lang="en-US" dirty="0" smtClean="0"/>
+              <a:t>ATmega328 processor</a:t>
+            </a:r>
+          </a:p>
+          <a:p>
+            <a:r>
+              <a:rPr lang="en-US" dirty="0" smtClean="0"/>
+              <a:t>I/O pins</a:t>
+            </a:r>
+            <a:endParaRPr lang="en-US" dirty="0"/>
+          </a:p>
+        </p:txBody>
+      </p:sp>
+    </p:spTree>
+    <p:extLst>
+      <p:ext uri="{BB962C8B-B14F-4D97-AF65-F5344CB8AC3E}">
+        <p14:creationId xmlns:p14="http://schemas.microsoft.com/office/powerpoint/2010/main" val="1393429390"/>
+      </p:ext>
+    </p:extLst>
+  </p:cSld>
+  <p:clrMapOvr>
+    <a:masterClrMapping/>
+  </p:clrMapOvr>
+  <p:timing>
+    <p:tnLst>
+      <p:par>
+        <p:cTn id="1" dur="indefinite" restart="never" nodeType="tmRoot"/>
+      </p:par>
+    </p:tnLst>
+  </p:timing>
+</p:sld>
+</file>
+
+<file path=ppt/slides/slide9.xml><?xml version="1.0" encoding="utf-8"?>
+<p:sld xmlns:a="http://schemas.openxmlformats.org/drawingml/2006/main" xmlns:r="http://schemas.openxmlformats.org/officeDocument/2006/relationships" xmlns:p="http://schemas.openxmlformats.org/presentationml/2006/main">
+  <p:cSld>
+    <p:spTree>
+      <p:nvGrpSpPr>
+        <p:cNvPr id="1" name=""/>
+        <p:cNvGrpSpPr/>
+        <p:nvPr/>
+      </p:nvGrpSpPr>
+      <p:grpSpPr>
+        <a:xfrm>
+          <a:off x="0" y="0"/>
+          <a:ext cx="0" cy="0"/>
+          <a:chOff x="0" y="0"/>
+          <a:chExt cx="0" cy="0"/>
+        </a:xfrm>
+      </p:grpSpPr>
+      <p:sp>
+        <p:nvSpPr>
+          <p:cNvPr id="2" name="Title 1"/>
+          <p:cNvSpPr>
+            <a:spLocks noGrp="1"/>
+          </p:cNvSpPr>
+          <p:nvPr>
+            <p:ph type="title"/>
+          </p:nvPr>
+        </p:nvSpPr>
+        <p:spPr/>
+        <p:txBody>
+          <a:bodyPr/>
+          <a:lstStyle/>
+          <a:p>
+            <a:r>
+              <a:rPr lang="en-US" dirty="0" smtClean="0"/>
+              <a:t>802.14.5 2.4GHz </a:t>
+            </a:r>
+            <a:r>
+              <a:rPr lang="en-US" dirty="0" err="1" smtClean="0"/>
+              <a:t>Xbee</a:t>
+            </a:r>
+            <a:r>
+              <a:rPr lang="en-US" dirty="0" smtClean="0"/>
+              <a:t> Module</a:t>
+            </a:r>
+            <a:endParaRPr lang="en-US" dirty="0"/>
+          </a:p>
+        </p:txBody>
+      </p:sp>
+      <p:sp>
+        <p:nvSpPr>
+          <p:cNvPr id="3" name="Content Placeholder 2"/>
+          <p:cNvSpPr>
+            <a:spLocks noGrp="1"/>
+          </p:cNvSpPr>
+          <p:nvPr>
+            <p:ph idx="1"/>
+          </p:nvPr>
+        </p:nvSpPr>
+        <p:spPr/>
+        <p:txBody>
+          <a:bodyPr/>
+          <a:lstStyle/>
+          <a:p>
+            <a:r>
+              <a:rPr lang="en-US" dirty="0" smtClean="0"/>
+              <a:t>Created custom Arduino shield for </a:t>
+            </a:r>
+            <a:r>
+              <a:rPr lang="en-US" dirty="0" err="1" smtClean="0"/>
+              <a:t>Xbee</a:t>
+            </a:r>
+            <a:endParaRPr lang="en-US" dirty="0"/>
+          </a:p>
+        </p:txBody>
+      </p:sp>
+    </p:spTree>
+    <p:extLst>
+      <p:ext uri="{BB962C8B-B14F-4D97-AF65-F5344CB8AC3E}">
+        <p14:creationId xmlns:p14="http://schemas.microsoft.com/office/powerpoint/2010/main" val="1221843510"/>
+      </p:ext>
+    </p:extLst>
+  </p:cSld>
+  <p:clrMapOvr>
+    <a:masterClrMapping/>
+  </p:clrMapOvr>
+  <p:timing>
+    <p:tnLst>
+      <p:par>
+        <p:cTn id="1" dur="indefinite" restart="never" nodeType="tmRoot"/>
+      </p:par>
+    </p:tnLst>
+  </p:timing>
 </p:sld>
 </file>
 
 <file path=ppt/theme/theme1.xml><?xml version="1.0" encoding="utf-8"?>
-<a:theme xmlns:a="http://schemas.openxmlformats.org/drawingml/2006/main" name="Office Theme">
+<a:theme xmlns:a="http://schemas.openxmlformats.org/drawingml/2006/main" name="Crop">
   <a:themeElements>
-    <a:clrScheme name="Office">
+    <a:clrScheme name="Crop">
       <a:dk1>
         <a:sysClr val="windowText" lastClr="000000"/>
       </a:dk1>
@@ -3544,83 +5636,48 @@
         <a:sysClr val="window" lastClr="FFFFFF"/>
       </a:lt1>
       <a:dk2>
-        <a:srgbClr val="1F497D"/>
+        <a:srgbClr val="191B0E"/>
       </a:dk2>
       <a:lt2>
-        <a:srgbClr val="EEECE1"/>
+        <a:srgbClr val="EFEDE3"/>
       </a:lt2>
       <a:accent1>
-        <a:srgbClr val="4F81BD"/>
+        <a:srgbClr val="8C8D86"/>
       </a:accent1>
       <a:accent2>
-        <a:srgbClr val="C0504D"/>
+        <a:srgbClr val="E6C069"/>
       </a:accent2>
       <a:accent3>
-        <a:srgbClr val="9BBB59"/>
+        <a:srgbClr val="897B61"/>
       </a:accent3>
       <a:accent4>
-        <a:srgbClr val="8064A2"/>
+        <a:srgbClr val="8DAB8E"/>
       </a:accent4>
       <a:accent5>
-        <a:srgbClr val="4BACC6"/>
+        <a:srgbClr val="77A2BB"/>
       </a:accent5>
       <a:accent6>
-        <a:srgbClr val="F79646"/>
+        <a:srgbClr val="E28394"/>
       </a:accent6>
       <a:hlink>
-        <a:srgbClr val="0000FF"/>
+        <a:srgbClr val="77A2BB"/>
       </a:hlink>
       <a:folHlink>
-        <a:srgbClr val="800080"/>
+        <a:srgbClr val="957A99"/>
       </a:folHlink>
     </a:clrScheme>
-    <a:fontScheme name="Office">
+    <a:fontScheme name="Crop">
       <a:majorFont>
-        <a:latin typeface="Calibri"/>
+        <a:latin typeface="Franklin Gothic Book" panose="020B0503020102020204"/>
         <a:ea typeface=""/>
         <a:cs typeface=""/>
-        <a:font script="Jpan" typeface="ＭＳ Ｐゴシック"/>
-        <a:font script="Hang" typeface="맑은 고딕"/>
-        <a:font script="Hans" typeface="宋体"/>
-        <a:font script="Hant" typeface="新細明體"/>
-        <a:font script="Arab" typeface="Times New Roman"/>
-        <a:font script="Hebr" typeface="Times New Roman"/>
-        <a:font script="Thai" typeface="Angsana New"/>
-        <a:font script="Ethi" typeface="Nyala"/>
-        <a:font script="Beng" typeface="Vrinda"/>
-        <a:font script="Gujr" typeface="Shruti"/>
-        <a:font script="Khmr" typeface="MoolBoran"/>
-        <a:font script="Knda" typeface="Tunga"/>
-        <a:font script="Guru" typeface="Raavi"/>
-        <a:font script="Cans" typeface="Euphemia"/>
-        <a:font script="Cher" typeface="Plantagenet Cherokee"/>
-        <a:font script="Yiii" typeface="Microsoft Yi Baiti"/>
-        <a:font script="Tibt" typeface="Microsoft Himalaya"/>
-        <a:font script="Thaa" typeface="MV Boli"/>
-        <a:font script="Deva" typeface="Mangal"/>
-        <a:font script="Telu" typeface="Gautami"/>
-        <a:font script="Taml" typeface="Latha"/>
-        <a:font script="Syrc" typeface="Estrangelo Edessa"/>
-        <a:font script="Orya" typeface="Kalinga"/>
-        <a:font script="Mlym" typeface="Kartika"/>
-        <a:font script="Laoo" typeface="DokChampa"/>
-        <a:font script="Sinh" typeface="Iskoola Pota"/>
-        <a:font script="Mong" typeface="Mongolian Baiti"/>
-        <a:font script="Viet" typeface="Times New Roman"/>
-        <a:font script="Uigh" typeface="Microsoft Uighur"/>
-        <a:font script="Geor" typeface="Sylfaen"/>
-      </a:majorFont>
-      <a:minorFont>
-        <a:latin typeface="Calibri"/>
-        <a:ea typeface=""/>
-        <a:cs typeface=""/>
-        <a:font script="Jpan" typeface="ＭＳ Ｐゴシック"/>
-        <a:font script="Hang" typeface="맑은 고딕"/>
-        <a:font script="Hans" typeface="宋体"/>
-        <a:font script="Hant" typeface="新細明體"/>
-        <a:font script="Arab" typeface="Arial"/>
-        <a:font script="Hebr" typeface="Arial"/>
-        <a:font script="Thai" typeface="Cordia New"/>
+        <a:font script="Jpan" typeface="メイリオ"/>
+        <a:font script="Hang" typeface="돋움"/>
+        <a:font script="Hans" typeface="华文楷体"/>
+        <a:font script="Hant" typeface="微軟正黑體"/>
+        <a:font script="Arab" typeface="Tahoma"/>
+        <a:font script="Hebr" typeface="Aharoni"/>
+        <a:font script="Thai" typeface="LilyUPC"/>
         <a:font script="Ethi" typeface="Nyala"/>
         <a:font script="Beng" typeface="Vrinda"/>
         <a:font script="Gujr" typeface="Shruti"/>
@@ -3641,12 +5698,47 @@
         <a:font script="Laoo" typeface="DokChampa"/>
         <a:font script="Sinh" typeface="Iskoola Pota"/>
         <a:font script="Mong" typeface="Mongolian Baiti"/>
-        <a:font script="Viet" typeface="Arial"/>
+        <a:font script="Viet" typeface="Tahoma"/>
+        <a:font script="Uigh" typeface="Microsoft Uighur"/>
+        <a:font script="Geor" typeface="Sylfaen"/>
+      </a:majorFont>
+      <a:minorFont>
+        <a:latin typeface="Franklin Gothic Book" panose="020B0503020102020204"/>
+        <a:ea typeface=""/>
+        <a:cs typeface=""/>
+        <a:font script="Jpan" typeface="メイリオ"/>
+        <a:font script="Hang" typeface="돋움"/>
+        <a:font script="Hans" typeface="华文楷体"/>
+        <a:font script="Hant" typeface="微軟正黑體"/>
+        <a:font script="Arab" typeface="Tahoma"/>
+        <a:font script="Hebr" typeface="Aharoni"/>
+        <a:font script="Thai" typeface="LilyUPC"/>
+        <a:font script="Ethi" typeface="Nyala"/>
+        <a:font script="Beng" typeface="Vrinda"/>
+        <a:font script="Gujr" typeface="Shruti"/>
+        <a:font script="Khmr" typeface="DaunPenh"/>
+        <a:font script="Knda" typeface="Tunga"/>
+        <a:font script="Guru" typeface="Raavi"/>
+        <a:font script="Cans" typeface="Euphemia"/>
+        <a:font script="Cher" typeface="Plantagenet Cherokee"/>
+        <a:font script="Yiii" typeface="Microsoft Yi Baiti"/>
+        <a:font script="Tibt" typeface="Microsoft Himalaya"/>
+        <a:font script="Thaa" typeface="MV Boli"/>
+        <a:font script="Deva" typeface="Mangal"/>
+        <a:font script="Telu" typeface="Gautami"/>
+        <a:font script="Taml" typeface="Latha"/>
+        <a:font script="Syrc" typeface="Estrangelo Edessa"/>
+        <a:font script="Orya" typeface="Kalinga"/>
+        <a:font script="Mlym" typeface="Kartika"/>
+        <a:font script="Laoo" typeface="DokChampa"/>
+        <a:font script="Sinh" typeface="Iskoola Pota"/>
+        <a:font script="Mong" typeface="Mongolian Baiti"/>
+        <a:font script="Viet" typeface="Tahoma"/>
         <a:font script="Uigh" typeface="Microsoft Uighur"/>
         <a:font script="Geor" typeface="Sylfaen"/>
       </a:minorFont>
     </a:fontScheme>
-    <a:fmtScheme name="Office">
+    <a:fmtScheme name="Crop">
       <a:fillStyleLst>
         <a:solidFill>
           <a:schemeClr val="phClr"/>
@@ -3655,66 +5747,69 @@
           <a:gsLst>
             <a:gs pos="0">
               <a:schemeClr val="phClr">
-                <a:tint val="50000"/>
-                <a:satMod val="300000"/>
+                <a:tint val="67000"/>
+                <a:satMod val="105000"/>
+                <a:lumMod val="110000"/>
               </a:schemeClr>
             </a:gs>
-            <a:gs pos="35000">
+            <a:gs pos="50000">
               <a:schemeClr val="phClr">
-                <a:tint val="37000"/>
-                <a:satMod val="300000"/>
+                <a:tint val="73000"/>
+                <a:satMod val="103000"/>
+                <a:lumMod val="105000"/>
               </a:schemeClr>
             </a:gs>
             <a:gs pos="100000">
               <a:schemeClr val="phClr">
-                <a:tint val="15000"/>
-                <a:satMod val="350000"/>
+                <a:tint val="81000"/>
+                <a:satMod val="109000"/>
+                <a:lumMod val="105000"/>
               </a:schemeClr>
             </a:gs>
           </a:gsLst>
-          <a:lin ang="16200000" scaled="1"/>
+          <a:lin ang="5400000" scaled="0"/>
         </a:gradFill>
         <a:gradFill rotWithShape="1">
           <a:gsLst>
             <a:gs pos="0">
               <a:schemeClr val="phClr">
-                <a:shade val="51000"/>
-                <a:satMod val="130000"/>
+                <a:tint val="94000"/>
+                <a:satMod val="103000"/>
+                <a:lumMod val="102000"/>
               </a:schemeClr>
             </a:gs>
-            <a:gs pos="80000">
+            <a:gs pos="50000">
               <a:schemeClr val="phClr">
-                <a:shade val="93000"/>
-                <a:satMod val="130000"/>
+                <a:shade val="100000"/>
+                <a:satMod val="110000"/>
+                <a:lumMod val="100000"/>
               </a:schemeClr>
             </a:gs>
             <a:gs pos="100000">
               <a:schemeClr val="phClr">
-                <a:shade val="94000"/>
-                <a:satMod val="135000"/>
+                <a:shade val="78000"/>
+                <a:satMod val="120000"/>
+                <a:lumMod val="99000"/>
               </a:schemeClr>
             </a:gs>
           </a:gsLst>
-          <a:lin ang="16200000" scaled="0"/>
+          <a:lin ang="5400000" scaled="0"/>
         </a:gradFill>
       </a:fillStyleLst>
       <a:lnStyleLst>
-        <a:ln w="9525" cap="flat" cmpd="sng" algn="ctr">
-          <a:solidFill>
-            <a:schemeClr val="phClr">
-              <a:shade val="95000"/>
-              <a:satMod val="105000"/>
-            </a:schemeClr>
-          </a:solidFill>
-          <a:prstDash val="solid"/>
-        </a:ln>
-        <a:ln w="25400" cap="flat" cmpd="sng" algn="ctr">
+        <a:ln w="6350" cap="flat" cmpd="sng" algn="in">
           <a:solidFill>
             <a:schemeClr val="phClr"/>
           </a:solidFill>
           <a:prstDash val="solid"/>
         </a:ln>
-        <a:ln w="38100" cap="flat" cmpd="sng" algn="ctr">
+        <a:ln w="34925" cap="flat" cmpd="sng" algn="in">
+          <a:solidFill>
+            <a:schemeClr val="phClr"/>
+          </a:solidFill>
+          <a:prstDash val="solid"/>
+        </a:ln>
+        <a:ln w="19050" cap="flat" cmpd="sng" algn="in">
           <a:solidFill>
             <a:schemeClr val="phClr"/>
           </a:solidFill>
@@ -3723,97 +5818,67 @@
       </a:lnStyleLst>
       <a:effectStyleLst>
         <a:effectStyle>
-          <a:effectLst>
-            <a:outerShdw blurRad="40000" dist="20000" dir="5400000" rotWithShape="0">
-              <a:srgbClr val="000000">
-                <a:alpha val="38000"/>
-              </a:srgbClr>
-            </a:outerShdw>
-          </a:effectLst>
+          <a:effectLst/>
+        </a:effectStyle>
+        <a:effectStyle>
+          <a:effectLst/>
         </a:effectStyle>
         <a:effectStyle>
           <a:effectLst>
-            <a:outerShdw blurRad="40000" dist="23000" dir="5400000" rotWithShape="0">
+            <a:outerShdw blurRad="57150" dist="19050" dir="5400000" algn="ctr" rotWithShape="0">
               <a:srgbClr val="000000">
                 <a:alpha val="35000"/>
               </a:srgbClr>
             </a:outerShdw>
           </a:effectLst>
         </a:effectStyle>
-        <a:effectStyle>
-          <a:effectLst>
-            <a:outerShdw blurRad="40000" dist="23000" dir="5400000" rotWithShape="0">
-              <a:srgbClr val="000000">
-                <a:alpha val="35000"/>
-              </a:srgbClr>
-            </a:outerShdw>
-          </a:effectLst>
-          <a:scene3d>
-            <a:camera prst="orthographicFront">
-              <a:rot lat="0" lon="0" rev="0"/>
-            </a:camera>
-            <a:lightRig rig="threePt" dir="t">
-              <a:rot lat="0" lon="0" rev="1200000"/>
-            </a:lightRig>
-          </a:scene3d>
-          <a:sp3d>
-            <a:bevelT w="63500" h="25400"/>
-          </a:sp3d>
-        </a:effectStyle>
       </a:effectStyleLst>
       <a:bgFillStyleLst>
         <a:solidFill>
           <a:schemeClr val="phClr"/>
         </a:solidFill>
+        <a:solidFill>
+          <a:schemeClr val="phClr">
+            <a:tint val="95000"/>
+            <a:satMod val="170000"/>
+          </a:schemeClr>
+        </a:solidFill>
         <a:gradFill rotWithShape="1">
           <a:gsLst>
             <a:gs pos="0">
               <a:schemeClr val="phClr">
-                <a:tint val="40000"/>
-                <a:satMod val="350000"/>
+                <a:tint val="93000"/>
+                <a:shade val="98000"/>
+                <a:satMod val="150000"/>
+                <a:lumMod val="102000"/>
               </a:schemeClr>
             </a:gs>
-            <a:gs pos="40000">
+            <a:gs pos="50000">
               <a:schemeClr val="phClr">
-                <a:tint val="45000"/>
-                <a:shade val="99000"/>
-                <a:satMod val="350000"/>
+                <a:tint val="98000"/>
+                <a:shade val="90000"/>
+                <a:satMod val="130000"/>
+                <a:lumMod val="103000"/>
               </a:schemeClr>
             </a:gs>
             <a:gs pos="100000">
               <a:schemeClr val="phClr">
-                <a:shade val="20000"/>
-                <a:satMod val="255000"/>
+                <a:shade val="63000"/>
+                <a:satMod val="120000"/>
               </a:schemeClr>
             </a:gs>
           </a:gsLst>
-          <a:path path="circle">
-            <a:fillToRect l="50000" t="-80000" r="50000" b="180000"/>
-          </a:path>
-        </a:gradFill>
-        <a:gradFill rotWithShape="1">
-          <a:gsLst>
-            <a:gs pos="0">
-              <a:schemeClr val="phClr">
-                <a:tint val="80000"/>
-                <a:satMod val="300000"/>
-              </a:schemeClr>
-            </a:gs>
-            <a:gs pos="100000">
-              <a:schemeClr val="phClr">
-                <a:shade val="30000"/>
-                <a:satMod val="200000"/>
-              </a:schemeClr>
-            </a:gs>
-          </a:gsLst>
-          <a:path path="circle">
-            <a:fillToRect l="50000" t="50000" r="50000" b="50000"/>
-          </a:path>
+          <a:lin ang="5400000" scaled="0"/>
         </a:gradFill>
       </a:bgFillStyleLst>
     </a:fmtScheme>
   </a:themeElements>
   <a:objectDefaults/>
   <a:extraClrSchemeLst/>
+  <a:extLst>
+    <a:ext uri="{05A4C25C-085E-4340-85A3-A5531E510DB2}">
+      <thm15:themeFamily xmlns:thm15="http://schemas.microsoft.com/office/thememl/2012/main" name="Crop" id="{EC9488ED-E761-4D60-9AC4-764D1FE2C171}" vid="{CE19780C-D67D-4C13-9DE9-A52BC3BA51B4}"/>
+    </a:ext>
+  </a:extLst>
 </a:theme>
 </file>
--- a/Documents/Mobile Motion Tracking Robot Arm poster.pptx
+++ b/Documents/Mobile Motion Tracking Robot Arm poster.pptx
@@ -4,6 +4,9 @@
   <p:sldMasterIdLst>
     <p:sldMasterId id="2147483684" r:id="rId1"/>
   </p:sldMasterIdLst>
+  <p:notesMasterIdLst>
+    <p:notesMasterId r:id="rId18"/>
+  </p:notesMasterIdLst>
   <p:sldIdLst>
     <p:sldId id="256" r:id="rId2"/>
     <p:sldId id="262" r:id="rId3"/>
@@ -138,6 +141,440 @@
 </p:presentation>
 </file>
 
+<file path=ppt/notesMasters/notesMaster1.xml><?xml version="1.0" encoding="utf-8"?>
+<p:notesMaster xmlns:a="http://schemas.openxmlformats.org/drawingml/2006/main" xmlns:r="http://schemas.openxmlformats.org/officeDocument/2006/relationships" xmlns:p="http://schemas.openxmlformats.org/presentationml/2006/main">
+  <p:cSld>
+    <p:bg>
+      <p:bgRef idx="1001">
+        <a:schemeClr val="bg1"/>
+      </p:bgRef>
+    </p:bg>
+    <p:spTree>
+      <p:nvGrpSpPr>
+        <p:cNvPr id="1" name=""/>
+        <p:cNvGrpSpPr/>
+        <p:nvPr/>
+      </p:nvGrpSpPr>
+      <p:grpSpPr>
+        <a:xfrm>
+          <a:off x="0" y="0"/>
+          <a:ext cx="0" cy="0"/>
+          <a:chOff x="0" y="0"/>
+          <a:chExt cx="0" cy="0"/>
+        </a:xfrm>
+      </p:grpSpPr>
+      <p:sp>
+        <p:nvSpPr>
+          <p:cNvPr id="2" name="Header Placeholder 1"/>
+          <p:cNvSpPr>
+            <a:spLocks noGrp="1"/>
+          </p:cNvSpPr>
+          <p:nvPr>
+            <p:ph type="hdr" sz="quarter"/>
+          </p:nvPr>
+        </p:nvSpPr>
+        <p:spPr>
+          <a:xfrm>
+            <a:off x="0" y="0"/>
+            <a:ext cx="2971800" cy="458788"/>
+          </a:xfrm>
+          <a:prstGeom prst="rect">
+            <a:avLst/>
+          </a:prstGeom>
+        </p:spPr>
+        <p:txBody>
+          <a:bodyPr vert="horz" lIns="91440" tIns="45720" rIns="91440" bIns="45720" rtlCol="0"/>
+          <a:lstStyle>
+            <a:lvl1pPr algn="l">
+              <a:defRPr sz="1200"/>
+            </a:lvl1pPr>
+          </a:lstStyle>
+          <a:p>
+            <a:endParaRPr lang="en-US"/>
+          </a:p>
+        </p:txBody>
+      </p:sp>
+      <p:sp>
+        <p:nvSpPr>
+          <p:cNvPr id="3" name="Date Placeholder 2"/>
+          <p:cNvSpPr>
+            <a:spLocks noGrp="1"/>
+          </p:cNvSpPr>
+          <p:nvPr>
+            <p:ph type="dt" idx="1"/>
+          </p:nvPr>
+        </p:nvSpPr>
+        <p:spPr>
+          <a:xfrm>
+            <a:off x="3884613" y="0"/>
+            <a:ext cx="2971800" cy="458788"/>
+          </a:xfrm>
+          <a:prstGeom prst="rect">
+            <a:avLst/>
+          </a:prstGeom>
+        </p:spPr>
+        <p:txBody>
+          <a:bodyPr vert="horz" lIns="91440" tIns="45720" rIns="91440" bIns="45720" rtlCol="0"/>
+          <a:lstStyle>
+            <a:lvl1pPr algn="r">
+              <a:defRPr sz="1200"/>
+            </a:lvl1pPr>
+          </a:lstStyle>
+          <a:p>
+            <a:fld id="{268F506D-26F5-4309-8499-7C58FB34B1C8}" type="datetimeFigureOut">
+              <a:rPr lang="en-US" smtClean="0"/>
+              <a:t>4/18/2016</a:t>
+            </a:fld>
+            <a:endParaRPr lang="en-US"/>
+          </a:p>
+        </p:txBody>
+      </p:sp>
+      <p:sp>
+        <p:nvSpPr>
+          <p:cNvPr id="4" name="Slide Image Placeholder 3"/>
+          <p:cNvSpPr>
+            <a:spLocks noGrp="1" noRot="1" noChangeAspect="1"/>
+          </p:cNvSpPr>
+          <p:nvPr>
+            <p:ph type="sldImg" idx="2"/>
+          </p:nvPr>
+        </p:nvSpPr>
+        <p:spPr>
+          <a:xfrm>
+            <a:off x="1371600" y="1143000"/>
+            <a:ext cx="4114800" cy="3086100"/>
+          </a:xfrm>
+          <a:prstGeom prst="rect">
+            <a:avLst/>
+          </a:prstGeom>
+          <a:noFill/>
+          <a:ln w="12700">
+            <a:solidFill>
+              <a:prstClr val="black"/>
+            </a:solidFill>
+          </a:ln>
+        </p:spPr>
+        <p:txBody>
+          <a:bodyPr vert="horz" lIns="91440" tIns="45720" rIns="91440" bIns="45720" rtlCol="0" anchor="ctr"/>
+          <a:lstStyle/>
+          <a:p>
+            <a:endParaRPr lang="en-US"/>
+          </a:p>
+        </p:txBody>
+      </p:sp>
+      <p:sp>
+        <p:nvSpPr>
+          <p:cNvPr id="5" name="Notes Placeholder 4"/>
+          <p:cNvSpPr>
+            <a:spLocks noGrp="1"/>
+          </p:cNvSpPr>
+          <p:nvPr>
+            <p:ph type="body" sz="quarter" idx="3"/>
+          </p:nvPr>
+        </p:nvSpPr>
+        <p:spPr>
+          <a:xfrm>
+            <a:off x="685800" y="4400550"/>
+            <a:ext cx="5486400" cy="3600450"/>
+          </a:xfrm>
+          <a:prstGeom prst="rect">
+            <a:avLst/>
+          </a:prstGeom>
+        </p:spPr>
+        <p:txBody>
+          <a:bodyPr vert="horz" lIns="91440" tIns="45720" rIns="91440" bIns="45720" rtlCol="0"/>
+          <a:lstStyle/>
+          <a:p>
+            <a:pPr lvl="0"/>
+            <a:r>
+              <a:rPr lang="en-US" smtClean="0"/>
+              <a:t>Click to edit Master text styles</a:t>
+            </a:r>
+          </a:p>
+          <a:p>
+            <a:pPr lvl="1"/>
+            <a:r>
+              <a:rPr lang="en-US" smtClean="0"/>
+              <a:t>Second level</a:t>
+            </a:r>
+          </a:p>
+          <a:p>
+            <a:pPr lvl="2"/>
+            <a:r>
+              <a:rPr lang="en-US" smtClean="0"/>
+              <a:t>Third level</a:t>
+            </a:r>
+          </a:p>
+          <a:p>
+            <a:pPr lvl="3"/>
+            <a:r>
+              <a:rPr lang="en-US" smtClean="0"/>
+              <a:t>Fourth level</a:t>
+            </a:r>
+          </a:p>
+          <a:p>
+            <a:pPr lvl="4"/>
+            <a:r>
+              <a:rPr lang="en-US" smtClean="0"/>
+              <a:t>Fifth level</a:t>
+            </a:r>
+            <a:endParaRPr lang="en-US"/>
+          </a:p>
+        </p:txBody>
+      </p:sp>
+      <p:sp>
+        <p:nvSpPr>
+          <p:cNvPr id="6" name="Footer Placeholder 5"/>
+          <p:cNvSpPr>
+            <a:spLocks noGrp="1"/>
+          </p:cNvSpPr>
+          <p:nvPr>
+            <p:ph type="ftr" sz="quarter" idx="4"/>
+          </p:nvPr>
+        </p:nvSpPr>
+        <p:spPr>
+          <a:xfrm>
+            <a:off x="0" y="8685213"/>
+            <a:ext cx="2971800" cy="458787"/>
+          </a:xfrm>
+          <a:prstGeom prst="rect">
+            <a:avLst/>
+          </a:prstGeom>
+        </p:spPr>
+        <p:txBody>
+          <a:bodyPr vert="horz" lIns="91440" tIns="45720" rIns="91440" bIns="45720" rtlCol="0" anchor="b"/>
+          <a:lstStyle>
+            <a:lvl1pPr algn="l">
+              <a:defRPr sz="1200"/>
+            </a:lvl1pPr>
+          </a:lstStyle>
+          <a:p>
+            <a:endParaRPr lang="en-US"/>
+          </a:p>
+        </p:txBody>
+      </p:sp>
+      <p:sp>
+        <p:nvSpPr>
+          <p:cNvPr id="7" name="Slide Number Placeholder 6"/>
+          <p:cNvSpPr>
+            <a:spLocks noGrp="1"/>
+          </p:cNvSpPr>
+          <p:nvPr>
+            <p:ph type="sldNum" sz="quarter" idx="5"/>
+          </p:nvPr>
+        </p:nvSpPr>
+        <p:spPr>
+          <a:xfrm>
+            <a:off x="3884613" y="8685213"/>
+            <a:ext cx="2971800" cy="458787"/>
+          </a:xfrm>
+          <a:prstGeom prst="rect">
+            <a:avLst/>
+          </a:prstGeom>
+        </p:spPr>
+        <p:txBody>
+          <a:bodyPr vert="horz" lIns="91440" tIns="45720" rIns="91440" bIns="45720" rtlCol="0" anchor="b"/>
+          <a:lstStyle>
+            <a:lvl1pPr algn="r">
+              <a:defRPr sz="1200"/>
+            </a:lvl1pPr>
+          </a:lstStyle>
+          <a:p>
+            <a:fld id="{3B17A12C-C4E2-4206-8C18-BBFF2A1087F6}" type="slidenum">
+              <a:rPr lang="en-US" smtClean="0"/>
+              <a:t>‹#›</a:t>
+            </a:fld>
+            <a:endParaRPr lang="en-US"/>
+          </a:p>
+        </p:txBody>
+      </p:sp>
+    </p:spTree>
+    <p:extLst>
+      <p:ext uri="{BB962C8B-B14F-4D97-AF65-F5344CB8AC3E}">
+        <p14:creationId xmlns:p14="http://schemas.microsoft.com/office/powerpoint/2010/main" val="3470167929"/>
+      </p:ext>
+    </p:extLst>
+  </p:cSld>
+  <p:clrMap bg1="lt1" tx1="dk1" bg2="lt2" tx2="dk2" accent1="accent1" accent2="accent2" accent3="accent3" accent4="accent4" accent5="accent5" accent6="accent6" hlink="hlink" folHlink="folHlink"/>
+  <p:notesStyle>
+    <a:lvl1pPr marL="0" algn="l" defTabSz="914400" rtl="0" eaLnBrk="1" latinLnBrk="0" hangingPunct="1">
+      <a:defRPr sz="1200" kern="1200">
+        <a:solidFill>
+          <a:schemeClr val="tx1"/>
+        </a:solidFill>
+        <a:latin typeface="+mn-lt"/>
+        <a:ea typeface="+mn-ea"/>
+        <a:cs typeface="+mn-cs"/>
+      </a:defRPr>
+    </a:lvl1pPr>
+    <a:lvl2pPr marL="457200" algn="l" defTabSz="914400" rtl="0" eaLnBrk="1" latinLnBrk="0" hangingPunct="1">
+      <a:defRPr sz="1200" kern="1200">
+        <a:solidFill>
+          <a:schemeClr val="tx1"/>
+        </a:solidFill>
+        <a:latin typeface="+mn-lt"/>
+        <a:ea typeface="+mn-ea"/>
+        <a:cs typeface="+mn-cs"/>
+      </a:defRPr>
+    </a:lvl2pPr>
+    <a:lvl3pPr marL="914400" algn="l" defTabSz="914400" rtl="0" eaLnBrk="1" latinLnBrk="0" hangingPunct="1">
+      <a:defRPr sz="1200" kern="1200">
+        <a:solidFill>
+          <a:schemeClr val="tx1"/>
+        </a:solidFill>
+        <a:latin typeface="+mn-lt"/>
+        <a:ea typeface="+mn-ea"/>
+        <a:cs typeface="+mn-cs"/>
+      </a:defRPr>
+    </a:lvl3pPr>
+    <a:lvl4pPr marL="1371600" algn="l" defTabSz="914400" rtl="0" eaLnBrk="1" latinLnBrk="0" hangingPunct="1">
+      <a:defRPr sz="1200" kern="1200">
+        <a:solidFill>
+          <a:schemeClr val="tx1"/>
+        </a:solidFill>
+        <a:latin typeface="+mn-lt"/>
+        <a:ea typeface="+mn-ea"/>
+        <a:cs typeface="+mn-cs"/>
+      </a:defRPr>
+    </a:lvl4pPr>
+    <a:lvl5pPr marL="1828800" algn="l" defTabSz="914400" rtl="0" eaLnBrk="1" latinLnBrk="0" hangingPunct="1">
+      <a:defRPr sz="1200" kern="1200">
+        <a:solidFill>
+          <a:schemeClr val="tx1"/>
+        </a:solidFill>
+        <a:latin typeface="+mn-lt"/>
+        <a:ea typeface="+mn-ea"/>
+        <a:cs typeface="+mn-cs"/>
+      </a:defRPr>
+    </a:lvl5pPr>
+    <a:lvl6pPr marL="2286000" algn="l" defTabSz="914400" rtl="0" eaLnBrk="1" latinLnBrk="0" hangingPunct="1">
+      <a:defRPr sz="1200" kern="1200">
+        <a:solidFill>
+          <a:schemeClr val="tx1"/>
+        </a:solidFill>
+        <a:latin typeface="+mn-lt"/>
+        <a:ea typeface="+mn-ea"/>
+        <a:cs typeface="+mn-cs"/>
+      </a:defRPr>
+    </a:lvl6pPr>
+    <a:lvl7pPr marL="2743200" algn="l" defTabSz="914400" rtl="0" eaLnBrk="1" latinLnBrk="0" hangingPunct="1">
+      <a:defRPr sz="1200" kern="1200">
+        <a:solidFill>
+          <a:schemeClr val="tx1"/>
+        </a:solidFill>
+        <a:latin typeface="+mn-lt"/>
+        <a:ea typeface="+mn-ea"/>
+        <a:cs typeface="+mn-cs"/>
+      </a:defRPr>
+    </a:lvl7pPr>
+    <a:lvl8pPr marL="3200400" algn="l" defTabSz="914400" rtl="0" eaLnBrk="1" latinLnBrk="0" hangingPunct="1">
+      <a:defRPr sz="1200" kern="1200">
+        <a:solidFill>
+          <a:schemeClr val="tx1"/>
+        </a:solidFill>
+        <a:latin typeface="+mn-lt"/>
+        <a:ea typeface="+mn-ea"/>
+        <a:cs typeface="+mn-cs"/>
+      </a:defRPr>
+    </a:lvl8pPr>
+    <a:lvl9pPr marL="3657600" algn="l" defTabSz="914400" rtl="0" eaLnBrk="1" latinLnBrk="0" hangingPunct="1">
+      <a:defRPr sz="1200" kern="1200">
+        <a:solidFill>
+          <a:schemeClr val="tx1"/>
+        </a:solidFill>
+        <a:latin typeface="+mn-lt"/>
+        <a:ea typeface="+mn-ea"/>
+        <a:cs typeface="+mn-cs"/>
+      </a:defRPr>
+    </a:lvl9pPr>
+  </p:notesStyle>
+</p:notesMaster>
+</file>
+
+<file path=ppt/notesSlides/notesSlide1.xml><?xml version="1.0" encoding="utf-8"?>
+<p:notes xmlns:a="http://schemas.openxmlformats.org/drawingml/2006/main" xmlns:r="http://schemas.openxmlformats.org/officeDocument/2006/relationships" xmlns:p="http://schemas.openxmlformats.org/presentationml/2006/main">
+  <p:cSld>
+    <p:spTree>
+      <p:nvGrpSpPr>
+        <p:cNvPr id="1" name=""/>
+        <p:cNvGrpSpPr/>
+        <p:nvPr/>
+      </p:nvGrpSpPr>
+      <p:grpSpPr>
+        <a:xfrm>
+          <a:off x="0" y="0"/>
+          <a:ext cx="0" cy="0"/>
+          <a:chOff x="0" y="0"/>
+          <a:chExt cx="0" cy="0"/>
+        </a:xfrm>
+      </p:grpSpPr>
+      <p:sp>
+        <p:nvSpPr>
+          <p:cNvPr id="2" name="Slide Image Placeholder 1"/>
+          <p:cNvSpPr>
+            <a:spLocks noGrp="1" noRot="1" noChangeAspect="1"/>
+          </p:cNvSpPr>
+          <p:nvPr>
+            <p:ph type="sldImg"/>
+          </p:nvPr>
+        </p:nvSpPr>
+        <p:spPr/>
+      </p:sp>
+      <p:sp>
+        <p:nvSpPr>
+          <p:cNvPr id="3" name="Notes Placeholder 2"/>
+          <p:cNvSpPr>
+            <a:spLocks noGrp="1"/>
+          </p:cNvSpPr>
+          <p:nvPr>
+            <p:ph type="body" idx="1"/>
+          </p:nvPr>
+        </p:nvSpPr>
+        <p:spPr/>
+        <p:txBody>
+          <a:bodyPr/>
+          <a:lstStyle/>
+          <a:p>
+            <a:endParaRPr lang="en-US" dirty="0"/>
+          </a:p>
+        </p:txBody>
+      </p:sp>
+      <p:sp>
+        <p:nvSpPr>
+          <p:cNvPr id="4" name="Slide Number Placeholder 3"/>
+          <p:cNvSpPr>
+            <a:spLocks noGrp="1"/>
+          </p:cNvSpPr>
+          <p:nvPr>
+            <p:ph type="sldNum" sz="quarter" idx="10"/>
+          </p:nvPr>
+        </p:nvSpPr>
+        <p:spPr/>
+        <p:txBody>
+          <a:bodyPr/>
+          <a:lstStyle/>
+          <a:p>
+            <a:fld id="{3B17A12C-C4E2-4206-8C18-BBFF2A1087F6}" type="slidenum">
+              <a:rPr lang="en-US" smtClean="0"/>
+              <a:t>4</a:t>
+            </a:fld>
+            <a:endParaRPr lang="en-US"/>
+          </a:p>
+        </p:txBody>
+      </p:sp>
+    </p:spTree>
+    <p:extLst>
+      <p:ext uri="{BB962C8B-B14F-4D97-AF65-F5344CB8AC3E}">
+        <p14:creationId xmlns:p14="http://schemas.microsoft.com/office/powerpoint/2010/main" val="3890657980"/>
+      </p:ext>
+    </p:extLst>
+  </p:cSld>
+  <p:clrMapOvr>
+    <a:masterClrMapping/>
+  </p:clrMapOvr>
+</p:notes>
+</file>
+
 <file path=ppt/slideLayouts/slideLayout1.xml><?xml version="1.0" encoding="utf-8"?>
 <p:sldLayout xmlns:a="http://schemas.openxmlformats.org/drawingml/2006/main" xmlns:r="http://schemas.openxmlformats.org/officeDocument/2006/relationships" xmlns:p="http://schemas.openxmlformats.org/presentationml/2006/main" showMasterSp="0" type="title" preserve="1">
   <p:cSld name="Title Slide">
@@ -307,7 +744,7 @@
           <a:p>
             <a:fld id="{7903C747-3FF6-48D2-B6AA-BDBF9050E76E}" type="datetimeFigureOut">
               <a:rPr lang="en-US" smtClean="0"/>
-              <a:t>4/14/2016</a:t>
+              <a:t>4/18/2016</a:t>
             </a:fld>
             <a:endParaRPr lang="en-US"/>
           </a:p>
@@ -637,7 +1074,7 @@
           <a:p>
             <a:fld id="{7903C747-3FF6-48D2-B6AA-BDBF9050E76E}" type="datetimeFigureOut">
               <a:rPr lang="en-US" smtClean="0"/>
-              <a:t>4/14/2016</a:t>
+              <a:t>4/18/2016</a:t>
             </a:fld>
             <a:endParaRPr lang="en-US"/>
           </a:p>
@@ -817,7 +1254,7 @@
           <a:p>
             <a:fld id="{7903C747-3FF6-48D2-B6AA-BDBF9050E76E}" type="datetimeFigureOut">
               <a:rPr lang="en-US" smtClean="0"/>
-              <a:t>4/14/2016</a:t>
+              <a:t>4/18/2016</a:t>
             </a:fld>
             <a:endParaRPr lang="en-US"/>
           </a:p>
@@ -987,7 +1424,7 @@
           <a:p>
             <a:fld id="{7903C747-3FF6-48D2-B6AA-BDBF9050E76E}" type="datetimeFigureOut">
               <a:rPr lang="en-US" smtClean="0"/>
-              <a:t>4/14/2016</a:t>
+              <a:t>4/18/2016</a:t>
             </a:fld>
             <a:endParaRPr lang="en-US"/>
           </a:p>
@@ -1264,7 +1701,7 @@
           <a:p>
             <a:fld id="{7903C747-3FF6-48D2-B6AA-BDBF9050E76E}" type="datetimeFigureOut">
               <a:rPr lang="en-US" smtClean="0"/>
-              <a:t>4/14/2016</a:t>
+              <a:t>4/18/2016</a:t>
             </a:fld>
             <a:endParaRPr lang="en-US"/>
           </a:p>
@@ -1714,7 +2151,7 @@
           <a:p>
             <a:fld id="{7903C747-3FF6-48D2-B6AA-BDBF9050E76E}" type="datetimeFigureOut">
               <a:rPr lang="en-US" smtClean="0"/>
-              <a:t>4/14/2016</a:t>
+              <a:t>4/18/2016</a:t>
             </a:fld>
             <a:endParaRPr lang="en-US"/>
           </a:p>
@@ -2191,7 +2628,7 @@
           <a:p>
             <a:fld id="{7903C747-3FF6-48D2-B6AA-BDBF9050E76E}" type="datetimeFigureOut">
               <a:rPr lang="en-US" smtClean="0"/>
-              <a:t>4/14/2016</a:t>
+              <a:t>4/18/2016</a:t>
             </a:fld>
             <a:endParaRPr lang="en-US"/>
           </a:p>
@@ -2309,7 +2746,7 @@
           <a:p>
             <a:fld id="{7903C747-3FF6-48D2-B6AA-BDBF9050E76E}" type="datetimeFigureOut">
               <a:rPr lang="en-US" smtClean="0"/>
-              <a:t>4/14/2016</a:t>
+              <a:t>4/18/2016</a:t>
             </a:fld>
             <a:endParaRPr lang="en-US"/>
           </a:p>
@@ -2404,7 +2841,7 @@
           <a:p>
             <a:fld id="{7903C747-3FF6-48D2-B6AA-BDBF9050E76E}" type="datetimeFigureOut">
               <a:rPr lang="en-US" smtClean="0"/>
-              <a:t>4/14/2016</a:t>
+              <a:t>4/18/2016</a:t>
             </a:fld>
             <a:endParaRPr lang="en-US"/>
           </a:p>
@@ -2752,7 +3189,7 @@
           <a:p>
             <a:fld id="{7903C747-3FF6-48D2-B6AA-BDBF9050E76E}" type="datetimeFigureOut">
               <a:rPr lang="en-US" smtClean="0"/>
-              <a:t>4/14/2016</a:t>
+              <a:t>4/18/2016</a:t>
             </a:fld>
             <a:endParaRPr lang="en-US"/>
           </a:p>
@@ -3180,7 +3617,7 @@
           <a:p>
             <a:fld id="{7903C747-3FF6-48D2-B6AA-BDBF9050E76E}" type="datetimeFigureOut">
               <a:rPr lang="en-US" smtClean="0"/>
-              <a:t>4/14/2016</a:t>
+              <a:t>4/18/2016</a:t>
             </a:fld>
             <a:endParaRPr lang="en-US"/>
           </a:p>
@@ -3496,7 +3933,7 @@
           <a:p>
             <a:fld id="{7903C747-3FF6-48D2-B6AA-BDBF9050E76E}" type="datetimeFigureOut">
               <a:rPr lang="en-US" smtClean="0"/>
-              <a:t>4/14/2016</a:t>
+              <a:t>4/18/2016</a:t>
             </a:fld>
             <a:endParaRPr lang="en-US"/>
           </a:p>
@@ -3983,57 +4420,57 @@
   <p:extLst mod="1">
     <p:ext uri="{27BBF7A9-308A-43DC-89C8-2F10F3537804}">
       <p15:sldGuideLst xmlns:p15="http://schemas.microsoft.com/office/powerpoint/2012/main">
-        <p15:guide id="4294967295" pos="6912">
+        <p15:guide id="1" pos="6912">
           <p15:clr>
             <a:srgbClr val="F26B43"/>
           </p15:clr>
         </p15:guide>
-        <p15:guide id="4294967295" pos="936">
+        <p15:guide id="2" pos="936">
           <p15:clr>
             <a:srgbClr val="F26B43"/>
           </p15:clr>
         </p15:guide>
-        <p15:guide id="4294967295" pos="864">
+        <p15:guide id="3" pos="864">
           <p15:clr>
             <a:srgbClr val="F26B43"/>
           </p15:clr>
         </p15:guide>
-        <p15:guide id="4294967295" orient="horz" pos="1368">
+        <p15:guide id="4" orient="horz" pos="1368">
           <p15:clr>
             <a:srgbClr val="F26B43"/>
           </p15:clr>
         </p15:guide>
-        <p15:guide id="4294967295" orient="horz" pos="1440">
+        <p15:guide id="5" orient="horz" pos="1440">
           <p15:clr>
             <a:srgbClr val="F26B43"/>
           </p15:clr>
         </p15:guide>
-        <p15:guide id="4294967295" orient="horz" pos="3696">
+        <p15:guide id="6" orient="horz" pos="3696">
           <p15:clr>
             <a:srgbClr val="F26B43"/>
           </p15:clr>
         </p15:guide>
-        <p15:guide id="4294967295" orient="horz" pos="432">
+        <p15:guide id="7" orient="horz" pos="432">
           <p15:clr>
             <a:srgbClr val="F26B43"/>
           </p15:clr>
         </p15:guide>
-        <p15:guide id="4294967295" orient="horz" pos="1512">
+        <p15:guide id="8" orient="horz" pos="1512">
           <p15:clr>
             <a:srgbClr val="F26B43"/>
           </p15:clr>
         </p15:guide>
-        <p15:guide id="4294967295" pos="5184">
+        <p15:guide id="9" pos="5184">
           <p15:clr>
             <a:srgbClr val="F26B43"/>
           </p15:clr>
         </p15:guide>
-        <p15:guide id="4294967295" pos="702">
+        <p15:guide id="10" pos="702">
           <p15:clr>
             <a:srgbClr val="F26B43"/>
           </p15:clr>
         </p15:guide>
-        <p15:guide id="4294967295" pos="648">
+        <p15:guide id="11" pos="648">
           <p15:clr>
             <a:srgbClr val="F26B43"/>
           </p15:clr>
@@ -4103,15 +4540,7 @@
           <a:p>
             <a:r>
               <a:rPr lang="en-US" dirty="0" smtClean="0"/>
-              <a:t>Jeffery </a:t>
-            </a:r>
-            <a:r>
-              <a:rPr lang="en-US" dirty="0" smtClean="0"/>
-              <a:t>Ruocco (Computer Engineer), </a:t>
-            </a:r>
-            <a:r>
-              <a:rPr lang="en-US" dirty="0" smtClean="0"/>
-              <a:t>Jeffrey </a:t>
+              <a:t>Jeffery Ruocco (Computer Engineer), Jeffrey </a:t>
             </a:r>
             <a:r>
               <a:rPr lang="en-US" dirty="0" err="1" smtClean="0"/>
@@ -4119,11 +4548,7 @@
             </a:r>
             <a:r>
               <a:rPr lang="en-US" dirty="0" smtClean="0"/>
-              <a:t> (Computer Engineer), </a:t>
-            </a:r>
-            <a:r>
-              <a:rPr lang="en-US" dirty="0" smtClean="0"/>
-              <a:t>and </a:t>
+              <a:t> (Computer Engineer), and </a:t>
             </a:r>
             <a:r>
               <a:rPr lang="en-US" dirty="0" err="1" smtClean="0"/>
@@ -4131,11 +4556,7 @@
             </a:r>
             <a:r>
               <a:rPr lang="en-US" dirty="0" smtClean="0"/>
-              <a:t> </a:t>
-            </a:r>
-            <a:r>
-              <a:rPr lang="en-US" dirty="0" smtClean="0"/>
-              <a:t>Jean-</a:t>
+              <a:t> Jean-</a:t>
             </a:r>
             <a:r>
               <a:rPr lang="en-US" dirty="0" err="1" smtClean="0"/>
@@ -4309,8 +4730,13 @@
           <a:p>
             <a:r>
               <a:rPr lang="en-US" dirty="0" smtClean="0"/>
-              <a:t>Skeletal tracking</a:t>
-            </a:r>
+              <a:t>Skeletal </a:t>
+            </a:r>
+            <a:r>
+              <a:rPr lang="en-US" dirty="0" smtClean="0"/>
+              <a:t>tracking using SDK</a:t>
+            </a:r>
+            <a:endParaRPr lang="en-US" dirty="0" smtClean="0"/>
           </a:p>
           <a:p>
             <a:r>
@@ -4332,6 +4758,47 @@
           </a:p>
         </p:txBody>
       </p:sp>
+      <p:pic>
+        <p:nvPicPr>
+          <p:cNvPr id="4" name="Picture 4" descr="http://www.intechopen.com/source/html/49181/media/image4.png"/>
+          <p:cNvPicPr>
+            <a:picLocks noChangeAspect="1" noChangeArrowheads="1"/>
+          </p:cNvPicPr>
+          <p:nvPr/>
+        </p:nvPicPr>
+        <p:blipFill>
+          <a:blip r:embed="rId2" cstate="print">
+            <a:extLst>
+              <a:ext uri="{28A0092B-C50C-407E-A947-70E740481C1C}">
+                <a14:useLocalDpi xmlns:a14="http://schemas.microsoft.com/office/drawing/2010/main" val="0"/>
+              </a:ext>
+            </a:extLst>
+          </a:blip>
+          <a:srcRect/>
+          <a:stretch>
+            <a:fillRect/>
+          </a:stretch>
+        </p:blipFill>
+        <p:spPr bwMode="auto">
+          <a:xfrm>
+            <a:off x="5562600" y="571500"/>
+            <a:ext cx="2438400" cy="1062466"/>
+          </a:xfrm>
+          <a:prstGeom prst="rect">
+            <a:avLst/>
+          </a:prstGeom>
+          <a:noFill/>
+          <a:extLst>
+            <a:ext uri="{909E8E84-426E-40DD-AFC4-6F175D3DCCD1}">
+              <a14:hiddenFill xmlns:a14="http://schemas.microsoft.com/office/drawing/2010/main">
+                <a:solidFill>
+                  <a:srgbClr val="FFFFFF"/>
+                </a:solidFill>
+              </a14:hiddenFill>
+            </a:ext>
+          </a:extLst>
+        </p:spPr>
+      </p:pic>
     </p:spTree>
     <p:extLst>
       <p:ext uri="{BB962C8B-B14F-4D97-AF65-F5344CB8AC3E}">
@@ -5072,39 +5539,55 @@
         </p:nvSpPr>
         <p:spPr/>
         <p:txBody>
-          <a:bodyPr/>
+          <a:bodyPr>
+            <a:normAutofit/>
+          </a:bodyPr>
           <a:lstStyle/>
           <a:p>
             <a:r>
               <a:rPr lang="en-US" dirty="0" smtClean="0"/>
-              <a:t>Sensors</a:t>
+              <a:t>Three Sensors: IR Emitter, IR Depth Sensor, RGB Camera</a:t>
             </a:r>
           </a:p>
           <a:p>
             <a:r>
               <a:rPr lang="en-US" dirty="0" smtClean="0"/>
-              <a:t>SDK</a:t>
-            </a:r>
-          </a:p>
-          <a:p>
+              <a:t>Kinect uses a technique known as </a:t>
+            </a:r>
+            <a:r>
+              <a:rPr lang="en-US" i="1" dirty="0" smtClean="0"/>
+              <a:t>structured light</a:t>
+            </a:r>
             <a:r>
               <a:rPr lang="en-US" dirty="0" smtClean="0"/>
-              <a:t>Skeletal tracking</a:t>
-            </a:r>
-            <a:endParaRPr lang="en-US" dirty="0"/>
+              <a:t> to create a depth map</a:t>
+            </a:r>
+          </a:p>
+          <a:p>
+            <a:r>
+              <a:rPr lang="en-US" dirty="0" smtClean="0"/>
+              <a:t>Body position is inferred using machine learning</a:t>
+            </a:r>
+          </a:p>
+          <a:p>
+            <a:r>
+              <a:rPr lang="en-US" dirty="0" smtClean="0"/>
+              <a:t>Kinect for Windows SDK v1.8</a:t>
+            </a:r>
+            <a:endParaRPr lang="en-US" dirty="0" smtClean="0"/>
           </a:p>
         </p:txBody>
       </p:sp>
       <p:pic>
         <p:nvPicPr>
-          <p:cNvPr id="4" name="Picture 4" descr="http://www.intechopen.com/source/html/49181/media/image4.png"/>
+          <p:cNvPr id="6" name="Picture 2" descr="https://i-msdn.sec.s-msft.com/dynimg/IC584396.png"/>
           <p:cNvPicPr>
             <a:picLocks noChangeAspect="1" noChangeArrowheads="1"/>
           </p:cNvPicPr>
           <p:nvPr/>
         </p:nvPicPr>
         <p:blipFill>
-          <a:blip r:embed="rId2" cstate="print">
+          <a:blip r:embed="rId3">
             <a:extLst>
               <a:ext uri="{28A0092B-C50C-407E-A947-70E740481C1C}">
                 <a14:useLocalDpi xmlns:a14="http://schemas.microsoft.com/office/drawing/2010/main" val="0"/>
@@ -5118,8 +5601,8 @@
         </p:blipFill>
         <p:spPr bwMode="auto">
           <a:xfrm>
-            <a:off x="5410200" y="603775"/>
-            <a:ext cx="2438400" cy="1062466"/>
+            <a:off x="2590800" y="4495800"/>
+            <a:ext cx="4067175" cy="2086639"/>
           </a:xfrm>
           <a:prstGeom prst="rect">
             <a:avLst/>
@@ -5217,26 +5700,65 @@
           <a:p>
             <a:r>
               <a:rPr lang="en-US" dirty="0" smtClean="0"/>
-              <a:t>Servos</a:t>
+              <a:t>Five servos: base, shoulder, elbow, wrist, gripper</a:t>
             </a:r>
           </a:p>
           <a:p>
             <a:r>
               <a:rPr lang="en-US" dirty="0" smtClean="0"/>
-              <a:t>Dimensions</a:t>
+              <a:t>Maximum reach of 16.5 inches</a:t>
             </a:r>
           </a:p>
           <a:p>
             <a:r>
               <a:rPr lang="en-US" dirty="0" smtClean="0"/>
-              <a:t>Limitations</a:t>
-            </a:r>
-          </a:p>
-          <a:p>
-            <a:endParaRPr lang="en-US" dirty="0"/>
-          </a:p>
-        </p:txBody>
-      </p:sp>
+              <a:t>Can lift up to 10oz at full reach</a:t>
+            </a:r>
+            <a:endParaRPr lang="en-US" dirty="0" smtClean="0"/>
+          </a:p>
+        </p:txBody>
+      </p:sp>
+      <p:pic>
+        <p:nvPicPr>
+          <p:cNvPr id="2050" name="Picture 2" descr="http://www.robotshop.com/blog/en/files/lynxmotion-al5d-arm.png"/>
+          <p:cNvPicPr>
+            <a:picLocks noChangeAspect="1" noChangeArrowheads="1"/>
+          </p:cNvPicPr>
+          <p:nvPr/>
+        </p:nvPicPr>
+        <p:blipFill>
+          <a:blip r:embed="rId2" cstate="print">
+            <a:extLst>
+              <a:ext uri="{28A0092B-C50C-407E-A947-70E740481C1C}">
+                <a14:useLocalDpi xmlns:a14="http://schemas.microsoft.com/office/drawing/2010/main" val="0"/>
+              </a:ext>
+            </a:extLst>
+          </a:blip>
+          <a:srcRect/>
+          <a:stretch>
+            <a:fillRect/>
+          </a:stretch>
+        </p:blipFill>
+        <p:spPr bwMode="auto">
+          <a:xfrm>
+            <a:off x="3067050" y="4076700"/>
+            <a:ext cx="3124200" cy="2096021"/>
+          </a:xfrm>
+          <a:prstGeom prst="rect">
+            <a:avLst/>
+          </a:prstGeom>
+          <a:noFill/>
+          <a:extLst>
+            <a:ext uri="{909E8E84-426E-40DD-AFC4-6F175D3DCCD1}">
+              <a14:hiddenFill xmlns:a14="http://schemas.microsoft.com/office/drawing/2010/main">
+                <a:solidFill>
+                  <a:srgbClr val="FFFFFF"/>
+                </a:solidFill>
+              </a14:hiddenFill>
+            </a:ext>
+          </a:extLst>
+        </p:spPr>
+      </p:pic>
     </p:spTree>
     <p:extLst>
       <p:ext uri="{BB962C8B-B14F-4D97-AF65-F5344CB8AC3E}">
@@ -5314,13 +5836,21 @@
           <a:p>
             <a:r>
               <a:rPr lang="en-US" dirty="0" smtClean="0"/>
-              <a:t>Servos</a:t>
-            </a:r>
-          </a:p>
-          <a:p>
+              <a:t>Four </a:t>
+            </a:r>
+            <a:r>
+              <a:rPr lang="en-US" dirty="0" err="1" smtClean="0"/>
+              <a:t>FeeTech</a:t>
+            </a:r>
             <a:r>
               <a:rPr lang="en-US" dirty="0" smtClean="0"/>
-              <a:t>Aluminum panel and channels </a:t>
+              <a:t> continuous servos, one for each wheel (4WD)</a:t>
+            </a:r>
+          </a:p>
+          <a:p>
+            <a:r>
+              <a:rPr lang="en-US" dirty="0" smtClean="0"/>
+              <a:t>One aluminum panel and two aluminum channels</a:t>
             </a:r>
             <a:endParaRPr lang="en-US" dirty="0"/>
           </a:p>
@@ -5881,4 +6411,265 @@
     </a:ext>
   </a:extLst>
 </a:theme>
+</file>
+
+<file path=ppt/theme/theme2.xml><?xml version="1.0" encoding="utf-8"?>
+<a:theme xmlns:a="http://schemas.openxmlformats.org/drawingml/2006/main" name="Office Theme">
+  <a:themeElements>
+    <a:clrScheme name="Office">
+      <a:dk1>
+        <a:sysClr val="windowText" lastClr="000000"/>
+      </a:dk1>
+      <a:lt1>
+        <a:sysClr val="window" lastClr="FFFFFF"/>
+      </a:lt1>
+      <a:dk2>
+        <a:srgbClr val="44546A"/>
+      </a:dk2>
+      <a:lt2>
+        <a:srgbClr val="E7E6E6"/>
+      </a:lt2>
+      <a:accent1>
+        <a:srgbClr val="5B9BD5"/>
+      </a:accent1>
+      <a:accent2>
+        <a:srgbClr val="ED7D31"/>
+      </a:accent2>
+      <a:accent3>
+        <a:srgbClr val="A5A5A5"/>
+      </a:accent3>
+      <a:accent4>
+        <a:srgbClr val="FFC000"/>
+      </a:accent4>
+      <a:accent5>
+        <a:srgbClr val="4472C4"/>
+      </a:accent5>
+      <a:accent6>
+        <a:srgbClr val="70AD47"/>
+      </a:accent6>
+      <a:hlink>
+        <a:srgbClr val="0563C1"/>
+      </a:hlink>
+      <a:folHlink>
+        <a:srgbClr val="954F72"/>
+      </a:folHlink>
+    </a:clrScheme>
+    <a:fontScheme name="Office">
+      <a:majorFont>
+        <a:latin typeface="Calibri Light" panose="020F0302020204030204"/>
+        <a:ea typeface=""/>
+        <a:cs typeface=""/>
+        <a:font script="Jpan" typeface="ＭＳ Ｐゴシック"/>
+        <a:font script="Hang" typeface="맑은 고딕"/>
+        <a:font script="Hans" typeface="宋体"/>
+        <a:font script="Hant" typeface="新細明體"/>
+        <a:font script="Arab" typeface="Times New Roman"/>
+        <a:font script="Hebr" typeface="Times New Roman"/>
+        <a:font script="Thai" typeface="Angsana New"/>
+        <a:font script="Ethi" typeface="Nyala"/>
+        <a:font script="Beng" typeface="Vrinda"/>
+        <a:font script="Gujr" typeface="Shruti"/>
+        <a:font script="Khmr" typeface="MoolBoran"/>
+        <a:font script="Knda" typeface="Tunga"/>
+        <a:font script="Guru" typeface="Raavi"/>
+        <a:font script="Cans" typeface="Euphemia"/>
+        <a:font script="Cher" typeface="Plantagenet Cherokee"/>
+        <a:font script="Yiii" typeface="Microsoft Yi Baiti"/>
+        <a:font script="Tibt" typeface="Microsoft Himalaya"/>
+        <a:font script="Thaa" typeface="MV Boli"/>
+        <a:font script="Deva" typeface="Mangal"/>
+        <a:font script="Telu" typeface="Gautami"/>
+        <a:font script="Taml" typeface="Latha"/>
+        <a:font script="Syrc" typeface="Estrangelo Edessa"/>
+        <a:font script="Orya" typeface="Kalinga"/>
+        <a:font script="Mlym" typeface="Kartika"/>
+        <a:font script="Laoo" typeface="DokChampa"/>
+        <a:font script="Sinh" typeface="Iskoola Pota"/>
+        <a:font script="Mong" typeface="Mongolian Baiti"/>
+        <a:font script="Viet" typeface="Times New Roman"/>
+        <a:font script="Uigh" typeface="Microsoft Uighur"/>
+        <a:font script="Geor" typeface="Sylfaen"/>
+      </a:majorFont>
+      <a:minorFont>
+        <a:latin typeface="Calibri" panose="020F0502020204030204"/>
+        <a:ea typeface=""/>
+        <a:cs typeface=""/>
+        <a:font script="Jpan" typeface="ＭＳ Ｐゴシック"/>
+        <a:font script="Hang" typeface="맑은 고딕"/>
+        <a:font script="Hans" typeface="宋体"/>
+        <a:font script="Hant" typeface="新細明體"/>
+        <a:font script="Arab" typeface="Arial"/>
+        <a:font script="Hebr" typeface="Arial"/>
+        <a:font script="Thai" typeface="Cordia New"/>
+        <a:font script="Ethi" typeface="Nyala"/>
+        <a:font script="Beng" typeface="Vrinda"/>
+        <a:font script="Gujr" typeface="Shruti"/>
+        <a:font script="Khmr" typeface="DaunPenh"/>
+        <a:font script="Knda" typeface="Tunga"/>
+        <a:font script="Guru" typeface="Raavi"/>
+        <a:font script="Cans" typeface="Euphemia"/>
+        <a:font script="Cher" typeface="Plantagenet Cherokee"/>
+        <a:font script="Yiii" typeface="Microsoft Yi Baiti"/>
+        <a:font script="Tibt" typeface="Microsoft Himalaya"/>
+        <a:font script="Thaa" typeface="MV Boli"/>
+        <a:font script="Deva" typeface="Mangal"/>
+        <a:font script="Telu" typeface="Gautami"/>
+        <a:font script="Taml" typeface="Latha"/>
+        <a:font script="Syrc" typeface="Estrangelo Edessa"/>
+        <a:font script="Orya" typeface="Kalinga"/>
+        <a:font script="Mlym" typeface="Kartika"/>
+        <a:font script="Laoo" typeface="DokChampa"/>
+        <a:font script="Sinh" typeface="Iskoola Pota"/>
+        <a:font script="Mong" typeface="Mongolian Baiti"/>
+        <a:font script="Viet" typeface="Arial"/>
+        <a:font script="Uigh" typeface="Microsoft Uighur"/>
+        <a:font script="Geor" typeface="Sylfaen"/>
+      </a:minorFont>
+    </a:fontScheme>
+    <a:fmtScheme name="Office">
+      <a:fillStyleLst>
+        <a:solidFill>
+          <a:schemeClr val="phClr"/>
+        </a:solidFill>
+        <a:gradFill rotWithShape="1">
+          <a:gsLst>
+            <a:gs pos="0">
+              <a:schemeClr val="phClr">
+                <a:lumMod val="110000"/>
+                <a:satMod val="105000"/>
+                <a:tint val="67000"/>
+              </a:schemeClr>
+            </a:gs>
+            <a:gs pos="50000">
+              <a:schemeClr val="phClr">
+                <a:lumMod val="105000"/>
+                <a:satMod val="103000"/>
+                <a:tint val="73000"/>
+              </a:schemeClr>
+            </a:gs>
+            <a:gs pos="100000">
+              <a:schemeClr val="phClr">
+                <a:lumMod val="105000"/>
+                <a:satMod val="109000"/>
+                <a:tint val="81000"/>
+              </a:schemeClr>
+            </a:gs>
+          </a:gsLst>
+          <a:lin ang="5400000" scaled="0"/>
+        </a:gradFill>
+        <a:gradFill rotWithShape="1">
+          <a:gsLst>
+            <a:gs pos="0">
+              <a:schemeClr val="phClr">
+                <a:satMod val="103000"/>
+                <a:lumMod val="102000"/>
+                <a:tint val="94000"/>
+              </a:schemeClr>
+            </a:gs>
+            <a:gs pos="50000">
+              <a:schemeClr val="phClr">
+                <a:satMod val="110000"/>
+                <a:lumMod val="100000"/>
+                <a:shade val="100000"/>
+              </a:schemeClr>
+            </a:gs>
+            <a:gs pos="100000">
+              <a:schemeClr val="phClr">
+                <a:lumMod val="99000"/>
+                <a:satMod val="120000"/>
+                <a:shade val="78000"/>
+              </a:schemeClr>
+            </a:gs>
+          </a:gsLst>
+          <a:lin ang="5400000" scaled="0"/>
+        </a:gradFill>
+      </a:fillStyleLst>
+      <a:lnStyleLst>
+        <a:ln w="6350" cap="flat" cmpd="sng" algn="ctr">
+          <a:solidFill>
+            <a:schemeClr val="phClr"/>
+          </a:solidFill>
+          <a:prstDash val="solid"/>
+          <a:miter lim="800000"/>
+        </a:ln>
+        <a:ln w="12700" cap="flat" cmpd="sng" algn="ctr">
+          <a:solidFill>
+            <a:schemeClr val="phClr"/>
+          </a:solidFill>
+          <a:prstDash val="solid"/>
+          <a:miter lim="800000"/>
+        </a:ln>
+        <a:ln w="19050" cap="flat" cmpd="sng" algn="ctr">
+          <a:solidFill>
+            <a:schemeClr val="phClr"/>
+          </a:solidFill>
+          <a:prstDash val="solid"/>
+          <a:miter lim="800000"/>
+        </a:ln>
+      </a:lnStyleLst>
+      <a:effectStyleLst>
+        <a:effectStyle>
+          <a:effectLst/>
+        </a:effectStyle>
+        <a:effectStyle>
+          <a:effectLst/>
+        </a:effectStyle>
+        <a:effectStyle>
+          <a:effectLst>
+            <a:outerShdw blurRad="57150" dist="19050" dir="5400000" algn="ctr" rotWithShape="0">
+              <a:srgbClr val="000000">
+                <a:alpha val="63000"/>
+              </a:srgbClr>
+            </a:outerShdw>
+          </a:effectLst>
+        </a:effectStyle>
+      </a:effectStyleLst>
+      <a:bgFillStyleLst>
+        <a:solidFill>
+          <a:schemeClr val="phClr"/>
+        </a:solidFill>
+        <a:solidFill>
+          <a:schemeClr val="phClr">
+            <a:tint val="95000"/>
+            <a:satMod val="170000"/>
+          </a:schemeClr>
+        </a:solidFill>
+        <a:gradFill rotWithShape="1">
+          <a:gsLst>
+            <a:gs pos="0">
+              <a:schemeClr val="phClr">
+                <a:tint val="93000"/>
+                <a:satMod val="150000"/>
+                <a:shade val="98000"/>
+                <a:lumMod val="102000"/>
+              </a:schemeClr>
+            </a:gs>
+            <a:gs pos="50000">
+              <a:schemeClr val="phClr">
+                <a:tint val="98000"/>
+                <a:satMod val="130000"/>
+                <a:shade val="90000"/>
+                <a:lumMod val="103000"/>
+              </a:schemeClr>
+            </a:gs>
+            <a:gs pos="100000">
+              <a:schemeClr val="phClr">
+                <a:shade val="63000"/>
+                <a:satMod val="120000"/>
+              </a:schemeClr>
+            </a:gs>
+          </a:gsLst>
+          <a:lin ang="5400000" scaled="0"/>
+        </a:gradFill>
+      </a:bgFillStyleLst>
+    </a:fmtScheme>
+  </a:themeElements>
+  <a:objectDefaults/>
+  <a:extraClrSchemeLst/>
+  <a:extLst>
+    <a:ext uri="{05A4C25C-085E-4340-85A3-A5531E510DB2}">
+      <thm15:themeFamily xmlns:thm15="http://schemas.microsoft.com/office/thememl/2012/main" name="Office Theme" id="{62F939B6-93AF-4DB8-9C6B-D6C7DFDC589F}" vid="{4A3C46E8-61CC-4603-A589-7422A47A8E4A}"/>
+    </a:ext>
+  </a:extLst>
+</a:theme>
 </file>